--- a/docs/presentation.pptx
+++ b/docs/presentation.pptx
@@ -5,60 +5,64 @@
     <p:sldMasterId id="2147483648" r:id="rId1"/>
   </p:sldMasterIdLst>
   <p:sldIdLst>
-    <p:sldId id="256" r:id="rId2"/>
-    <p:sldId id="257" r:id="rId3"/>
+    <p:sldId id="257" r:id="rId2"/>
+    <p:sldId id="256" r:id="rId3"/>
     <p:sldId id="294" r:id="rId4"/>
     <p:sldId id="296" r:id="rId5"/>
     <p:sldId id="258" r:id="rId6"/>
-    <p:sldId id="259" r:id="rId7"/>
-    <p:sldId id="260" r:id="rId8"/>
-    <p:sldId id="297" r:id="rId9"/>
-    <p:sldId id="263" r:id="rId10"/>
-    <p:sldId id="264" r:id="rId11"/>
-    <p:sldId id="265" r:id="rId12"/>
-    <p:sldId id="266" r:id="rId13"/>
-    <p:sldId id="267" r:id="rId14"/>
-    <p:sldId id="268" r:id="rId15"/>
-    <p:sldId id="298" r:id="rId16"/>
-    <p:sldId id="269" r:id="rId17"/>
-    <p:sldId id="270" r:id="rId18"/>
-    <p:sldId id="271" r:id="rId19"/>
-    <p:sldId id="272" r:id="rId20"/>
-    <p:sldId id="299" r:id="rId21"/>
-    <p:sldId id="273" r:id="rId22"/>
-    <p:sldId id="300" r:id="rId23"/>
-    <p:sldId id="274" r:id="rId24"/>
-    <p:sldId id="275" r:id="rId25"/>
-    <p:sldId id="301" r:id="rId26"/>
-    <p:sldId id="276" r:id="rId27"/>
-    <p:sldId id="302" r:id="rId28"/>
-    <p:sldId id="277" r:id="rId29"/>
-    <p:sldId id="278" r:id="rId30"/>
-    <p:sldId id="279" r:id="rId31"/>
-    <p:sldId id="280" r:id="rId32"/>
-    <p:sldId id="281" r:id="rId33"/>
-    <p:sldId id="282" r:id="rId34"/>
-    <p:sldId id="283" r:id="rId35"/>
-    <p:sldId id="284" r:id="rId36"/>
-    <p:sldId id="285" r:id="rId37"/>
-    <p:sldId id="286" r:id="rId38"/>
-    <p:sldId id="287" r:id="rId39"/>
-    <p:sldId id="288" r:id="rId40"/>
-    <p:sldId id="293" r:id="rId41"/>
-    <p:sldId id="303" r:id="rId42"/>
-    <p:sldId id="289" r:id="rId43"/>
-    <p:sldId id="310" r:id="rId44"/>
-    <p:sldId id="304" r:id="rId45"/>
-    <p:sldId id="290" r:id="rId46"/>
-    <p:sldId id="311" r:id="rId47"/>
-    <p:sldId id="295" r:id="rId48"/>
-    <p:sldId id="305" r:id="rId49"/>
-    <p:sldId id="291" r:id="rId50"/>
-    <p:sldId id="307" r:id="rId51"/>
-    <p:sldId id="306" r:id="rId52"/>
-    <p:sldId id="292" r:id="rId53"/>
-    <p:sldId id="308" r:id="rId54"/>
-    <p:sldId id="309" r:id="rId55"/>
+    <p:sldId id="314" r:id="rId7"/>
+    <p:sldId id="259" r:id="rId8"/>
+    <p:sldId id="260" r:id="rId9"/>
+    <p:sldId id="297" r:id="rId10"/>
+    <p:sldId id="263" r:id="rId11"/>
+    <p:sldId id="264" r:id="rId12"/>
+    <p:sldId id="265" r:id="rId13"/>
+    <p:sldId id="266" r:id="rId14"/>
+    <p:sldId id="267" r:id="rId15"/>
+    <p:sldId id="268" r:id="rId16"/>
+    <p:sldId id="298" r:id="rId17"/>
+    <p:sldId id="269" r:id="rId18"/>
+    <p:sldId id="270" r:id="rId19"/>
+    <p:sldId id="271" r:id="rId20"/>
+    <p:sldId id="272" r:id="rId21"/>
+    <p:sldId id="299" r:id="rId22"/>
+    <p:sldId id="273" r:id="rId23"/>
+    <p:sldId id="300" r:id="rId24"/>
+    <p:sldId id="274" r:id="rId25"/>
+    <p:sldId id="275" r:id="rId26"/>
+    <p:sldId id="301" r:id="rId27"/>
+    <p:sldId id="276" r:id="rId28"/>
+    <p:sldId id="302" r:id="rId29"/>
+    <p:sldId id="277" r:id="rId30"/>
+    <p:sldId id="278" r:id="rId31"/>
+    <p:sldId id="279" r:id="rId32"/>
+    <p:sldId id="280" r:id="rId33"/>
+    <p:sldId id="281" r:id="rId34"/>
+    <p:sldId id="282" r:id="rId35"/>
+    <p:sldId id="283" r:id="rId36"/>
+    <p:sldId id="284" r:id="rId37"/>
+    <p:sldId id="285" r:id="rId38"/>
+    <p:sldId id="286" r:id="rId39"/>
+    <p:sldId id="287" r:id="rId40"/>
+    <p:sldId id="288" r:id="rId41"/>
+    <p:sldId id="293" r:id="rId42"/>
+    <p:sldId id="303" r:id="rId43"/>
+    <p:sldId id="312" r:id="rId44"/>
+    <p:sldId id="315" r:id="rId45"/>
+    <p:sldId id="313" r:id="rId46"/>
+    <p:sldId id="289" r:id="rId47"/>
+    <p:sldId id="310" r:id="rId48"/>
+    <p:sldId id="304" r:id="rId49"/>
+    <p:sldId id="290" r:id="rId50"/>
+    <p:sldId id="311" r:id="rId51"/>
+    <p:sldId id="295" r:id="rId52"/>
+    <p:sldId id="305" r:id="rId53"/>
+    <p:sldId id="291" r:id="rId54"/>
+    <p:sldId id="307" r:id="rId55"/>
+    <p:sldId id="306" r:id="rId56"/>
+    <p:sldId id="292" r:id="rId57"/>
+    <p:sldId id="308" r:id="rId58"/>
+    <p:sldId id="309" r:id="rId59"/>
   </p:sldIdLst>
   <p:sldSz cx="12192000" cy="6858000"/>
   <p:notesSz cx="6858000" cy="9144000"/>
@@ -207,10 +211,9 @@
           </a:lstStyle>
           <a:p>
             <a:r>
-              <a:rPr lang="ru-RU" smtClean="0"/>
+              <a:rPr lang="ru-RU"/>
               <a:t>Образец заголовка</a:t>
             </a:r>
-            <a:endParaRPr lang="ru-RU"/>
           </a:p>
         </p:txBody>
       </p:sp>
@@ -272,10 +275,9 @@
           </a:lstStyle>
           <a:p>
             <a:r>
-              <a:rPr lang="ru-RU" smtClean="0"/>
+              <a:rPr lang="ru-RU"/>
               <a:t>Образец подзаголовка</a:t>
             </a:r>
-            <a:endParaRPr lang="ru-RU"/>
           </a:p>
         </p:txBody>
       </p:sp>
@@ -296,7 +298,7 @@
           <a:p>
             <a:fld id="{CE0EE57E-C586-4F61-A82F-6CDBBF668276}" type="datetimeFigureOut">
               <a:rPr lang="ru-RU" smtClean="0"/>
-              <a:t>23.07.2021</a:t>
+              <a:t>24.07.2021</a:t>
             </a:fld>
             <a:endParaRPr lang="ru-RU"/>
           </a:p>
@@ -390,10 +392,9 @@
           <a:lstStyle/>
           <a:p>
             <a:r>
-              <a:rPr lang="ru-RU" smtClean="0"/>
+              <a:rPr lang="ru-RU"/>
               <a:t>Образец заголовка</a:t>
             </a:r>
-            <a:endParaRPr lang="ru-RU"/>
           </a:p>
         </p:txBody>
       </p:sp>
@@ -414,38 +415,37 @@
           <a:p>
             <a:pPr lvl="0"/>
             <a:r>
-              <a:rPr lang="ru-RU" smtClean="0"/>
+              <a:rPr lang="ru-RU"/>
               <a:t>Образец текста</a:t>
             </a:r>
           </a:p>
           <a:p>
             <a:pPr lvl="1"/>
             <a:r>
-              <a:rPr lang="ru-RU" smtClean="0"/>
+              <a:rPr lang="ru-RU"/>
               <a:t>Второй уровень</a:t>
             </a:r>
           </a:p>
           <a:p>
             <a:pPr lvl="2"/>
             <a:r>
-              <a:rPr lang="ru-RU" smtClean="0"/>
+              <a:rPr lang="ru-RU"/>
               <a:t>Третий уровень</a:t>
             </a:r>
           </a:p>
           <a:p>
             <a:pPr lvl="3"/>
             <a:r>
-              <a:rPr lang="ru-RU" smtClean="0"/>
+              <a:rPr lang="ru-RU"/>
               <a:t>Четвертый уровень</a:t>
             </a:r>
           </a:p>
           <a:p>
             <a:pPr lvl="4"/>
             <a:r>
-              <a:rPr lang="ru-RU" smtClean="0"/>
+              <a:rPr lang="ru-RU"/>
               <a:t>Пятый уровень</a:t>
             </a:r>
-            <a:endParaRPr lang="ru-RU"/>
           </a:p>
         </p:txBody>
       </p:sp>
@@ -466,7 +466,7 @@
           <a:p>
             <a:fld id="{CE0EE57E-C586-4F61-A82F-6CDBBF668276}" type="datetimeFigureOut">
               <a:rPr lang="ru-RU" smtClean="0"/>
-              <a:t>23.07.2021</a:t>
+              <a:t>24.07.2021</a:t>
             </a:fld>
             <a:endParaRPr lang="ru-RU"/>
           </a:p>
@@ -565,10 +565,9 @@
           <a:lstStyle/>
           <a:p>
             <a:r>
-              <a:rPr lang="ru-RU" smtClean="0"/>
+              <a:rPr lang="ru-RU"/>
               <a:t>Образец заголовка</a:t>
             </a:r>
-            <a:endParaRPr lang="ru-RU"/>
           </a:p>
         </p:txBody>
       </p:sp>
@@ -594,38 +593,37 @@
           <a:p>
             <a:pPr lvl="0"/>
             <a:r>
-              <a:rPr lang="ru-RU" smtClean="0"/>
+              <a:rPr lang="ru-RU"/>
               <a:t>Образец текста</a:t>
             </a:r>
           </a:p>
           <a:p>
             <a:pPr lvl="1"/>
             <a:r>
-              <a:rPr lang="ru-RU" smtClean="0"/>
+              <a:rPr lang="ru-RU"/>
               <a:t>Второй уровень</a:t>
             </a:r>
           </a:p>
           <a:p>
             <a:pPr lvl="2"/>
             <a:r>
-              <a:rPr lang="ru-RU" smtClean="0"/>
+              <a:rPr lang="ru-RU"/>
               <a:t>Третий уровень</a:t>
             </a:r>
           </a:p>
           <a:p>
             <a:pPr lvl="3"/>
             <a:r>
-              <a:rPr lang="ru-RU" smtClean="0"/>
+              <a:rPr lang="ru-RU"/>
               <a:t>Четвертый уровень</a:t>
             </a:r>
           </a:p>
           <a:p>
             <a:pPr lvl="4"/>
             <a:r>
-              <a:rPr lang="ru-RU" smtClean="0"/>
+              <a:rPr lang="ru-RU"/>
               <a:t>Пятый уровень</a:t>
             </a:r>
-            <a:endParaRPr lang="ru-RU"/>
           </a:p>
         </p:txBody>
       </p:sp>
@@ -646,7 +644,7 @@
           <a:p>
             <a:fld id="{CE0EE57E-C586-4F61-A82F-6CDBBF668276}" type="datetimeFigureOut">
               <a:rPr lang="ru-RU" smtClean="0"/>
-              <a:t>23.07.2021</a:t>
+              <a:t>24.07.2021</a:t>
             </a:fld>
             <a:endParaRPr lang="ru-RU"/>
           </a:p>
@@ -740,10 +738,9 @@
           <a:lstStyle/>
           <a:p>
             <a:r>
-              <a:rPr lang="ru-RU" smtClean="0"/>
+              <a:rPr lang="ru-RU"/>
               <a:t>Образец заголовка</a:t>
             </a:r>
-            <a:endParaRPr lang="ru-RU"/>
           </a:p>
         </p:txBody>
       </p:sp>
@@ -764,38 +761,37 @@
           <a:p>
             <a:pPr lvl="0"/>
             <a:r>
-              <a:rPr lang="ru-RU" smtClean="0"/>
+              <a:rPr lang="ru-RU"/>
               <a:t>Образец текста</a:t>
             </a:r>
           </a:p>
           <a:p>
             <a:pPr lvl="1"/>
             <a:r>
-              <a:rPr lang="ru-RU" smtClean="0"/>
+              <a:rPr lang="ru-RU"/>
               <a:t>Второй уровень</a:t>
             </a:r>
           </a:p>
           <a:p>
             <a:pPr lvl="2"/>
             <a:r>
-              <a:rPr lang="ru-RU" smtClean="0"/>
+              <a:rPr lang="ru-RU"/>
               <a:t>Третий уровень</a:t>
             </a:r>
           </a:p>
           <a:p>
             <a:pPr lvl="3"/>
             <a:r>
-              <a:rPr lang="ru-RU" smtClean="0"/>
+              <a:rPr lang="ru-RU"/>
               <a:t>Четвертый уровень</a:t>
             </a:r>
           </a:p>
           <a:p>
             <a:pPr lvl="4"/>
             <a:r>
-              <a:rPr lang="ru-RU" smtClean="0"/>
+              <a:rPr lang="ru-RU"/>
               <a:t>Пятый уровень</a:t>
             </a:r>
-            <a:endParaRPr lang="ru-RU"/>
           </a:p>
         </p:txBody>
       </p:sp>
@@ -816,7 +812,7 @@
           <a:p>
             <a:fld id="{CE0EE57E-C586-4F61-A82F-6CDBBF668276}" type="datetimeFigureOut">
               <a:rPr lang="ru-RU" smtClean="0"/>
-              <a:t>23.07.2021</a:t>
+              <a:t>24.07.2021</a:t>
             </a:fld>
             <a:endParaRPr lang="ru-RU"/>
           </a:p>
@@ -919,10 +915,9 @@
           </a:lstStyle>
           <a:p>
             <a:r>
-              <a:rPr lang="ru-RU" smtClean="0"/>
+              <a:rPr lang="ru-RU"/>
               <a:t>Образец заголовка</a:t>
             </a:r>
-            <a:endParaRPr lang="ru-RU"/>
           </a:p>
         </p:txBody>
       </p:sp>
@@ -1039,7 +1034,7 @@
           <a:p>
             <a:pPr lvl="0"/>
             <a:r>
-              <a:rPr lang="ru-RU" smtClean="0"/>
+              <a:rPr lang="ru-RU"/>
               <a:t>Образец текста</a:t>
             </a:r>
           </a:p>
@@ -1062,7 +1057,7 @@
           <a:p>
             <a:fld id="{CE0EE57E-C586-4F61-A82F-6CDBBF668276}" type="datetimeFigureOut">
               <a:rPr lang="ru-RU" smtClean="0"/>
-              <a:t>23.07.2021</a:t>
+              <a:t>24.07.2021</a:t>
             </a:fld>
             <a:endParaRPr lang="ru-RU"/>
           </a:p>
@@ -1156,10 +1151,9 @@
           <a:lstStyle/>
           <a:p>
             <a:r>
-              <a:rPr lang="ru-RU" smtClean="0"/>
+              <a:rPr lang="ru-RU"/>
               <a:t>Образец заголовка</a:t>
             </a:r>
-            <a:endParaRPr lang="ru-RU"/>
           </a:p>
         </p:txBody>
       </p:sp>
@@ -1185,38 +1179,37 @@
           <a:p>
             <a:pPr lvl="0"/>
             <a:r>
-              <a:rPr lang="ru-RU" smtClean="0"/>
+              <a:rPr lang="ru-RU"/>
               <a:t>Образец текста</a:t>
             </a:r>
           </a:p>
           <a:p>
             <a:pPr lvl="1"/>
             <a:r>
-              <a:rPr lang="ru-RU" smtClean="0"/>
+              <a:rPr lang="ru-RU"/>
               <a:t>Второй уровень</a:t>
             </a:r>
           </a:p>
           <a:p>
             <a:pPr lvl="2"/>
             <a:r>
-              <a:rPr lang="ru-RU" smtClean="0"/>
+              <a:rPr lang="ru-RU"/>
               <a:t>Третий уровень</a:t>
             </a:r>
           </a:p>
           <a:p>
             <a:pPr lvl="3"/>
             <a:r>
-              <a:rPr lang="ru-RU" smtClean="0"/>
+              <a:rPr lang="ru-RU"/>
               <a:t>Четвертый уровень</a:t>
             </a:r>
           </a:p>
           <a:p>
             <a:pPr lvl="4"/>
             <a:r>
-              <a:rPr lang="ru-RU" smtClean="0"/>
+              <a:rPr lang="ru-RU"/>
               <a:t>Пятый уровень</a:t>
             </a:r>
-            <a:endParaRPr lang="ru-RU"/>
           </a:p>
         </p:txBody>
       </p:sp>
@@ -1242,38 +1235,37 @@
           <a:p>
             <a:pPr lvl="0"/>
             <a:r>
-              <a:rPr lang="ru-RU" smtClean="0"/>
+              <a:rPr lang="ru-RU"/>
               <a:t>Образец текста</a:t>
             </a:r>
           </a:p>
           <a:p>
             <a:pPr lvl="1"/>
             <a:r>
-              <a:rPr lang="ru-RU" smtClean="0"/>
+              <a:rPr lang="ru-RU"/>
               <a:t>Второй уровень</a:t>
             </a:r>
           </a:p>
           <a:p>
             <a:pPr lvl="2"/>
             <a:r>
-              <a:rPr lang="ru-RU" smtClean="0"/>
+              <a:rPr lang="ru-RU"/>
               <a:t>Третий уровень</a:t>
             </a:r>
           </a:p>
           <a:p>
             <a:pPr lvl="3"/>
             <a:r>
-              <a:rPr lang="ru-RU" smtClean="0"/>
+              <a:rPr lang="ru-RU"/>
               <a:t>Четвертый уровень</a:t>
             </a:r>
           </a:p>
           <a:p>
             <a:pPr lvl="4"/>
             <a:r>
-              <a:rPr lang="ru-RU" smtClean="0"/>
+              <a:rPr lang="ru-RU"/>
               <a:t>Пятый уровень</a:t>
             </a:r>
-            <a:endParaRPr lang="ru-RU"/>
           </a:p>
         </p:txBody>
       </p:sp>
@@ -1294,7 +1286,7 @@
           <a:p>
             <a:fld id="{CE0EE57E-C586-4F61-A82F-6CDBBF668276}" type="datetimeFigureOut">
               <a:rPr lang="ru-RU" smtClean="0"/>
-              <a:t>23.07.2021</a:t>
+              <a:t>24.07.2021</a:t>
             </a:fld>
             <a:endParaRPr lang="ru-RU"/>
           </a:p>
@@ -1393,10 +1385,9 @@
           <a:lstStyle/>
           <a:p>
             <a:r>
-              <a:rPr lang="ru-RU" smtClean="0"/>
+              <a:rPr lang="ru-RU"/>
               <a:t>Образец заголовка</a:t>
             </a:r>
-            <a:endParaRPr lang="ru-RU"/>
           </a:p>
         </p:txBody>
       </p:sp>
@@ -1459,7 +1450,7 @@
           <a:p>
             <a:pPr lvl="0"/>
             <a:r>
-              <a:rPr lang="ru-RU" smtClean="0"/>
+              <a:rPr lang="ru-RU"/>
               <a:t>Образец текста</a:t>
             </a:r>
           </a:p>
@@ -1487,38 +1478,37 @@
           <a:p>
             <a:pPr lvl="0"/>
             <a:r>
-              <a:rPr lang="ru-RU" smtClean="0"/>
+              <a:rPr lang="ru-RU"/>
               <a:t>Образец текста</a:t>
             </a:r>
           </a:p>
           <a:p>
             <a:pPr lvl="1"/>
             <a:r>
-              <a:rPr lang="ru-RU" smtClean="0"/>
+              <a:rPr lang="ru-RU"/>
               <a:t>Второй уровень</a:t>
             </a:r>
           </a:p>
           <a:p>
             <a:pPr lvl="2"/>
             <a:r>
-              <a:rPr lang="ru-RU" smtClean="0"/>
+              <a:rPr lang="ru-RU"/>
               <a:t>Третий уровень</a:t>
             </a:r>
           </a:p>
           <a:p>
             <a:pPr lvl="3"/>
             <a:r>
-              <a:rPr lang="ru-RU" smtClean="0"/>
+              <a:rPr lang="ru-RU"/>
               <a:t>Четвертый уровень</a:t>
             </a:r>
           </a:p>
           <a:p>
             <a:pPr lvl="4"/>
             <a:r>
-              <a:rPr lang="ru-RU" smtClean="0"/>
+              <a:rPr lang="ru-RU"/>
               <a:t>Пятый уровень</a:t>
             </a:r>
-            <a:endParaRPr lang="ru-RU"/>
           </a:p>
         </p:txBody>
       </p:sp>
@@ -1581,7 +1571,7 @@
           <a:p>
             <a:pPr lvl="0"/>
             <a:r>
-              <a:rPr lang="ru-RU" smtClean="0"/>
+              <a:rPr lang="ru-RU"/>
               <a:t>Образец текста</a:t>
             </a:r>
           </a:p>
@@ -1609,38 +1599,37 @@
           <a:p>
             <a:pPr lvl="0"/>
             <a:r>
-              <a:rPr lang="ru-RU" smtClean="0"/>
+              <a:rPr lang="ru-RU"/>
               <a:t>Образец текста</a:t>
             </a:r>
           </a:p>
           <a:p>
             <a:pPr lvl="1"/>
             <a:r>
-              <a:rPr lang="ru-RU" smtClean="0"/>
+              <a:rPr lang="ru-RU"/>
               <a:t>Второй уровень</a:t>
             </a:r>
           </a:p>
           <a:p>
             <a:pPr lvl="2"/>
             <a:r>
-              <a:rPr lang="ru-RU" smtClean="0"/>
+              <a:rPr lang="ru-RU"/>
               <a:t>Третий уровень</a:t>
             </a:r>
           </a:p>
           <a:p>
             <a:pPr lvl="3"/>
             <a:r>
-              <a:rPr lang="ru-RU" smtClean="0"/>
+              <a:rPr lang="ru-RU"/>
               <a:t>Четвертый уровень</a:t>
             </a:r>
           </a:p>
           <a:p>
             <a:pPr lvl="4"/>
             <a:r>
-              <a:rPr lang="ru-RU" smtClean="0"/>
+              <a:rPr lang="ru-RU"/>
               <a:t>Пятый уровень</a:t>
             </a:r>
-            <a:endParaRPr lang="ru-RU"/>
           </a:p>
         </p:txBody>
       </p:sp>
@@ -1661,7 +1650,7 @@
           <a:p>
             <a:fld id="{CE0EE57E-C586-4F61-A82F-6CDBBF668276}" type="datetimeFigureOut">
               <a:rPr lang="ru-RU" smtClean="0"/>
-              <a:t>23.07.2021</a:t>
+              <a:t>24.07.2021</a:t>
             </a:fld>
             <a:endParaRPr lang="ru-RU"/>
           </a:p>
@@ -1755,10 +1744,9 @@
           <a:lstStyle/>
           <a:p>
             <a:r>
-              <a:rPr lang="ru-RU" smtClean="0"/>
+              <a:rPr lang="ru-RU"/>
               <a:t>Образец заголовка</a:t>
             </a:r>
-            <a:endParaRPr lang="ru-RU"/>
           </a:p>
         </p:txBody>
       </p:sp>
@@ -1779,7 +1767,7 @@
           <a:p>
             <a:fld id="{CE0EE57E-C586-4F61-A82F-6CDBBF668276}" type="datetimeFigureOut">
               <a:rPr lang="ru-RU" smtClean="0"/>
-              <a:t>23.07.2021</a:t>
+              <a:t>24.07.2021</a:t>
             </a:fld>
             <a:endParaRPr lang="ru-RU"/>
           </a:p>
@@ -1874,7 +1862,7 @@
           <a:p>
             <a:fld id="{CE0EE57E-C586-4F61-A82F-6CDBBF668276}" type="datetimeFigureOut">
               <a:rPr lang="ru-RU" smtClean="0"/>
-              <a:t>23.07.2021</a:t>
+              <a:t>24.07.2021</a:t>
             </a:fld>
             <a:endParaRPr lang="ru-RU"/>
           </a:p>
@@ -1977,10 +1965,9 @@
           </a:lstStyle>
           <a:p>
             <a:r>
-              <a:rPr lang="ru-RU" smtClean="0"/>
+              <a:rPr lang="ru-RU"/>
               <a:t>Образец заголовка</a:t>
             </a:r>
-            <a:endParaRPr lang="ru-RU"/>
           </a:p>
         </p:txBody>
       </p:sp>
@@ -2034,38 +2021,37 @@
           <a:p>
             <a:pPr lvl="0"/>
             <a:r>
-              <a:rPr lang="ru-RU" smtClean="0"/>
+              <a:rPr lang="ru-RU"/>
               <a:t>Образец текста</a:t>
             </a:r>
           </a:p>
           <a:p>
             <a:pPr lvl="1"/>
             <a:r>
-              <a:rPr lang="ru-RU" smtClean="0"/>
+              <a:rPr lang="ru-RU"/>
               <a:t>Второй уровень</a:t>
             </a:r>
           </a:p>
           <a:p>
             <a:pPr lvl="2"/>
             <a:r>
-              <a:rPr lang="ru-RU" smtClean="0"/>
+              <a:rPr lang="ru-RU"/>
               <a:t>Третий уровень</a:t>
             </a:r>
           </a:p>
           <a:p>
             <a:pPr lvl="3"/>
             <a:r>
-              <a:rPr lang="ru-RU" smtClean="0"/>
+              <a:rPr lang="ru-RU"/>
               <a:t>Четвертый уровень</a:t>
             </a:r>
           </a:p>
           <a:p>
             <a:pPr lvl="4"/>
             <a:r>
-              <a:rPr lang="ru-RU" smtClean="0"/>
+              <a:rPr lang="ru-RU"/>
               <a:t>Пятый уровень</a:t>
             </a:r>
-            <a:endParaRPr lang="ru-RU"/>
           </a:p>
         </p:txBody>
       </p:sp>
@@ -2128,7 +2114,7 @@
           <a:p>
             <a:pPr lvl="0"/>
             <a:r>
-              <a:rPr lang="ru-RU" smtClean="0"/>
+              <a:rPr lang="ru-RU"/>
               <a:t>Образец текста</a:t>
             </a:r>
           </a:p>
@@ -2151,7 +2137,7 @@
           <a:p>
             <a:fld id="{CE0EE57E-C586-4F61-A82F-6CDBBF668276}" type="datetimeFigureOut">
               <a:rPr lang="ru-RU" smtClean="0"/>
-              <a:t>23.07.2021</a:t>
+              <a:t>24.07.2021</a:t>
             </a:fld>
             <a:endParaRPr lang="ru-RU"/>
           </a:p>
@@ -2254,10 +2240,9 @@
           </a:lstStyle>
           <a:p>
             <a:r>
-              <a:rPr lang="ru-RU" smtClean="0"/>
+              <a:rPr lang="ru-RU"/>
               <a:t>Образец заголовка</a:t>
             </a:r>
-            <a:endParaRPr lang="ru-RU"/>
           </a:p>
         </p:txBody>
       </p:sp>
@@ -2381,7 +2366,7 @@
           <a:p>
             <a:pPr lvl="0"/>
             <a:r>
-              <a:rPr lang="ru-RU" smtClean="0"/>
+              <a:rPr lang="ru-RU"/>
               <a:t>Образец текста</a:t>
             </a:r>
           </a:p>
@@ -2404,7 +2389,7 @@
           <a:p>
             <a:fld id="{CE0EE57E-C586-4F61-A82F-6CDBBF668276}" type="datetimeFigureOut">
               <a:rPr lang="ru-RU" smtClean="0"/>
-              <a:t>23.07.2021</a:t>
+              <a:t>24.07.2021</a:t>
             </a:fld>
             <a:endParaRPr lang="ru-RU"/>
           </a:p>
@@ -2513,10 +2498,9 @@
           <a:lstStyle/>
           <a:p>
             <a:r>
-              <a:rPr lang="ru-RU" smtClean="0"/>
+              <a:rPr lang="ru-RU"/>
               <a:t>Образец заголовка</a:t>
             </a:r>
-            <a:endParaRPr lang="ru-RU"/>
           </a:p>
         </p:txBody>
       </p:sp>
@@ -2547,38 +2531,37 @@
           <a:p>
             <a:pPr lvl="0"/>
             <a:r>
-              <a:rPr lang="ru-RU" smtClean="0"/>
+              <a:rPr lang="ru-RU"/>
               <a:t>Образец текста</a:t>
             </a:r>
           </a:p>
           <a:p>
             <a:pPr lvl="1"/>
             <a:r>
-              <a:rPr lang="ru-RU" smtClean="0"/>
+              <a:rPr lang="ru-RU"/>
               <a:t>Второй уровень</a:t>
             </a:r>
           </a:p>
           <a:p>
             <a:pPr lvl="2"/>
             <a:r>
-              <a:rPr lang="ru-RU" smtClean="0"/>
+              <a:rPr lang="ru-RU"/>
               <a:t>Третий уровень</a:t>
             </a:r>
           </a:p>
           <a:p>
             <a:pPr lvl="3"/>
             <a:r>
-              <a:rPr lang="ru-RU" smtClean="0"/>
+              <a:rPr lang="ru-RU"/>
               <a:t>Четвертый уровень</a:t>
             </a:r>
           </a:p>
           <a:p>
             <a:pPr lvl="4"/>
             <a:r>
-              <a:rPr lang="ru-RU" smtClean="0"/>
+              <a:rPr lang="ru-RU"/>
               <a:t>Пятый уровень</a:t>
             </a:r>
-            <a:endParaRPr lang="ru-RU"/>
           </a:p>
         </p:txBody>
       </p:sp>
@@ -2617,7 +2600,7 @@
           <a:p>
             <a:fld id="{CE0EE57E-C586-4F61-A82F-6CDBBF668276}" type="datetimeFigureOut">
               <a:rPr lang="ru-RU" smtClean="0"/>
-              <a:t>23.07.2021</a:t>
+              <a:t>24.07.2021</a:t>
             </a:fld>
             <a:endParaRPr lang="ru-RU"/>
           </a:p>
@@ -3029,49 +3012,109 @@
             <a:spLocks noGrp="1"/>
           </p:cNvSpPr>
           <p:nvPr>
-            <p:ph type="ctrTitle"/>
-          </p:nvPr>
-        </p:nvSpPr>
-        <p:spPr/>
-        <p:txBody>
-          <a:bodyPr/>
-          <a:lstStyle/>
-          <a:p>
-            <a:r>
-              <a:rPr lang="en-US" dirty="0" smtClean="0"/>
-              <a:t>Effective </a:t>
-            </a:r>
-            <a:r>
-              <a:rPr lang="en-US" dirty="0" err="1" smtClean="0"/>
-              <a:t>Enums</a:t>
-            </a:r>
-            <a:endParaRPr lang="ru-RU" dirty="0"/>
-          </a:p>
-        </p:txBody>
-      </p:sp>
-      <p:sp>
-        <p:nvSpPr>
-          <p:cNvPr id="3" name="Подзаголовок 2"/>
-          <p:cNvSpPr>
-            <a:spLocks noGrp="1"/>
-          </p:cNvSpPr>
-          <p:nvPr>
-            <p:ph type="subTitle" idx="1"/>
-          </p:nvPr>
-        </p:nvSpPr>
-        <p:spPr/>
-        <p:txBody>
-          <a:bodyPr/>
-          <a:lstStyle/>
-          <a:p>
-            <a:endParaRPr lang="ru-RU"/>
-          </a:p>
-        </p:txBody>
-      </p:sp>
+            <p:ph type="title"/>
+          </p:nvPr>
+        </p:nvSpPr>
+        <p:spPr/>
+        <p:txBody>
+          <a:bodyPr/>
+          <a:lstStyle/>
+          <a:p>
+            <a:r>
+              <a:rPr lang="ru-RU" dirty="0"/>
+              <a:t>Представление себя</a:t>
+            </a:r>
+          </a:p>
+        </p:txBody>
+      </p:sp>
+      <p:pic>
+        <p:nvPicPr>
+          <p:cNvPr id="4" name="Объект 3"/>
+          <p:cNvPicPr>
+            <a:picLocks noGrp="1" noChangeAspect="1"/>
+          </p:cNvPicPr>
+          <p:nvPr>
+            <p:ph idx="1"/>
+          </p:nvPr>
+        </p:nvPicPr>
+        <p:blipFill rotWithShape="1">
+          <a:blip r:embed="rId2"/>
+          <a:srcRect t="3938" b="14870"/>
+          <a:stretch/>
+        </p:blipFill>
+        <p:spPr>
+          <a:xfrm>
+            <a:off x="8715100" y="1690687"/>
+            <a:ext cx="2528154" cy="4447392"/>
+          </a:xfrm>
+          <a:prstGeom prst="rect">
+            <a:avLst/>
+          </a:prstGeom>
+        </p:spPr>
+      </p:pic>
+      <p:pic>
+        <p:nvPicPr>
+          <p:cNvPr id="5" name="Рисунок 4"/>
+          <p:cNvPicPr>
+            <a:picLocks noChangeAspect="1"/>
+          </p:cNvPicPr>
+          <p:nvPr/>
+        </p:nvPicPr>
+        <p:blipFill rotWithShape="1">
+          <a:blip r:embed="rId3" cstate="print">
+            <a:extLst>
+              <a:ext uri="{28A0092B-C50C-407E-A947-70E740481C1C}">
+                <a14:useLocalDpi xmlns:a14="http://schemas.microsoft.com/office/drawing/2010/main" val="0"/>
+              </a:ext>
+            </a:extLst>
+          </a:blip>
+          <a:srcRect l="24351" t="35383" r="24533" b="28602"/>
+          <a:stretch/>
+        </p:blipFill>
+        <p:spPr>
+          <a:xfrm>
+            <a:off x="4297680" y="2585259"/>
+            <a:ext cx="3865419" cy="2003367"/>
+          </a:xfrm>
+          <a:prstGeom prst="rect">
+            <a:avLst/>
+          </a:prstGeom>
+        </p:spPr>
+      </p:pic>
+      <p:pic>
+        <p:nvPicPr>
+          <p:cNvPr id="6" name="Рисунок 5"/>
+          <p:cNvPicPr>
+            <a:picLocks noChangeAspect="1"/>
+          </p:cNvPicPr>
+          <p:nvPr/>
+        </p:nvPicPr>
+        <p:blipFill>
+          <a:blip r:embed="rId4" cstate="print">
+            <a:extLst>
+              <a:ext uri="{28A0092B-C50C-407E-A947-70E740481C1C}">
+                <a14:useLocalDpi xmlns:a14="http://schemas.microsoft.com/office/drawing/2010/main" val="0"/>
+              </a:ext>
+            </a:extLst>
+          </a:blip>
+          <a:stretch>
+            <a:fillRect/>
+          </a:stretch>
+        </p:blipFill>
+        <p:spPr>
+          <a:xfrm>
+            <a:off x="440573" y="2133874"/>
+            <a:ext cx="3438109" cy="3561019"/>
+          </a:xfrm>
+          <a:prstGeom prst="rect">
+            <a:avLst/>
+          </a:prstGeom>
+        </p:spPr>
+      </p:pic>
     </p:spTree>
     <p:extLst>
       <p:ext uri="{BB962C8B-B14F-4D97-AF65-F5344CB8AC3E}">
-        <p14:creationId xmlns:p14="http://schemas.microsoft.com/office/powerpoint/2010/main" val="3124354020"/>
+        <p14:creationId xmlns:p14="http://schemas.microsoft.com/office/powerpoint/2010/main" val="2791695265"/>
       </p:ext>
     </p:extLst>
   </p:cSld>
@@ -3114,77 +3157,71 @@
           <a:lstStyle/>
           <a:p>
             <a:r>
-              <a:rPr lang="ru-RU" dirty="0" smtClean="0"/>
-              <a:t>Перечисления в публичном </a:t>
-            </a:r>
-            <a:r>
-              <a:rPr lang="en-US" dirty="0" smtClean="0"/>
-              <a:t>API</a:t>
+              <a:rPr lang="en-US" dirty="0" err="1"/>
+              <a:t>JPoint</a:t>
+            </a:r>
+            <a:r>
+              <a:rPr lang="en-US" dirty="0"/>
+              <a:t> 2021</a:t>
             </a:r>
             <a:endParaRPr lang="ru-RU" dirty="0"/>
           </a:p>
         </p:txBody>
       </p:sp>
-      <p:sp>
-        <p:nvSpPr>
-          <p:cNvPr id="3" name="Объект 2"/>
-          <p:cNvSpPr>
-            <a:spLocks noGrp="1"/>
-          </p:cNvSpPr>
+      <p:pic>
+        <p:nvPicPr>
+          <p:cNvPr id="4" name="Объект 3"/>
+          <p:cNvPicPr>
+            <a:picLocks noGrp="1" noChangeAspect="1"/>
+          </p:cNvPicPr>
           <p:nvPr>
             <p:ph idx="1"/>
           </p:nvPr>
-        </p:nvSpPr>
-        <p:spPr/>
-        <p:txBody>
-          <a:bodyPr/>
-          <a:lstStyle/>
-          <a:p>
-            <a:r>
-              <a:rPr lang="ru-RU" dirty="0" smtClean="0"/>
-              <a:t>Отдача</a:t>
-            </a:r>
-          </a:p>
-          <a:p>
-            <a:pPr lvl="1"/>
-            <a:r>
-              <a:rPr lang="en-US" dirty="0" smtClean="0"/>
-              <a:t>http-</a:t>
-            </a:r>
-            <a:r>
-              <a:rPr lang="ru-RU" dirty="0" smtClean="0"/>
-              <a:t>код</a:t>
-            </a:r>
-          </a:p>
-          <a:p>
-            <a:pPr lvl="1"/>
-            <a:r>
-              <a:rPr lang="en-US" dirty="0" smtClean="0"/>
-              <a:t>mime</a:t>
-            </a:r>
-            <a:endParaRPr lang="ru-RU" dirty="0" smtClean="0"/>
-          </a:p>
-          <a:p>
-            <a:r>
-              <a:rPr lang="ru-RU" dirty="0" smtClean="0"/>
-              <a:t>Прием </a:t>
-            </a:r>
-            <a:endParaRPr lang="en-US" dirty="0" smtClean="0"/>
-          </a:p>
-          <a:p>
-            <a:pPr lvl="1"/>
-            <a:r>
-              <a:rPr lang="ru-RU" dirty="0" smtClean="0"/>
-              <a:t>Обработка неожиданных значений</a:t>
-            </a:r>
-            <a:endParaRPr lang="ru-RU" dirty="0"/>
-          </a:p>
-        </p:txBody>
-      </p:sp>
+        </p:nvPicPr>
+        <p:blipFill>
+          <a:blip r:embed="rId2"/>
+          <a:stretch>
+            <a:fillRect/>
+          </a:stretch>
+        </p:blipFill>
+        <p:spPr>
+          <a:xfrm>
+            <a:off x="838200" y="1809000"/>
+            <a:ext cx="7751199" cy="4351338"/>
+          </a:xfrm>
+          <a:prstGeom prst="rect">
+            <a:avLst/>
+          </a:prstGeom>
+        </p:spPr>
+      </p:pic>
+      <p:pic>
+        <p:nvPicPr>
+          <p:cNvPr id="6" name="Рисунок 5"/>
+          <p:cNvPicPr>
+            <a:picLocks noChangeAspect="1"/>
+          </p:cNvPicPr>
+          <p:nvPr/>
+        </p:nvPicPr>
+        <p:blipFill>
+          <a:blip r:embed="rId3"/>
+          <a:stretch>
+            <a:fillRect/>
+          </a:stretch>
+        </p:blipFill>
+        <p:spPr>
+          <a:xfrm>
+            <a:off x="8182622" y="1883367"/>
+            <a:ext cx="3614003" cy="4202603"/>
+          </a:xfrm>
+          <a:prstGeom prst="rect">
+            <a:avLst/>
+          </a:prstGeom>
+        </p:spPr>
+      </p:pic>
     </p:spTree>
     <p:extLst>
       <p:ext uri="{BB962C8B-B14F-4D97-AF65-F5344CB8AC3E}">
-        <p14:creationId xmlns:p14="http://schemas.microsoft.com/office/powerpoint/2010/main" val="3076772258"/>
+        <p14:creationId xmlns:p14="http://schemas.microsoft.com/office/powerpoint/2010/main" val="2550445017"/>
       </p:ext>
     </p:extLst>
   </p:cSld>
@@ -3227,51 +3264,91 @@
           <a:lstStyle/>
           <a:p>
             <a:r>
-              <a:rPr lang="en-US" dirty="0" smtClean="0"/>
-              <a:t>Google </a:t>
-            </a:r>
-            <a:r>
-              <a:rPr lang="en-US" dirty="0" err="1" smtClean="0"/>
-              <a:t>ReCaptcha</a:t>
-            </a:r>
-            <a:r>
-              <a:rPr lang="en-US" dirty="0" smtClean="0"/>
-              <a:t> API</a:t>
+              <a:rPr lang="ru-RU" dirty="0"/>
+              <a:t>Перечисления в публичном </a:t>
+            </a:r>
+            <a:r>
+              <a:rPr lang="en-US" dirty="0"/>
+              <a:t>API</a:t>
             </a:r>
             <a:endParaRPr lang="ru-RU" dirty="0"/>
           </a:p>
         </p:txBody>
       </p:sp>
-      <p:pic>
-        <p:nvPicPr>
-          <p:cNvPr id="4" name="Объект 3"/>
-          <p:cNvPicPr>
-            <a:picLocks noGrp="1" noChangeAspect="1"/>
-          </p:cNvPicPr>
+      <p:sp>
+        <p:nvSpPr>
+          <p:cNvPr id="3" name="Объект 2"/>
+          <p:cNvSpPr>
+            <a:spLocks noGrp="1"/>
+          </p:cNvSpPr>
           <p:nvPr>
             <p:ph idx="1"/>
           </p:nvPr>
-        </p:nvPicPr>
-        <p:blipFill>
-          <a:blip r:embed="rId2"/>
-          <a:stretch>
-            <a:fillRect/>
-          </a:stretch>
-        </p:blipFill>
-        <p:spPr>
-          <a:xfrm>
-            <a:off x="1283156" y="1825625"/>
-            <a:ext cx="9625687" cy="4351338"/>
-          </a:xfrm>
-          <a:prstGeom prst="rect">
-            <a:avLst/>
-          </a:prstGeom>
-        </p:spPr>
-      </p:pic>
+        </p:nvSpPr>
+        <p:spPr/>
+        <p:txBody>
+          <a:bodyPr/>
+          <a:lstStyle/>
+          <a:p>
+            <a:r>
+              <a:rPr lang="ru-RU" dirty="0"/>
+              <a:t>Отдача</a:t>
+            </a:r>
+          </a:p>
+          <a:p>
+            <a:pPr lvl="1"/>
+            <a:r>
+              <a:rPr lang="en-US" dirty="0"/>
+              <a:t>http-</a:t>
+            </a:r>
+            <a:r>
+              <a:rPr lang="ru-RU" dirty="0"/>
+              <a:t>код</a:t>
+            </a:r>
+          </a:p>
+          <a:p>
+            <a:pPr lvl="1"/>
+            <a:r>
+              <a:rPr lang="en-US" dirty="0"/>
+              <a:t>mime</a:t>
+            </a:r>
+            <a:endParaRPr lang="ru-RU" dirty="0"/>
+          </a:p>
+          <a:p>
+            <a:r>
+              <a:rPr lang="ru-RU" dirty="0"/>
+              <a:t>Прием </a:t>
+            </a:r>
+            <a:endParaRPr lang="en-US" dirty="0"/>
+          </a:p>
+          <a:p>
+            <a:pPr lvl="1"/>
+            <a:r>
+              <a:rPr lang="ru-RU" dirty="0"/>
+              <a:t>Обработка неожиданных значений</a:t>
+            </a:r>
+          </a:p>
+          <a:p>
+            <a:pPr lvl="1"/>
+            <a:endParaRPr lang="ru-RU" dirty="0"/>
+          </a:p>
+          <a:p>
+            <a:pPr lvl="1"/>
+            <a:endParaRPr lang="ru-RU" dirty="0"/>
+          </a:p>
+          <a:p>
+            <a:pPr lvl="1"/>
+            <a:r>
+              <a:rPr lang="ru-RU" dirty="0"/>
+              <a:t>Хорошо или плохо?</a:t>
+            </a:r>
+          </a:p>
+        </p:txBody>
+      </p:sp>
     </p:spTree>
     <p:extLst>
       <p:ext uri="{BB962C8B-B14F-4D97-AF65-F5344CB8AC3E}">
-        <p14:creationId xmlns:p14="http://schemas.microsoft.com/office/powerpoint/2010/main" val="4239196701"/>
+        <p14:creationId xmlns:p14="http://schemas.microsoft.com/office/powerpoint/2010/main" val="3076772258"/>
       </p:ext>
     </p:extLst>
   </p:cSld>
@@ -3313,36 +3390,31 @@
           <a:bodyPr/>
           <a:lstStyle/>
           <a:p>
-            <a:endParaRPr lang="ru-RU" dirty="0"/>
-          </a:p>
-        </p:txBody>
-      </p:sp>
-      <p:sp>
-        <p:nvSpPr>
-          <p:cNvPr id="3" name="Объект 2"/>
-          <p:cNvSpPr>
-            <a:spLocks noGrp="1"/>
-          </p:cNvSpPr>
-          <p:nvPr>
-            <p:ph idx="1"/>
-          </p:nvPr>
-        </p:nvSpPr>
-        <p:spPr/>
-        <p:txBody>
-          <a:bodyPr/>
-          <a:lstStyle/>
-          <a:p>
+            <a:r>
+              <a:rPr lang="en-US" dirty="0"/>
+              <a:t>Google </a:t>
+            </a:r>
+            <a:r>
+              <a:rPr lang="en-US" dirty="0" err="1"/>
+              <a:t>ReCaptcha</a:t>
+            </a:r>
+            <a:r>
+              <a:rPr lang="en-US" dirty="0"/>
+              <a:t> API</a:t>
+            </a:r>
             <a:endParaRPr lang="ru-RU" dirty="0"/>
           </a:p>
         </p:txBody>
       </p:sp>
       <p:pic>
         <p:nvPicPr>
-          <p:cNvPr id="4" name="Рисунок 3"/>
+          <p:cNvPr id="4" name="Объект 3"/>
           <p:cNvPicPr>
-            <a:picLocks noChangeAspect="1"/>
+            <a:picLocks noGrp="1" noChangeAspect="1"/>
           </p:cNvPicPr>
-          <p:nvPr/>
+          <p:nvPr>
+            <p:ph idx="1"/>
+          </p:nvPr>
         </p:nvPicPr>
         <p:blipFill>
           <a:blip r:embed="rId2"/>
@@ -3352,8 +3424,8 @@
         </p:blipFill>
         <p:spPr>
           <a:xfrm>
-            <a:off x="2266198" y="2010569"/>
-            <a:ext cx="6600825" cy="3981450"/>
+            <a:off x="1283156" y="1825625"/>
+            <a:ext cx="9625687" cy="4351338"/>
           </a:xfrm>
           <a:prstGeom prst="rect">
             <a:avLst/>
@@ -3363,7 +3435,7 @@
     </p:spTree>
     <p:extLst>
       <p:ext uri="{BB962C8B-B14F-4D97-AF65-F5344CB8AC3E}">
-        <p14:creationId xmlns:p14="http://schemas.microsoft.com/office/powerpoint/2010/main" val="207904543"/>
+        <p14:creationId xmlns:p14="http://schemas.microsoft.com/office/powerpoint/2010/main" val="4239196701"/>
       </p:ext>
     </p:extLst>
   </p:cSld>
@@ -3405,18 +3477,6 @@
           <a:bodyPr/>
           <a:lstStyle/>
           <a:p>
-            <a:r>
-              <a:rPr lang="ru-RU" dirty="0" smtClean="0"/>
-              <a:t>Добавление </a:t>
-            </a:r>
-            <a:r>
-              <a:rPr lang="ru-RU" dirty="0" err="1" smtClean="0"/>
-              <a:t>незадокументированного</a:t>
-            </a:r>
-            <a:r>
-              <a:rPr lang="ru-RU" dirty="0" smtClean="0"/>
-              <a:t> значения</a:t>
-            </a:r>
             <a:endParaRPr lang="ru-RU" dirty="0"/>
           </a:p>
         </p:txBody>
@@ -3436,7 +3496,7 @@
           <a:bodyPr/>
           <a:lstStyle/>
           <a:p>
-            <a:endParaRPr lang="ru-RU"/>
+            <a:endParaRPr lang="ru-RU" dirty="0"/>
           </a:p>
         </p:txBody>
       </p:sp>
@@ -3456,58 +3516,18 @@
         </p:blipFill>
         <p:spPr>
           <a:xfrm>
-            <a:off x="1332247" y="1825625"/>
-            <a:ext cx="9239500" cy="4518882"/>
+            <a:off x="1521784" y="810062"/>
+            <a:ext cx="8683845" cy="5237875"/>
           </a:xfrm>
           <a:prstGeom prst="rect">
             <a:avLst/>
           </a:prstGeom>
         </p:spPr>
       </p:pic>
-      <p:sp>
-        <p:nvSpPr>
-          <p:cNvPr id="5" name="Стрелка вправо 4"/>
-          <p:cNvSpPr/>
-          <p:nvPr/>
-        </p:nvSpPr>
-        <p:spPr>
-          <a:xfrm rot="13565501">
-            <a:off x="2454442" y="4812602"/>
-            <a:ext cx="1267326" cy="1171074"/>
-          </a:xfrm>
-          <a:prstGeom prst="rightArrow">
-            <a:avLst/>
-          </a:prstGeom>
-        </p:spPr>
-        <p:style>
-          <a:lnRef idx="2">
-            <a:schemeClr val="accent1">
-              <a:shade val="50000"/>
-            </a:schemeClr>
-          </a:lnRef>
-          <a:fillRef idx="1">
-            <a:schemeClr val="accent1"/>
-          </a:fillRef>
-          <a:effectRef idx="0">
-            <a:schemeClr val="accent1"/>
-          </a:effectRef>
-          <a:fontRef idx="minor">
-            <a:schemeClr val="lt1"/>
-          </a:fontRef>
-        </p:style>
-        <p:txBody>
-          <a:bodyPr rtlCol="0" anchor="ctr"/>
-          <a:lstStyle/>
-          <a:p>
-            <a:pPr algn="ctr"/>
-            <a:endParaRPr lang="ru-RU"/>
-          </a:p>
-        </p:txBody>
-      </p:sp>
     </p:spTree>
     <p:extLst>
       <p:ext uri="{BB962C8B-B14F-4D97-AF65-F5344CB8AC3E}">
-        <p14:creationId xmlns:p14="http://schemas.microsoft.com/office/powerpoint/2010/main" val="2885184492"/>
+        <p14:creationId xmlns:p14="http://schemas.microsoft.com/office/powerpoint/2010/main" val="207904543"/>
       </p:ext>
     </p:extLst>
   </p:cSld>
@@ -3550,30 +3570,46 @@
           <a:lstStyle/>
           <a:p>
             <a:r>
-              <a:rPr lang="ru-RU" dirty="0" smtClean="0"/>
+              <a:rPr lang="ru-RU" dirty="0"/>
               <a:t>Добавление </a:t>
             </a:r>
             <a:r>
-              <a:rPr lang="en-US" dirty="0" smtClean="0"/>
-              <a:t>UNEXPECTED </a:t>
-            </a:r>
-            <a:r>
-              <a:rPr lang="ru-RU" dirty="0" smtClean="0"/>
-              <a:t>значения</a:t>
-            </a:r>
-            <a:endParaRPr lang="ru-RU" dirty="0"/>
+              <a:rPr lang="ru-RU" dirty="0" err="1"/>
+              <a:t>незадокументированного</a:t>
+            </a:r>
+            <a:r>
+              <a:rPr lang="ru-RU" dirty="0"/>
+              <a:t> значения</a:t>
+            </a:r>
+          </a:p>
+        </p:txBody>
+      </p:sp>
+      <p:sp>
+        <p:nvSpPr>
+          <p:cNvPr id="3" name="Объект 2"/>
+          <p:cNvSpPr>
+            <a:spLocks noGrp="1"/>
+          </p:cNvSpPr>
+          <p:nvPr>
+            <p:ph idx="1"/>
+          </p:nvPr>
+        </p:nvSpPr>
+        <p:spPr/>
+        <p:txBody>
+          <a:bodyPr/>
+          <a:lstStyle/>
+          <a:p>
+            <a:endParaRPr lang="ru-RU"/>
           </a:p>
         </p:txBody>
       </p:sp>
       <p:pic>
         <p:nvPicPr>
-          <p:cNvPr id="4" name="Объект 3"/>
+          <p:cNvPr id="4" name="Рисунок 3"/>
           <p:cNvPicPr>
-            <a:picLocks noGrp="1" noChangeAspect="1"/>
+            <a:picLocks noChangeAspect="1"/>
           </p:cNvPicPr>
-          <p:nvPr>
-            <p:ph idx="1"/>
-          </p:nvPr>
+          <p:nvPr/>
         </p:nvPicPr>
         <p:blipFill>
           <a:blip r:embed="rId2"/>
@@ -3583,18 +3619,58 @@
         </p:blipFill>
         <p:spPr>
           <a:xfrm>
-            <a:off x="838200" y="1482141"/>
-            <a:ext cx="9838072" cy="5179414"/>
+            <a:off x="1332247" y="1825625"/>
+            <a:ext cx="9239500" cy="4518882"/>
           </a:xfrm>
           <a:prstGeom prst="rect">
             <a:avLst/>
           </a:prstGeom>
         </p:spPr>
       </p:pic>
+      <p:sp>
+        <p:nvSpPr>
+          <p:cNvPr id="5" name="Стрелка вправо 4"/>
+          <p:cNvSpPr/>
+          <p:nvPr/>
+        </p:nvSpPr>
+        <p:spPr>
+          <a:xfrm rot="13565501">
+            <a:off x="2454442" y="4812602"/>
+            <a:ext cx="1267326" cy="1171074"/>
+          </a:xfrm>
+          <a:prstGeom prst="rightArrow">
+            <a:avLst/>
+          </a:prstGeom>
+        </p:spPr>
+        <p:style>
+          <a:lnRef idx="2">
+            <a:schemeClr val="accent1">
+              <a:shade val="50000"/>
+            </a:schemeClr>
+          </a:lnRef>
+          <a:fillRef idx="1">
+            <a:schemeClr val="accent1"/>
+          </a:fillRef>
+          <a:effectRef idx="0">
+            <a:schemeClr val="accent1"/>
+          </a:effectRef>
+          <a:fontRef idx="minor">
+            <a:schemeClr val="lt1"/>
+          </a:fontRef>
+        </p:style>
+        <p:txBody>
+          <a:bodyPr rtlCol="0" anchor="ctr"/>
+          <a:lstStyle/>
+          <a:p>
+            <a:pPr algn="ctr"/>
+            <a:endParaRPr lang="ru-RU"/>
+          </a:p>
+        </p:txBody>
+      </p:sp>
     </p:spTree>
     <p:extLst>
       <p:ext uri="{BB962C8B-B14F-4D97-AF65-F5344CB8AC3E}">
-        <p14:creationId xmlns:p14="http://schemas.microsoft.com/office/powerpoint/2010/main" val="2074104324"/>
+        <p14:creationId xmlns:p14="http://schemas.microsoft.com/office/powerpoint/2010/main" val="2885184492"/>
       </p:ext>
     </p:extLst>
   </p:cSld>
@@ -3631,42 +3707,56 @@
             <p:ph type="title"/>
           </p:nvPr>
         </p:nvSpPr>
-        <p:spPr>
-          <a:xfrm>
-            <a:off x="815225" y="2443941"/>
-            <a:ext cx="10515600" cy="1978429"/>
-          </a:xfrm>
-        </p:spPr>
-        <p:txBody>
-          <a:bodyPr anchor="ctr">
-            <a:normAutofit fontScale="90000"/>
-          </a:bodyPr>
-          <a:lstStyle/>
-          <a:p>
-            <a:pPr algn="ctr"/>
-            <a:r>
-              <a:rPr lang="ru-RU" sz="8000" dirty="0" smtClean="0"/>
-              <a:t>Перечисления в публичном </a:t>
-            </a:r>
-            <a:r>
-              <a:rPr lang="en-US" sz="8000" dirty="0" smtClean="0"/>
-              <a:t>API.</a:t>
-            </a:r>
-            <a:br>
-              <a:rPr lang="en-US" sz="8000" dirty="0" smtClean="0"/>
-            </a:br>
-            <a:r>
-              <a:rPr lang="en-US" sz="8000" dirty="0" smtClean="0"/>
-              <a:t>JSON</a:t>
-            </a:r>
-            <a:endParaRPr lang="ru-RU" dirty="0"/>
-          </a:p>
-        </p:txBody>
-      </p:sp>
+        <p:spPr/>
+        <p:txBody>
+          <a:bodyPr/>
+          <a:lstStyle/>
+          <a:p>
+            <a:r>
+              <a:rPr lang="ru-RU" dirty="0"/>
+              <a:t>Добавление </a:t>
+            </a:r>
+            <a:r>
+              <a:rPr lang="en-US" dirty="0"/>
+              <a:t>UNEXPECTED </a:t>
+            </a:r>
+            <a:r>
+              <a:rPr lang="ru-RU" dirty="0"/>
+              <a:t>значения</a:t>
+            </a:r>
+          </a:p>
+        </p:txBody>
+      </p:sp>
+      <p:pic>
+        <p:nvPicPr>
+          <p:cNvPr id="4" name="Объект 3"/>
+          <p:cNvPicPr>
+            <a:picLocks noGrp="1" noChangeAspect="1"/>
+          </p:cNvPicPr>
+          <p:nvPr>
+            <p:ph idx="1"/>
+          </p:nvPr>
+        </p:nvPicPr>
+        <p:blipFill>
+          <a:blip r:embed="rId2"/>
+          <a:stretch>
+            <a:fillRect/>
+          </a:stretch>
+        </p:blipFill>
+        <p:spPr>
+          <a:xfrm>
+            <a:off x="838200" y="1482141"/>
+            <a:ext cx="9838072" cy="5179414"/>
+          </a:xfrm>
+          <a:prstGeom prst="rect">
+            <a:avLst/>
+          </a:prstGeom>
+        </p:spPr>
+      </p:pic>
     </p:spTree>
     <p:extLst>
       <p:ext uri="{BB962C8B-B14F-4D97-AF65-F5344CB8AC3E}">
-        <p14:creationId xmlns:p14="http://schemas.microsoft.com/office/powerpoint/2010/main" val="3513961548"/>
+        <p14:creationId xmlns:p14="http://schemas.microsoft.com/office/powerpoint/2010/main" val="2074104324"/>
       </p:ext>
     </p:extLst>
   </p:cSld>
@@ -3703,70 +3793,42 @@
             <p:ph type="title"/>
           </p:nvPr>
         </p:nvSpPr>
-        <p:spPr/>
-        <p:txBody>
-          <a:bodyPr/>
-          <a:lstStyle/>
-          <a:p>
-            <a:r>
-              <a:rPr lang="en-US" dirty="0" smtClean="0"/>
+        <p:spPr>
+          <a:xfrm>
+            <a:off x="815225" y="2443941"/>
+            <a:ext cx="10515600" cy="1978429"/>
+          </a:xfrm>
+        </p:spPr>
+        <p:txBody>
+          <a:bodyPr anchor="ctr">
+            <a:normAutofit fontScale="90000"/>
+          </a:bodyPr>
+          <a:lstStyle/>
+          <a:p>
+            <a:pPr algn="ctr"/>
+            <a:r>
+              <a:rPr lang="ru-RU" sz="8000" dirty="0"/>
+              <a:t>Перечисления в публичном </a:t>
+            </a:r>
+            <a:r>
+              <a:rPr lang="en-US" sz="8000" dirty="0"/>
+              <a:t>API.</a:t>
+            </a:r>
+            <a:br>
+              <a:rPr lang="en-US" sz="8000" dirty="0"/>
+            </a:br>
+            <a:r>
+              <a:rPr lang="en-US" sz="8000" dirty="0"/>
               <a:t>JSON</a:t>
             </a:r>
             <a:endParaRPr lang="ru-RU" dirty="0"/>
           </a:p>
         </p:txBody>
       </p:sp>
-      <p:sp>
-        <p:nvSpPr>
-          <p:cNvPr id="3" name="Объект 2"/>
-          <p:cNvSpPr>
-            <a:spLocks noGrp="1"/>
-          </p:cNvSpPr>
-          <p:nvPr>
-            <p:ph idx="1"/>
-          </p:nvPr>
-        </p:nvSpPr>
-        <p:spPr/>
-        <p:txBody>
-          <a:bodyPr/>
-          <a:lstStyle/>
-          <a:p>
-            <a:r>
-              <a:rPr lang="en-US" dirty="0" smtClean="0"/>
-              <a:t>Jackson</a:t>
-            </a:r>
-            <a:endParaRPr lang="ru-RU" dirty="0"/>
-          </a:p>
-        </p:txBody>
-      </p:sp>
-      <p:pic>
-        <p:nvPicPr>
-          <p:cNvPr id="4" name="Рисунок 3"/>
-          <p:cNvPicPr>
-            <a:picLocks noChangeAspect="1"/>
-          </p:cNvPicPr>
-          <p:nvPr/>
-        </p:nvPicPr>
-        <p:blipFill>
-          <a:blip r:embed="rId2"/>
-          <a:stretch>
-            <a:fillRect/>
-          </a:stretch>
-        </p:blipFill>
-        <p:spPr>
-          <a:xfrm>
-            <a:off x="638773" y="2736869"/>
-            <a:ext cx="10914454" cy="1552055"/>
-          </a:xfrm>
-          <a:prstGeom prst="rect">
-            <a:avLst/>
-          </a:prstGeom>
-        </p:spPr>
-      </p:pic>
     </p:spTree>
     <p:extLst>
       <p:ext uri="{BB962C8B-B14F-4D97-AF65-F5344CB8AC3E}">
-        <p14:creationId xmlns:p14="http://schemas.microsoft.com/office/powerpoint/2010/main" val="3241603320"/>
+        <p14:creationId xmlns:p14="http://schemas.microsoft.com/office/powerpoint/2010/main" val="3513961548"/>
       </p:ext>
     </p:extLst>
   </p:cSld>
@@ -3809,41 +3871,56 @@
           <a:lstStyle/>
           <a:p>
             <a:r>
-              <a:rPr lang="en-US" dirty="0" err="1" smtClean="0"/>
-              <a:t>OpenAPI</a:t>
-            </a:r>
-            <a:r>
-              <a:rPr lang="en-US" dirty="0" smtClean="0"/>
+              <a:rPr lang="en-US" dirty="0"/>
+              <a:t>JSON</a:t>
+            </a:r>
+            <a:endParaRPr lang="ru-RU" dirty="0"/>
+          </a:p>
+        </p:txBody>
+      </p:sp>
+      <p:sp>
+        <p:nvSpPr>
+          <p:cNvPr id="3" name="Объект 2"/>
+          <p:cNvSpPr>
+            <a:spLocks noGrp="1"/>
+          </p:cNvSpPr>
+          <p:nvPr>
+            <p:ph idx="1"/>
+          </p:nvPr>
+        </p:nvSpPr>
+        <p:spPr/>
+        <p:txBody>
+          <a:bodyPr/>
+          <a:lstStyle/>
+          <a:p>
+            <a:r>
+              <a:rPr lang="en-US" dirty="0"/>
+              <a:t>Jackson</a:t>
+            </a:r>
+            <a:endParaRPr lang="ru-RU" dirty="0"/>
+          </a:p>
+          <a:p>
+            <a:r>
+              <a:rPr lang="en-US" dirty="0" err="1"/>
+              <a:t>Todo</a:t>
+            </a:r>
+            <a:r>
+              <a:rPr lang="en-US" dirty="0"/>
               <a:t> </a:t>
             </a:r>
             <a:r>
-              <a:rPr lang="ru-RU" dirty="0" smtClean="0"/>
-              <a:t>и библиотека </a:t>
-            </a:r>
-            <a:r>
-              <a:rPr lang="en-US" dirty="0" err="1" smtClean="0"/>
-              <a:t>springdoc</a:t>
+              <a:rPr lang="en-US" dirty="0" err="1"/>
+              <a:t>JsonValue</a:t>
+            </a:r>
+            <a:r>
+              <a:rPr lang="en-US" dirty="0"/>
+              <a:t> </a:t>
+            </a:r>
+            <a:r>
+              <a:rPr lang="en-US" dirty="0" err="1"/>
+              <a:t>JsonCreator</a:t>
             </a:r>
             <a:endParaRPr lang="ru-RU" dirty="0"/>
-          </a:p>
-        </p:txBody>
-      </p:sp>
-      <p:sp>
-        <p:nvSpPr>
-          <p:cNvPr id="3" name="Объект 2"/>
-          <p:cNvSpPr>
-            <a:spLocks noGrp="1"/>
-          </p:cNvSpPr>
-          <p:nvPr>
-            <p:ph idx="1"/>
-          </p:nvPr>
-        </p:nvSpPr>
-        <p:spPr/>
-        <p:txBody>
-          <a:bodyPr/>
-          <a:lstStyle/>
-          <a:p>
-            <a:endParaRPr lang="ru-RU"/>
           </a:p>
         </p:txBody>
       </p:sp>
@@ -3863,32 +3940,8 @@
         </p:blipFill>
         <p:spPr>
           <a:xfrm>
-            <a:off x="295275" y="1690688"/>
-            <a:ext cx="5800725" cy="1847850"/>
-          </a:xfrm>
-          <a:prstGeom prst="rect">
-            <a:avLst/>
-          </a:prstGeom>
-        </p:spPr>
-      </p:pic>
-      <p:pic>
-        <p:nvPicPr>
-          <p:cNvPr id="5" name="Рисунок 4"/>
-          <p:cNvPicPr>
-            <a:picLocks noChangeAspect="1"/>
-          </p:cNvPicPr>
-          <p:nvPr/>
-        </p:nvPicPr>
-        <p:blipFill>
-          <a:blip r:embed="rId3"/>
-          <a:stretch>
-            <a:fillRect/>
-          </a:stretch>
-        </p:blipFill>
-        <p:spPr>
-          <a:xfrm>
-            <a:off x="7418471" y="1558131"/>
-            <a:ext cx="2933700" cy="4886325"/>
+            <a:off x="638773" y="2736869"/>
+            <a:ext cx="10914454" cy="1552055"/>
           </a:xfrm>
           <a:prstGeom prst="rect">
             <a:avLst/>
@@ -3898,7 +3951,7 @@
     </p:spTree>
     <p:extLst>
       <p:ext uri="{BB962C8B-B14F-4D97-AF65-F5344CB8AC3E}">
-        <p14:creationId xmlns:p14="http://schemas.microsoft.com/office/powerpoint/2010/main" val="2280268212"/>
+        <p14:creationId xmlns:p14="http://schemas.microsoft.com/office/powerpoint/2010/main" val="3241603320"/>
       </p:ext>
     </p:extLst>
   </p:cSld>
@@ -3941,16 +3994,20 @@
           <a:lstStyle/>
           <a:p>
             <a:r>
-              <a:rPr lang="ru-RU" dirty="0" smtClean="0"/>
-              <a:t>Почему ваш </a:t>
-            </a:r>
-            <a:r>
-              <a:rPr lang="en-US" dirty="0" smtClean="0"/>
-              <a:t>JSON </a:t>
-            </a:r>
-            <a:r>
-              <a:rPr lang="ru-RU" dirty="0" smtClean="0"/>
-              <a:t>на меня орет?</a:t>
+              <a:rPr lang="en-US" dirty="0" err="1"/>
+              <a:t>OpenAPI</a:t>
+            </a:r>
+            <a:r>
+              <a:rPr lang="en-US" dirty="0"/>
+              <a:t> </a:t>
+            </a:r>
+            <a:r>
+              <a:rPr lang="ru-RU" dirty="0"/>
+              <a:t>и библиотека </a:t>
+            </a:r>
+            <a:r>
+              <a:rPr lang="en-US" dirty="0" err="1"/>
+              <a:t>springdoc</a:t>
             </a:r>
             <a:endParaRPr lang="ru-RU" dirty="0"/>
           </a:p>
@@ -3971,14 +4028,6 @@
           <a:bodyPr/>
           <a:lstStyle/>
           <a:p>
-            <a:r>
-              <a:rPr lang="en-US" dirty="0" err="1" smtClean="0"/>
-              <a:t>Yandex</a:t>
-            </a:r>
-            <a:r>
-              <a:rPr lang="en-US" dirty="0" smtClean="0"/>
-              <a:t> API: https://yandex.ru/dev/market/partner/doc/dg/reference/get-campaigns.html</a:t>
-            </a:r>
             <a:endParaRPr lang="ru-RU" dirty="0"/>
           </a:p>
         </p:txBody>
@@ -3999,8 +4048,32 @@
         </p:blipFill>
         <p:spPr>
           <a:xfrm>
-            <a:off x="2133600" y="3272550"/>
-            <a:ext cx="5659604" cy="3250070"/>
+            <a:off x="295275" y="1690688"/>
+            <a:ext cx="5800725" cy="1847850"/>
+          </a:xfrm>
+          <a:prstGeom prst="rect">
+            <a:avLst/>
+          </a:prstGeom>
+        </p:spPr>
+      </p:pic>
+      <p:pic>
+        <p:nvPicPr>
+          <p:cNvPr id="5" name="Рисунок 4"/>
+          <p:cNvPicPr>
+            <a:picLocks noChangeAspect="1"/>
+          </p:cNvPicPr>
+          <p:nvPr/>
+        </p:nvPicPr>
+        <p:blipFill>
+          <a:blip r:embed="rId3"/>
+          <a:stretch>
+            <a:fillRect/>
+          </a:stretch>
+        </p:blipFill>
+        <p:spPr>
+          <a:xfrm>
+            <a:off x="7418471" y="1558131"/>
+            <a:ext cx="2933700" cy="4886325"/>
           </a:xfrm>
           <a:prstGeom prst="rect">
             <a:avLst/>
@@ -4010,7 +4083,7 @@
     </p:spTree>
     <p:extLst>
       <p:ext uri="{BB962C8B-B14F-4D97-AF65-F5344CB8AC3E}">
-        <p14:creationId xmlns:p14="http://schemas.microsoft.com/office/powerpoint/2010/main" val="3426442743"/>
+        <p14:creationId xmlns:p14="http://schemas.microsoft.com/office/powerpoint/2010/main" val="2280268212"/>
       </p:ext>
     </p:extLst>
   </p:cSld>
@@ -4052,19 +4125,55 @@
           <a:bodyPr/>
           <a:lstStyle/>
           <a:p>
-            <a:endParaRPr lang="ru-RU"/>
+            <a:r>
+              <a:rPr lang="ru-RU" dirty="0"/>
+              <a:t>Почему ваш </a:t>
+            </a:r>
+            <a:r>
+              <a:rPr lang="en-US" dirty="0"/>
+              <a:t>JSON </a:t>
+            </a:r>
+            <a:r>
+              <a:rPr lang="ru-RU" dirty="0"/>
+              <a:t>на меня орет?</a:t>
+            </a:r>
+          </a:p>
+        </p:txBody>
+      </p:sp>
+      <p:sp>
+        <p:nvSpPr>
+          <p:cNvPr id="3" name="Объект 2"/>
+          <p:cNvSpPr>
+            <a:spLocks noGrp="1"/>
+          </p:cNvSpPr>
+          <p:nvPr>
+            <p:ph idx="1"/>
+          </p:nvPr>
+        </p:nvSpPr>
+        <p:spPr/>
+        <p:txBody>
+          <a:bodyPr/>
+          <a:lstStyle/>
+          <a:p>
+            <a:r>
+              <a:rPr lang="en-US" dirty="0" err="1"/>
+              <a:t>Yandex</a:t>
+            </a:r>
+            <a:r>
+              <a:rPr lang="en-US" dirty="0"/>
+              <a:t> API: https://yandex.ru/dev/market/partner/doc/dg/reference/get-campaigns.html</a:t>
+            </a:r>
+            <a:endParaRPr lang="ru-RU" dirty="0"/>
           </a:p>
         </p:txBody>
       </p:sp>
       <p:pic>
         <p:nvPicPr>
-          <p:cNvPr id="4" name="Объект 3"/>
+          <p:cNvPr id="4" name="Рисунок 3"/>
           <p:cNvPicPr>
-            <a:picLocks noGrp="1" noChangeAspect="1"/>
+            <a:picLocks noChangeAspect="1"/>
           </p:cNvPicPr>
-          <p:nvPr>
-            <p:ph idx="1"/>
-          </p:nvPr>
+          <p:nvPr/>
         </p:nvPicPr>
         <p:blipFill>
           <a:blip r:embed="rId2"/>
@@ -4074,32 +4183,8 @@
         </p:blipFill>
         <p:spPr>
           <a:xfrm>
-            <a:off x="838200" y="1884489"/>
-            <a:ext cx="3926305" cy="4629068"/>
-          </a:xfrm>
-          <a:prstGeom prst="rect">
-            <a:avLst/>
-          </a:prstGeom>
-        </p:spPr>
-      </p:pic>
-      <p:pic>
-        <p:nvPicPr>
-          <p:cNvPr id="5" name="Рисунок 4"/>
-          <p:cNvPicPr>
-            <a:picLocks noChangeAspect="1"/>
-          </p:cNvPicPr>
-          <p:nvPr/>
-        </p:nvPicPr>
-        <p:blipFill>
-          <a:blip r:embed="rId3"/>
-          <a:stretch>
-            <a:fillRect/>
-          </a:stretch>
-        </p:blipFill>
-        <p:spPr>
-          <a:xfrm>
-            <a:off x="4919809" y="2859505"/>
-            <a:ext cx="7085174" cy="2209801"/>
+            <a:off x="564398" y="1110797"/>
+            <a:ext cx="9372238" cy="5382078"/>
           </a:xfrm>
           <a:prstGeom prst="rect">
             <a:avLst/>
@@ -4109,7 +4194,7 @@
     </p:spTree>
     <p:extLst>
       <p:ext uri="{BB962C8B-B14F-4D97-AF65-F5344CB8AC3E}">
-        <p14:creationId xmlns:p14="http://schemas.microsoft.com/office/powerpoint/2010/main" val="338654130"/>
+        <p14:creationId xmlns:p14="http://schemas.microsoft.com/office/powerpoint/2010/main" val="3426442743"/>
       </p:ext>
     </p:extLst>
   </p:cSld>
@@ -4143,110 +4228,49 @@
             <a:spLocks noGrp="1"/>
           </p:cNvSpPr>
           <p:nvPr>
-            <p:ph type="title"/>
-          </p:nvPr>
-        </p:nvSpPr>
-        <p:spPr/>
-        <p:txBody>
-          <a:bodyPr/>
-          <a:lstStyle/>
-          <a:p>
-            <a:r>
-              <a:rPr lang="ru-RU" dirty="0" smtClean="0"/>
-              <a:t>Представление себя</a:t>
+            <p:ph type="ctrTitle"/>
+          </p:nvPr>
+        </p:nvSpPr>
+        <p:spPr/>
+        <p:txBody>
+          <a:bodyPr/>
+          <a:lstStyle/>
+          <a:p>
+            <a:r>
+              <a:rPr lang="en-US" dirty="0"/>
+              <a:t>Effective </a:t>
+            </a:r>
+            <a:r>
+              <a:rPr lang="en-US" dirty="0" err="1"/>
+              <a:t>Enums</a:t>
             </a:r>
             <a:endParaRPr lang="ru-RU" dirty="0"/>
           </a:p>
         </p:txBody>
       </p:sp>
-      <p:pic>
-        <p:nvPicPr>
-          <p:cNvPr id="4" name="Объект 3"/>
-          <p:cNvPicPr>
-            <a:picLocks noGrp="1" noChangeAspect="1"/>
-          </p:cNvPicPr>
-          <p:nvPr>
-            <p:ph idx="1"/>
-          </p:nvPr>
-        </p:nvPicPr>
-        <p:blipFill rotWithShape="1">
-          <a:blip r:embed="rId2"/>
-          <a:srcRect t="3938" b="14870"/>
-          <a:stretch/>
-        </p:blipFill>
-        <p:spPr>
-          <a:xfrm>
-            <a:off x="8715100" y="1690687"/>
-            <a:ext cx="2528154" cy="4447392"/>
-          </a:xfrm>
-          <a:prstGeom prst="rect">
-            <a:avLst/>
-          </a:prstGeom>
-        </p:spPr>
-      </p:pic>
-      <p:pic>
-        <p:nvPicPr>
-          <p:cNvPr id="5" name="Рисунок 4"/>
-          <p:cNvPicPr>
-            <a:picLocks noChangeAspect="1"/>
-          </p:cNvPicPr>
-          <p:nvPr/>
-        </p:nvPicPr>
-        <p:blipFill rotWithShape="1">
-          <a:blip r:embed="rId3" cstate="print">
-            <a:extLst>
-              <a:ext uri="{28A0092B-C50C-407E-A947-70E740481C1C}">
-                <a14:useLocalDpi xmlns:a14="http://schemas.microsoft.com/office/drawing/2010/main" val="0"/>
-              </a:ext>
-            </a:extLst>
-          </a:blip>
-          <a:srcRect l="24351" t="35383" r="24533" b="28602"/>
-          <a:stretch/>
-        </p:blipFill>
-        <p:spPr>
-          <a:xfrm>
-            <a:off x="4297680" y="2585259"/>
-            <a:ext cx="3865419" cy="2003367"/>
-          </a:xfrm>
-          <a:prstGeom prst="rect">
-            <a:avLst/>
-          </a:prstGeom>
-        </p:spPr>
-      </p:pic>
-      <p:pic>
-        <p:nvPicPr>
-          <p:cNvPr id="6" name="Рисунок 5"/>
-          <p:cNvPicPr>
-            <a:picLocks noChangeAspect="1"/>
-          </p:cNvPicPr>
-          <p:nvPr/>
-        </p:nvPicPr>
-        <p:blipFill>
-          <a:blip r:embed="rId4" cstate="print">
-            <a:extLst>
-              <a:ext uri="{28A0092B-C50C-407E-A947-70E740481C1C}">
-                <a14:useLocalDpi xmlns:a14="http://schemas.microsoft.com/office/drawing/2010/main" val="0"/>
-              </a:ext>
-            </a:extLst>
-          </a:blip>
-          <a:stretch>
-            <a:fillRect/>
-          </a:stretch>
-        </p:blipFill>
-        <p:spPr>
-          <a:xfrm>
-            <a:off x="440573" y="2133874"/>
-            <a:ext cx="3438109" cy="3561019"/>
-          </a:xfrm>
-          <a:prstGeom prst="rect">
-            <a:avLst/>
-          </a:prstGeom>
-        </p:spPr>
-      </p:pic>
+      <p:sp>
+        <p:nvSpPr>
+          <p:cNvPr id="3" name="Подзаголовок 2"/>
+          <p:cNvSpPr>
+            <a:spLocks noGrp="1"/>
+          </p:cNvSpPr>
+          <p:nvPr>
+            <p:ph type="subTitle" idx="1"/>
+          </p:nvPr>
+        </p:nvSpPr>
+        <p:spPr/>
+        <p:txBody>
+          <a:bodyPr/>
+          <a:lstStyle/>
+          <a:p>
+            <a:endParaRPr lang="ru-RU"/>
+          </a:p>
+        </p:txBody>
+      </p:sp>
     </p:spTree>
     <p:extLst>
       <p:ext uri="{BB962C8B-B14F-4D97-AF65-F5344CB8AC3E}">
-        <p14:creationId xmlns:p14="http://schemas.microsoft.com/office/powerpoint/2010/main" val="2791695265"/>
+        <p14:creationId xmlns:p14="http://schemas.microsoft.com/office/powerpoint/2010/main" val="3124354020"/>
       </p:ext>
     </p:extLst>
   </p:cSld>
@@ -4283,42 +4307,69 @@
             <p:ph type="title"/>
           </p:nvPr>
         </p:nvSpPr>
-        <p:spPr>
-          <a:xfrm>
-            <a:off x="815225" y="2443941"/>
-            <a:ext cx="10515600" cy="1978429"/>
-          </a:xfrm>
-        </p:spPr>
-        <p:txBody>
-          <a:bodyPr anchor="ctr">
-            <a:normAutofit fontScale="90000"/>
-          </a:bodyPr>
-          <a:lstStyle/>
-          <a:p>
-            <a:pPr algn="ctr"/>
-            <a:r>
-              <a:rPr lang="ru-RU" sz="8000" dirty="0" smtClean="0"/>
-              <a:t>Перечисления в </a:t>
-            </a:r>
-            <a:r>
-              <a:rPr lang="en-US" sz="8000" dirty="0" smtClean="0"/>
-              <a:t>API.</a:t>
-            </a:r>
-            <a:br>
-              <a:rPr lang="en-US" sz="8000" dirty="0" smtClean="0"/>
-            </a:br>
-            <a:r>
-              <a:rPr lang="en-US" sz="8000" dirty="0" err="1" smtClean="0"/>
-              <a:t>Protobuf</a:t>
-            </a:r>
-            <a:endParaRPr lang="ru-RU" dirty="0"/>
-          </a:p>
-        </p:txBody>
-      </p:sp>
+        <p:spPr/>
+        <p:txBody>
+          <a:bodyPr/>
+          <a:lstStyle/>
+          <a:p>
+            <a:endParaRPr lang="ru-RU"/>
+          </a:p>
+        </p:txBody>
+      </p:sp>
+      <p:pic>
+        <p:nvPicPr>
+          <p:cNvPr id="4" name="Объект 3"/>
+          <p:cNvPicPr>
+            <a:picLocks noGrp="1" noChangeAspect="1"/>
+          </p:cNvPicPr>
+          <p:nvPr>
+            <p:ph idx="1"/>
+          </p:nvPr>
+        </p:nvPicPr>
+        <p:blipFill>
+          <a:blip r:embed="rId2"/>
+          <a:stretch>
+            <a:fillRect/>
+          </a:stretch>
+        </p:blipFill>
+        <p:spPr>
+          <a:xfrm>
+            <a:off x="838200" y="1884489"/>
+            <a:ext cx="3926305" cy="4629068"/>
+          </a:xfrm>
+          <a:prstGeom prst="rect">
+            <a:avLst/>
+          </a:prstGeom>
+        </p:spPr>
+      </p:pic>
+      <p:pic>
+        <p:nvPicPr>
+          <p:cNvPr id="5" name="Рисунок 4"/>
+          <p:cNvPicPr>
+            <a:picLocks noChangeAspect="1"/>
+          </p:cNvPicPr>
+          <p:nvPr/>
+        </p:nvPicPr>
+        <p:blipFill>
+          <a:blip r:embed="rId3"/>
+          <a:stretch>
+            <a:fillRect/>
+          </a:stretch>
+        </p:blipFill>
+        <p:spPr>
+          <a:xfrm>
+            <a:off x="4919809" y="2859505"/>
+            <a:ext cx="7085174" cy="2209801"/>
+          </a:xfrm>
+          <a:prstGeom prst="rect">
+            <a:avLst/>
+          </a:prstGeom>
+        </p:spPr>
+      </p:pic>
     </p:spTree>
     <p:extLst>
       <p:ext uri="{BB962C8B-B14F-4D97-AF65-F5344CB8AC3E}">
-        <p14:creationId xmlns:p14="http://schemas.microsoft.com/office/powerpoint/2010/main" val="3289806118"/>
+        <p14:creationId xmlns:p14="http://schemas.microsoft.com/office/powerpoint/2010/main" val="338654130"/>
       </p:ext>
     </p:extLst>
   </p:cSld>
@@ -4355,42 +4406,42 @@
             <p:ph type="title"/>
           </p:nvPr>
         </p:nvSpPr>
-        <p:spPr/>
-        <p:txBody>
-          <a:bodyPr/>
-          <a:lstStyle/>
-          <a:p>
-            <a:r>
-              <a:rPr lang="ru-RU" dirty="0" err="1" smtClean="0"/>
-              <a:t>Протобаф</a:t>
+        <p:spPr>
+          <a:xfrm>
+            <a:off x="815225" y="2443941"/>
+            <a:ext cx="10515600" cy="1978429"/>
+          </a:xfrm>
+        </p:spPr>
+        <p:txBody>
+          <a:bodyPr anchor="ctr">
+            <a:normAutofit fontScale="90000"/>
+          </a:bodyPr>
+          <a:lstStyle/>
+          <a:p>
+            <a:pPr algn="ctr"/>
+            <a:r>
+              <a:rPr lang="ru-RU" sz="8000" dirty="0"/>
+              <a:t>Перечисления в </a:t>
+            </a:r>
+            <a:r>
+              <a:rPr lang="en-US" sz="8000" dirty="0"/>
+              <a:t>API.</a:t>
+            </a:r>
+            <a:br>
+              <a:rPr lang="en-US" sz="8000" dirty="0"/>
+            </a:br>
+            <a:r>
+              <a:rPr lang="en-US" sz="8000" dirty="0" err="1"/>
+              <a:t>Protobuf</a:t>
             </a:r>
             <a:endParaRPr lang="ru-RU" dirty="0"/>
-          </a:p>
-        </p:txBody>
-      </p:sp>
-      <p:sp>
-        <p:nvSpPr>
-          <p:cNvPr id="3" name="Объект 2"/>
-          <p:cNvSpPr>
-            <a:spLocks noGrp="1"/>
-          </p:cNvSpPr>
-          <p:nvPr>
-            <p:ph idx="1"/>
-          </p:nvPr>
-        </p:nvSpPr>
-        <p:spPr/>
-        <p:txBody>
-          <a:bodyPr/>
-          <a:lstStyle/>
-          <a:p>
-            <a:endParaRPr lang="ru-RU"/>
           </a:p>
         </p:txBody>
       </p:sp>
     </p:spTree>
     <p:extLst>
       <p:ext uri="{BB962C8B-B14F-4D97-AF65-F5344CB8AC3E}">
-        <p14:creationId xmlns:p14="http://schemas.microsoft.com/office/powerpoint/2010/main" val="1883146595"/>
+        <p14:creationId xmlns:p14="http://schemas.microsoft.com/office/powerpoint/2010/main" val="3289806118"/>
       </p:ext>
     </p:extLst>
   </p:cSld>
@@ -4427,23 +4478,34 @@
             <p:ph type="title"/>
           </p:nvPr>
         </p:nvSpPr>
-        <p:spPr>
-          <a:xfrm>
-            <a:off x="815225" y="2443941"/>
-            <a:ext cx="10515600" cy="1978429"/>
-          </a:xfrm>
-        </p:spPr>
-        <p:txBody>
-          <a:bodyPr anchor="ctr">
-            <a:normAutofit/>
-          </a:bodyPr>
-          <a:lstStyle/>
-          <a:p>
-            <a:pPr algn="ctr"/>
-            <a:r>
-              <a:rPr lang="ru-RU" sz="8000" dirty="0" smtClean="0"/>
-              <a:t>Перечисления в БД</a:t>
-            </a:r>
+        <p:spPr/>
+        <p:txBody>
+          <a:bodyPr/>
+          <a:lstStyle/>
+          <a:p>
+            <a:r>
+              <a:rPr lang="ru-RU" dirty="0" err="1"/>
+              <a:t>Протобаф</a:t>
+            </a:r>
+            <a:endParaRPr lang="ru-RU" dirty="0"/>
+          </a:p>
+        </p:txBody>
+      </p:sp>
+      <p:sp>
+        <p:nvSpPr>
+          <p:cNvPr id="3" name="Объект 2"/>
+          <p:cNvSpPr>
+            <a:spLocks noGrp="1"/>
+          </p:cNvSpPr>
+          <p:nvPr>
+            <p:ph idx="1"/>
+          </p:nvPr>
+        </p:nvSpPr>
+        <p:spPr/>
+        <p:txBody>
+          <a:bodyPr/>
+          <a:lstStyle/>
+          <a:p>
             <a:endParaRPr lang="ru-RU" dirty="0"/>
           </a:p>
         </p:txBody>
@@ -4451,7 +4513,7 @@
     </p:spTree>
     <p:extLst>
       <p:ext uri="{BB962C8B-B14F-4D97-AF65-F5344CB8AC3E}">
-        <p14:creationId xmlns:p14="http://schemas.microsoft.com/office/powerpoint/2010/main" val="1578002088"/>
+        <p14:creationId xmlns:p14="http://schemas.microsoft.com/office/powerpoint/2010/main" val="1883146595"/>
       </p:ext>
     </p:extLst>
   </p:cSld>
@@ -4488,87 +4550,31 @@
             <p:ph type="title"/>
           </p:nvPr>
         </p:nvSpPr>
-        <p:spPr/>
-        <p:txBody>
-          <a:bodyPr/>
-          <a:lstStyle/>
-          <a:p>
-            <a:r>
-              <a:rPr lang="ru-RU" dirty="0" smtClean="0"/>
-              <a:t>Перечисления в БД. </a:t>
-            </a:r>
-            <a:r>
-              <a:rPr lang="en-US" dirty="0" smtClean="0"/>
-              <a:t>JPA</a:t>
+        <p:spPr>
+          <a:xfrm>
+            <a:off x="815225" y="2443941"/>
+            <a:ext cx="10515600" cy="1978429"/>
+          </a:xfrm>
+        </p:spPr>
+        <p:txBody>
+          <a:bodyPr anchor="ctr">
+            <a:normAutofit/>
+          </a:bodyPr>
+          <a:lstStyle/>
+          <a:p>
+            <a:pPr algn="ctr"/>
+            <a:r>
+              <a:rPr lang="ru-RU" sz="8000" dirty="0"/>
+              <a:t>Перечисления в БД</a:t>
             </a:r>
             <a:endParaRPr lang="ru-RU" dirty="0"/>
-          </a:p>
-        </p:txBody>
-      </p:sp>
-      <p:pic>
-        <p:nvPicPr>
-          <p:cNvPr id="4" name="Объект 3"/>
-          <p:cNvPicPr>
-            <a:picLocks noGrp="1" noChangeAspect="1"/>
-          </p:cNvPicPr>
-          <p:nvPr>
-            <p:ph idx="1"/>
-          </p:nvPr>
-        </p:nvPicPr>
-        <p:blipFill>
-          <a:blip r:embed="rId2"/>
-          <a:stretch>
-            <a:fillRect/>
-          </a:stretch>
-        </p:blipFill>
-        <p:spPr>
-          <a:xfrm>
-            <a:off x="371976" y="1514225"/>
-            <a:ext cx="6313387" cy="2480259"/>
-          </a:xfrm>
-          <a:prstGeom prst="rect">
-            <a:avLst/>
-          </a:prstGeom>
-        </p:spPr>
-      </p:pic>
-      <p:sp>
-        <p:nvSpPr>
-          <p:cNvPr id="5" name="TextBox 4"/>
-          <p:cNvSpPr txBox="1"/>
-          <p:nvPr/>
-        </p:nvSpPr>
-        <p:spPr>
-          <a:xfrm>
-            <a:off x="1668378" y="5438274"/>
-            <a:ext cx="3160295" cy="461665"/>
-          </a:xfrm>
-          <a:prstGeom prst="rect">
-            <a:avLst/>
-          </a:prstGeom>
-          <a:noFill/>
-        </p:spPr>
-        <p:txBody>
-          <a:bodyPr wrap="square" rtlCol="0">
-            <a:spAutoFit/>
-          </a:bodyPr>
-          <a:lstStyle/>
-          <a:p>
-            <a:r>
-              <a:rPr lang="en-US" sz="2400" dirty="0" smtClean="0"/>
-              <a:t>+ </a:t>
-            </a:r>
-            <a:r>
-              <a:rPr lang="en-US" sz="2400" dirty="0" err="1" smtClean="0"/>
-              <a:t>JpaConverter</a:t>
-            </a:r>
-            <a:endParaRPr lang="ru-RU" sz="2400" dirty="0"/>
           </a:p>
         </p:txBody>
       </p:sp>
     </p:spTree>
     <p:extLst>
       <p:ext uri="{BB962C8B-B14F-4D97-AF65-F5344CB8AC3E}">
-        <p14:creationId xmlns:p14="http://schemas.microsoft.com/office/powerpoint/2010/main" val="2193178596"/>
+        <p14:creationId xmlns:p14="http://schemas.microsoft.com/office/powerpoint/2010/main" val="1578002088"/>
       </p:ext>
     </p:extLst>
   </p:cSld>
@@ -4611,48 +4617,81 @@
           <a:lstStyle/>
           <a:p>
             <a:r>
-              <a:rPr lang="ru-RU" dirty="0" smtClean="0"/>
+              <a:rPr lang="ru-RU" dirty="0"/>
               <a:t>Перечисления в БД. </a:t>
             </a:r>
             <a:r>
-              <a:rPr lang="ru-RU" dirty="0" err="1" smtClean="0"/>
-              <a:t>Перфоманс</a:t>
-            </a:r>
-            <a:r>
-              <a:rPr lang="ru-RU" dirty="0"/>
-              <a:t> </a:t>
-            </a:r>
-            <a:r>
-              <a:rPr lang="ru-RU" dirty="0" smtClean="0"/>
-              <a:t>в СУБД</a:t>
+              <a:rPr lang="en-US" dirty="0"/>
+              <a:t>JPA</a:t>
             </a:r>
             <a:endParaRPr lang="ru-RU" dirty="0"/>
           </a:p>
         </p:txBody>
       </p:sp>
-      <p:sp>
-        <p:nvSpPr>
-          <p:cNvPr id="3" name="Объект 2"/>
-          <p:cNvSpPr>
-            <a:spLocks noGrp="1"/>
-          </p:cNvSpPr>
+      <p:pic>
+        <p:nvPicPr>
+          <p:cNvPr id="4" name="Объект 3"/>
+          <p:cNvPicPr>
+            <a:picLocks noGrp="1" noChangeAspect="1"/>
+          </p:cNvPicPr>
           <p:nvPr>
             <p:ph idx="1"/>
           </p:nvPr>
-        </p:nvSpPr>
-        <p:spPr/>
-        <p:txBody>
-          <a:bodyPr/>
-          <a:lstStyle/>
-          <a:p>
-            <a:endParaRPr lang="ru-RU" dirty="0"/>
+        </p:nvPicPr>
+        <p:blipFill>
+          <a:blip r:embed="rId2"/>
+          <a:stretch>
+            <a:fillRect/>
+          </a:stretch>
+        </p:blipFill>
+        <p:spPr>
+          <a:xfrm>
+            <a:off x="371976" y="1514225"/>
+            <a:ext cx="6313387" cy="2480259"/>
+          </a:xfrm>
+          <a:prstGeom prst="rect">
+            <a:avLst/>
+          </a:prstGeom>
+        </p:spPr>
+      </p:pic>
+      <p:sp>
+        <p:nvSpPr>
+          <p:cNvPr id="5" name="TextBox 4"/>
+          <p:cNvSpPr txBox="1"/>
+          <p:nvPr/>
+        </p:nvSpPr>
+        <p:spPr>
+          <a:xfrm>
+            <a:off x="1668378" y="5438274"/>
+            <a:ext cx="3160295" cy="461665"/>
+          </a:xfrm>
+          <a:prstGeom prst="rect">
+            <a:avLst/>
+          </a:prstGeom>
+          <a:noFill/>
+        </p:spPr>
+        <p:txBody>
+          <a:bodyPr wrap="square" rtlCol="0">
+            <a:spAutoFit/>
+          </a:bodyPr>
+          <a:lstStyle/>
+          <a:p>
+            <a:r>
+              <a:rPr lang="en-US" sz="2400" dirty="0"/>
+              <a:t>+ </a:t>
+            </a:r>
+            <a:r>
+              <a:rPr lang="en-US" sz="2400" dirty="0" err="1"/>
+              <a:t>JpaConverter</a:t>
+            </a:r>
+            <a:endParaRPr lang="ru-RU" sz="2400" dirty="0"/>
           </a:p>
         </p:txBody>
       </p:sp>
     </p:spTree>
     <p:extLst>
       <p:ext uri="{BB962C8B-B14F-4D97-AF65-F5344CB8AC3E}">
-        <p14:creationId xmlns:p14="http://schemas.microsoft.com/office/powerpoint/2010/main" val="463801679"/>
+        <p14:creationId xmlns:p14="http://schemas.microsoft.com/office/powerpoint/2010/main" val="2193178596"/>
       </p:ext>
     </p:extLst>
   </p:cSld>
@@ -4689,23 +4728,41 @@
             <p:ph type="title"/>
           </p:nvPr>
         </p:nvSpPr>
-        <p:spPr>
-          <a:xfrm>
-            <a:off x="815225" y="2443941"/>
-            <a:ext cx="10515600" cy="1978429"/>
-          </a:xfrm>
-        </p:spPr>
-        <p:txBody>
-          <a:bodyPr anchor="ctr">
-            <a:normAutofit/>
-          </a:bodyPr>
-          <a:lstStyle/>
-          <a:p>
-            <a:pPr algn="ctr"/>
-            <a:r>
-              <a:rPr lang="ru-RU" sz="8000" dirty="0" smtClean="0"/>
-              <a:t>Разделение слоев</a:t>
-            </a:r>
+        <p:spPr/>
+        <p:txBody>
+          <a:bodyPr/>
+          <a:lstStyle/>
+          <a:p>
+            <a:r>
+              <a:rPr lang="ru-RU" dirty="0"/>
+              <a:t>Перечисления в БД. </a:t>
+            </a:r>
+            <a:r>
+              <a:rPr lang="ru-RU" dirty="0" err="1"/>
+              <a:t>Перфоманс</a:t>
+            </a:r>
+            <a:r>
+              <a:rPr lang="ru-RU" dirty="0"/>
+              <a:t> в СУБД</a:t>
+            </a:r>
+          </a:p>
+        </p:txBody>
+      </p:sp>
+      <p:sp>
+        <p:nvSpPr>
+          <p:cNvPr id="3" name="Объект 2"/>
+          <p:cNvSpPr>
+            <a:spLocks noGrp="1"/>
+          </p:cNvSpPr>
+          <p:nvPr>
+            <p:ph idx="1"/>
+          </p:nvPr>
+        </p:nvSpPr>
+        <p:spPr/>
+        <p:txBody>
+          <a:bodyPr/>
+          <a:lstStyle/>
+          <a:p>
             <a:endParaRPr lang="ru-RU" dirty="0"/>
           </a:p>
         </p:txBody>
@@ -4713,7 +4770,7 @@
     </p:spTree>
     <p:extLst>
       <p:ext uri="{BB962C8B-B14F-4D97-AF65-F5344CB8AC3E}">
-        <p14:creationId xmlns:p14="http://schemas.microsoft.com/office/powerpoint/2010/main" val="1586684457"/>
+        <p14:creationId xmlns:p14="http://schemas.microsoft.com/office/powerpoint/2010/main" val="463801679"/>
       </p:ext>
     </p:extLst>
   </p:cSld>
@@ -4750,37 +4807,22 @@
             <p:ph type="title"/>
           </p:nvPr>
         </p:nvSpPr>
-        <p:spPr/>
-        <p:txBody>
-          <a:bodyPr/>
-          <a:lstStyle/>
-          <a:p>
-            <a:r>
-              <a:rPr lang="ru-RU" dirty="0" smtClean="0"/>
+        <p:spPr>
+          <a:xfrm>
+            <a:off x="815225" y="2443941"/>
+            <a:ext cx="10515600" cy="1978429"/>
+          </a:xfrm>
+        </p:spPr>
+        <p:txBody>
+          <a:bodyPr anchor="ctr">
+            <a:normAutofit/>
+          </a:bodyPr>
+          <a:lstStyle/>
+          <a:p>
+            <a:pPr algn="ctr"/>
+            <a:r>
+              <a:rPr lang="ru-RU" sz="8000" dirty="0"/>
               <a:t>Разделение слоев</a:t>
-            </a:r>
-            <a:endParaRPr lang="ru-RU" dirty="0"/>
-          </a:p>
-        </p:txBody>
-      </p:sp>
-      <p:sp>
-        <p:nvSpPr>
-          <p:cNvPr id="3" name="Объект 2"/>
-          <p:cNvSpPr>
-            <a:spLocks noGrp="1"/>
-          </p:cNvSpPr>
-          <p:nvPr>
-            <p:ph idx="1"/>
-          </p:nvPr>
-        </p:nvSpPr>
-        <p:spPr/>
-        <p:txBody>
-          <a:bodyPr/>
-          <a:lstStyle/>
-          <a:p>
-            <a:r>
-              <a:rPr lang="ru-RU" dirty="0" smtClean="0"/>
-              <a:t>Картинка с диаграммой состояния конечного автомата для паттерна Сага</a:t>
             </a:r>
             <a:endParaRPr lang="ru-RU" dirty="0"/>
           </a:p>
@@ -4789,7 +4831,7 @@
     </p:spTree>
     <p:extLst>
       <p:ext uri="{BB962C8B-B14F-4D97-AF65-F5344CB8AC3E}">
-        <p14:creationId xmlns:p14="http://schemas.microsoft.com/office/powerpoint/2010/main" val="4204946375"/>
+        <p14:creationId xmlns:p14="http://schemas.microsoft.com/office/powerpoint/2010/main" val="1586684457"/>
       </p:ext>
     </p:extLst>
   </p:cSld>
@@ -4826,31 +4868,44 @@
             <p:ph type="title"/>
           </p:nvPr>
         </p:nvSpPr>
-        <p:spPr>
-          <a:xfrm>
-            <a:off x="815225" y="2443941"/>
-            <a:ext cx="10515600" cy="1978429"/>
-          </a:xfrm>
-        </p:spPr>
-        <p:txBody>
-          <a:bodyPr anchor="ctr">
-            <a:normAutofit fontScale="90000"/>
-          </a:bodyPr>
-          <a:lstStyle/>
-          <a:p>
-            <a:pPr algn="ctr"/>
-            <a:r>
-              <a:rPr lang="ru-RU" sz="8000" dirty="0" smtClean="0"/>
-              <a:t>Получение перечисления по значению</a:t>
-            </a:r>
-            <a:endParaRPr lang="ru-RU" dirty="0"/>
+        <p:spPr/>
+        <p:txBody>
+          <a:bodyPr/>
+          <a:lstStyle/>
+          <a:p>
+            <a:r>
+              <a:rPr lang="ru-RU" dirty="0"/>
+              <a:t>Разделение слоев</a:t>
+            </a:r>
+          </a:p>
+        </p:txBody>
+      </p:sp>
+      <p:sp>
+        <p:nvSpPr>
+          <p:cNvPr id="3" name="Объект 2"/>
+          <p:cNvSpPr>
+            <a:spLocks noGrp="1"/>
+          </p:cNvSpPr>
+          <p:nvPr>
+            <p:ph idx="1"/>
+          </p:nvPr>
+        </p:nvSpPr>
+        <p:spPr/>
+        <p:txBody>
+          <a:bodyPr/>
+          <a:lstStyle/>
+          <a:p>
+            <a:r>
+              <a:rPr lang="ru-RU" dirty="0"/>
+              <a:t>Картинка с диаграммой состояния конечного автомата для паттерна Сага</a:t>
+            </a:r>
           </a:p>
         </p:txBody>
       </p:sp>
     </p:spTree>
     <p:extLst>
       <p:ext uri="{BB962C8B-B14F-4D97-AF65-F5344CB8AC3E}">
-        <p14:creationId xmlns:p14="http://schemas.microsoft.com/office/powerpoint/2010/main" val="1638768751"/>
+        <p14:creationId xmlns:p14="http://schemas.microsoft.com/office/powerpoint/2010/main" val="4204946375"/>
       </p:ext>
     </p:extLst>
   </p:cSld>
@@ -4887,57 +4942,22 @@
             <p:ph type="title"/>
           </p:nvPr>
         </p:nvSpPr>
-        <p:spPr/>
-        <p:txBody>
-          <a:bodyPr/>
-          <a:lstStyle/>
-          <a:p>
-            <a:r>
-              <a:rPr lang="ru-RU" dirty="0" smtClean="0"/>
+        <p:spPr>
+          <a:xfrm>
+            <a:off x="815225" y="2443941"/>
+            <a:ext cx="10515600" cy="1978429"/>
+          </a:xfrm>
+        </p:spPr>
+        <p:txBody>
+          <a:bodyPr anchor="ctr">
+            <a:normAutofit fontScale="90000"/>
+          </a:bodyPr>
+          <a:lstStyle/>
+          <a:p>
+            <a:pPr algn="ctr"/>
+            <a:r>
+              <a:rPr lang="ru-RU" sz="8000" dirty="0"/>
               <a:t>Получение перечисления по значению</a:t>
-            </a:r>
-            <a:endParaRPr lang="ru-RU" dirty="0"/>
-          </a:p>
-        </p:txBody>
-      </p:sp>
-      <p:sp>
-        <p:nvSpPr>
-          <p:cNvPr id="3" name="Объект 2"/>
-          <p:cNvSpPr>
-            <a:spLocks noGrp="1"/>
-          </p:cNvSpPr>
-          <p:nvPr>
-            <p:ph idx="1"/>
-          </p:nvPr>
-        </p:nvSpPr>
-        <p:spPr/>
-        <p:txBody>
-          <a:bodyPr/>
-          <a:lstStyle/>
-          <a:p>
-            <a:r>
-              <a:rPr lang="ru-RU" dirty="0" smtClean="0"/>
-              <a:t>По названию</a:t>
-            </a:r>
-          </a:p>
-          <a:p>
-            <a:pPr lvl="1"/>
-            <a:r>
-              <a:rPr lang="ru-RU" dirty="0" smtClean="0"/>
-              <a:t>Не нужно расширяться</a:t>
-            </a:r>
-          </a:p>
-          <a:p>
-            <a:pPr lvl="1"/>
-            <a:r>
-              <a:rPr lang="ru-RU" dirty="0" smtClean="0"/>
-              <a:t>Нужно расширяться</a:t>
-            </a:r>
-          </a:p>
-          <a:p>
-            <a:r>
-              <a:rPr lang="ru-RU" dirty="0" smtClean="0"/>
-              <a:t>По параметру</a:t>
             </a:r>
             <a:endParaRPr lang="ru-RU" dirty="0"/>
           </a:p>
@@ -4946,7 +4966,7 @@
     </p:spTree>
     <p:extLst>
       <p:ext uri="{BB962C8B-B14F-4D97-AF65-F5344CB8AC3E}">
-        <p14:creationId xmlns:p14="http://schemas.microsoft.com/office/powerpoint/2010/main" val="3920032684"/>
+        <p14:creationId xmlns:p14="http://schemas.microsoft.com/office/powerpoint/2010/main" val="1638768751"/>
       </p:ext>
     </p:extLst>
   </p:cSld>
@@ -4989,46 +5009,78 @@
           <a:lstStyle/>
           <a:p>
             <a:r>
-              <a:rPr lang="ru-RU" dirty="0" smtClean="0"/>
-              <a:t>По названию без расширения</a:t>
-            </a:r>
-            <a:br>
-              <a:rPr lang="ru-RU" dirty="0" smtClean="0"/>
-            </a:br>
+              <a:rPr lang="ru-RU" dirty="0"/>
+              <a:t>Получение перечисления по значению</a:t>
+            </a:r>
+          </a:p>
+        </p:txBody>
+      </p:sp>
+      <p:sp>
+        <p:nvSpPr>
+          <p:cNvPr id="3" name="Объект 2"/>
+          <p:cNvSpPr>
+            <a:spLocks noGrp="1"/>
+          </p:cNvSpPr>
+          <p:nvPr>
+            <p:ph idx="1"/>
+          </p:nvPr>
+        </p:nvSpPr>
+        <p:spPr/>
+        <p:txBody>
+          <a:bodyPr/>
+          <a:lstStyle/>
+          <a:p>
+            <a:r>
+              <a:rPr lang="ru-RU" dirty="0"/>
+              <a:t>По названию</a:t>
+            </a:r>
+          </a:p>
+          <a:p>
+            <a:pPr lvl="1"/>
+            <a:r>
+              <a:rPr lang="ru-RU" dirty="0"/>
+              <a:t>Не нужно расширяться</a:t>
+            </a:r>
+          </a:p>
+          <a:p>
+            <a:pPr lvl="1"/>
+            <a:r>
+              <a:rPr lang="ru-RU" dirty="0"/>
+              <a:t>Нужно расширяться</a:t>
+            </a:r>
+          </a:p>
+          <a:p>
+            <a:r>
+              <a:rPr lang="ru-RU" dirty="0"/>
+              <a:t>По параметру</a:t>
+            </a:r>
+          </a:p>
+          <a:p>
             <a:endParaRPr lang="ru-RU" dirty="0"/>
           </a:p>
-        </p:txBody>
-      </p:sp>
-      <p:pic>
-        <p:nvPicPr>
-          <p:cNvPr id="4" name="Объект 3"/>
-          <p:cNvPicPr>
-            <a:picLocks noGrp="1" noChangeAspect="1"/>
-          </p:cNvPicPr>
-          <p:nvPr>
-            <p:ph idx="1"/>
-          </p:nvPr>
-        </p:nvPicPr>
-        <p:blipFill>
-          <a:blip r:embed="rId2"/>
-          <a:stretch>
-            <a:fillRect/>
-          </a:stretch>
-        </p:blipFill>
-        <p:spPr>
-          <a:xfrm>
-            <a:off x="838200" y="1390650"/>
-            <a:ext cx="10397786" cy="1737561"/>
-          </a:xfrm>
-          <a:prstGeom prst="rect">
-            <a:avLst/>
-          </a:prstGeom>
-        </p:spPr>
-      </p:pic>
+          <a:p>
+            <a:endParaRPr lang="ru-RU" dirty="0"/>
+          </a:p>
+          <a:p>
+            <a:r>
+              <a:rPr lang="ru-RU" dirty="0"/>
+              <a:t>Сделать </a:t>
+            </a:r>
+            <a:r>
+              <a:rPr lang="ru-RU" dirty="0" err="1"/>
+              <a:t>перебивочку</a:t>
+            </a:r>
+            <a:r>
+              <a:rPr lang="ru-RU" dirty="0"/>
+              <a:t>: какую задачу решаем</a:t>
+            </a:r>
+          </a:p>
+        </p:txBody>
+      </p:sp>
     </p:spTree>
     <p:extLst>
       <p:ext uri="{BB962C8B-B14F-4D97-AF65-F5344CB8AC3E}">
-        <p14:creationId xmlns:p14="http://schemas.microsoft.com/office/powerpoint/2010/main" val="4077879210"/>
+        <p14:creationId xmlns:p14="http://schemas.microsoft.com/office/powerpoint/2010/main" val="3920032684"/>
       </p:ext>
     </p:extLst>
   </p:cSld>
@@ -5204,9 +5256,12 @@
           <a:lstStyle/>
           <a:p>
             <a:r>
-              <a:rPr lang="ru-RU" dirty="0" smtClean="0"/>
-              <a:t>По названию с расширением</a:t>
-            </a:r>
+              <a:rPr lang="ru-RU" dirty="0"/>
+              <a:t>По названию без расширения</a:t>
+            </a:r>
+            <a:br>
+              <a:rPr lang="ru-RU" dirty="0"/>
+            </a:br>
             <a:endParaRPr lang="ru-RU" dirty="0"/>
           </a:p>
         </p:txBody>
@@ -5229,8 +5284,8 @@
         </p:blipFill>
         <p:spPr>
           <a:xfrm>
-            <a:off x="838200" y="1690688"/>
-            <a:ext cx="9156032" cy="3697628"/>
+            <a:off x="838200" y="1390650"/>
+            <a:ext cx="10397786" cy="1737561"/>
           </a:xfrm>
           <a:prstGeom prst="rect">
             <a:avLst/>
@@ -5240,7 +5295,7 @@
     </p:spTree>
     <p:extLst>
       <p:ext uri="{BB962C8B-B14F-4D97-AF65-F5344CB8AC3E}">
-        <p14:creationId xmlns:p14="http://schemas.microsoft.com/office/powerpoint/2010/main" val="4120279808"/>
+        <p14:creationId xmlns:p14="http://schemas.microsoft.com/office/powerpoint/2010/main" val="4077879210"/>
       </p:ext>
     </p:extLst>
   </p:cSld>
@@ -5282,7 +5337,10 @@
           <a:bodyPr/>
           <a:lstStyle/>
           <a:p>
-            <a:endParaRPr lang="ru-RU"/>
+            <a:r>
+              <a:rPr lang="ru-RU" dirty="0"/>
+              <a:t>По названию с расширением</a:t>
+            </a:r>
           </a:p>
         </p:txBody>
       </p:sp>
@@ -5304,32 +5362,8 @@
         </p:blipFill>
         <p:spPr>
           <a:xfrm>
-            <a:off x="964031" y="1837363"/>
-            <a:ext cx="8597064" cy="2356099"/>
-          </a:xfrm>
-          <a:prstGeom prst="rect">
-            <a:avLst/>
-          </a:prstGeom>
-        </p:spPr>
-      </p:pic>
-      <p:pic>
-        <p:nvPicPr>
-          <p:cNvPr id="5" name="Рисунок 4"/>
-          <p:cNvPicPr>
-            <a:picLocks noChangeAspect="1"/>
-          </p:cNvPicPr>
-          <p:nvPr/>
-        </p:nvPicPr>
-        <p:blipFill>
-          <a:blip r:embed="rId3"/>
-          <a:stretch>
-            <a:fillRect/>
-          </a:stretch>
-        </p:blipFill>
-        <p:spPr>
-          <a:xfrm>
-            <a:off x="964031" y="4626599"/>
-            <a:ext cx="8693177" cy="1950664"/>
+            <a:off x="838200" y="1690688"/>
+            <a:ext cx="9156032" cy="3697628"/>
           </a:xfrm>
           <a:prstGeom prst="rect">
             <a:avLst/>
@@ -5339,7 +5373,7 @@
     </p:spTree>
     <p:extLst>
       <p:ext uri="{BB962C8B-B14F-4D97-AF65-F5344CB8AC3E}">
-        <p14:creationId xmlns:p14="http://schemas.microsoft.com/office/powerpoint/2010/main" val="3783863391"/>
+        <p14:creationId xmlns:p14="http://schemas.microsoft.com/office/powerpoint/2010/main" val="4120279808"/>
       </p:ext>
     </p:extLst>
   </p:cSld>
@@ -5382,12 +5416,16 @@
           <a:lstStyle/>
           <a:p>
             <a:r>
-              <a:rPr lang="ru-RU" dirty="0" smtClean="0"/>
-              <a:t>Реализация </a:t>
-            </a:r>
-            <a:r>
-              <a:rPr lang="en-US" dirty="0" smtClean="0"/>
-              <a:t>Apache Commons</a:t>
+              <a:rPr lang="en-US" dirty="0"/>
+              <a:t>Apache Commons </a:t>
+            </a:r>
+            <a:r>
+              <a:rPr lang="ru-RU" dirty="0"/>
+              <a:t>и </a:t>
+            </a:r>
+            <a:r>
+              <a:rPr lang="en-US" dirty="0"/>
+              <a:t>Guava</a:t>
             </a:r>
             <a:endParaRPr lang="ru-RU" dirty="0"/>
           </a:p>
@@ -5411,8 +5449,32 @@
         </p:blipFill>
         <p:spPr>
           <a:xfrm>
-            <a:off x="1226218" y="2670802"/>
-            <a:ext cx="8039100" cy="2628900"/>
+            <a:off x="964031" y="1837363"/>
+            <a:ext cx="8597064" cy="2356099"/>
+          </a:xfrm>
+          <a:prstGeom prst="rect">
+            <a:avLst/>
+          </a:prstGeom>
+        </p:spPr>
+      </p:pic>
+      <p:pic>
+        <p:nvPicPr>
+          <p:cNvPr id="5" name="Рисунок 4"/>
+          <p:cNvPicPr>
+            <a:picLocks noChangeAspect="1"/>
+          </p:cNvPicPr>
+          <p:nvPr/>
+        </p:nvPicPr>
+        <p:blipFill>
+          <a:blip r:embed="rId3"/>
+          <a:stretch>
+            <a:fillRect/>
+          </a:stretch>
+        </p:blipFill>
+        <p:spPr>
+          <a:xfrm>
+            <a:off x="964031" y="4626599"/>
+            <a:ext cx="8693177" cy="1950664"/>
           </a:xfrm>
           <a:prstGeom prst="rect">
             <a:avLst/>
@@ -5422,7 +5484,7 @@
     </p:spTree>
     <p:extLst>
       <p:ext uri="{BB962C8B-B14F-4D97-AF65-F5344CB8AC3E}">
-        <p14:creationId xmlns:p14="http://schemas.microsoft.com/office/powerpoint/2010/main" val="2846908891"/>
+        <p14:creationId xmlns:p14="http://schemas.microsoft.com/office/powerpoint/2010/main" val="3783863391"/>
       </p:ext>
     </p:extLst>
   </p:cSld>
@@ -5465,12 +5527,12 @@
           <a:lstStyle/>
           <a:p>
             <a:r>
-              <a:rPr lang="ru-RU" dirty="0" smtClean="0"/>
+              <a:rPr lang="ru-RU" dirty="0"/>
               <a:t>Реализация </a:t>
             </a:r>
             <a:r>
-              <a:rPr lang="en-US" dirty="0" smtClean="0"/>
-              <a:t>Guava</a:t>
+              <a:rPr lang="en-US" dirty="0"/>
+              <a:t>Apache Commons</a:t>
             </a:r>
             <a:endParaRPr lang="ru-RU" dirty="0"/>
           </a:p>
@@ -5494,8 +5556,8 @@
         </p:blipFill>
         <p:spPr>
           <a:xfrm>
-            <a:off x="852771" y="2149643"/>
-            <a:ext cx="10902146" cy="3850104"/>
+            <a:off x="547792" y="1392607"/>
+            <a:ext cx="11255893" cy="3680837"/>
           </a:xfrm>
           <a:prstGeom prst="rect">
             <a:avLst/>
@@ -5505,7 +5567,7 @@
     </p:spTree>
     <p:extLst>
       <p:ext uri="{BB962C8B-B14F-4D97-AF65-F5344CB8AC3E}">
-        <p14:creationId xmlns:p14="http://schemas.microsoft.com/office/powerpoint/2010/main" val="1798926229"/>
+        <p14:creationId xmlns:p14="http://schemas.microsoft.com/office/powerpoint/2010/main" val="2846908891"/>
       </p:ext>
     </p:extLst>
   </p:cSld>
@@ -5548,16 +5610,12 @@
           <a:lstStyle/>
           <a:p>
             <a:r>
-              <a:rPr lang="ru-RU" dirty="0" smtClean="0"/>
+              <a:rPr lang="ru-RU" dirty="0"/>
               <a:t>Реализация </a:t>
             </a:r>
             <a:r>
-              <a:rPr lang="en-US" dirty="0" err="1" smtClean="0"/>
-              <a:t>valueOf</a:t>
-            </a:r>
-            <a:r>
-              <a:rPr lang="en-US" dirty="0" smtClean="0"/>
-              <a:t>(Class, name)</a:t>
+              <a:rPr lang="en-US" dirty="0"/>
+              <a:t>Guava</a:t>
             </a:r>
             <a:endParaRPr lang="ru-RU" dirty="0"/>
           </a:p>
@@ -5581,8 +5639,8 @@
         </p:blipFill>
         <p:spPr>
           <a:xfrm>
-            <a:off x="838200" y="1431298"/>
-            <a:ext cx="7471611" cy="5228868"/>
+            <a:off x="852771" y="2149643"/>
+            <a:ext cx="10902146" cy="3850104"/>
           </a:xfrm>
           <a:prstGeom prst="rect">
             <a:avLst/>
@@ -5592,7 +5650,7 @@
     </p:spTree>
     <p:extLst>
       <p:ext uri="{BB962C8B-B14F-4D97-AF65-F5344CB8AC3E}">
-        <p14:creationId xmlns:p14="http://schemas.microsoft.com/office/powerpoint/2010/main" val="2405000756"/>
+        <p14:creationId xmlns:p14="http://schemas.microsoft.com/office/powerpoint/2010/main" val="1798926229"/>
       </p:ext>
     </p:extLst>
   </p:cSld>
@@ -5635,48 +5693,16 @@
           <a:lstStyle/>
           <a:p>
             <a:r>
-              <a:rPr lang="ru-RU" dirty="0" smtClean="0"/>
-              <a:t>Замер </a:t>
-            </a:r>
-            <a:r>
-              <a:rPr lang="ru-RU" dirty="0" err="1" smtClean="0"/>
-              <a:t>перфоманса</a:t>
-            </a:r>
-            <a:r>
-              <a:rPr lang="ru-RU" dirty="0" smtClean="0"/>
-              <a:t> с помощью </a:t>
-            </a:r>
-            <a:r>
-              <a:rPr lang="en-US" dirty="0" smtClean="0"/>
-              <a:t>JMH</a:t>
-            </a:r>
-            <a:endParaRPr lang="ru-RU" dirty="0"/>
-          </a:p>
-        </p:txBody>
-      </p:sp>
-      <p:sp>
-        <p:nvSpPr>
-          <p:cNvPr id="3" name="Объект 2"/>
-          <p:cNvSpPr>
-            <a:spLocks noGrp="1"/>
-          </p:cNvSpPr>
-          <p:nvPr>
-            <p:ph idx="1"/>
-          </p:nvPr>
-        </p:nvSpPr>
-        <p:spPr>
-          <a:xfrm>
-            <a:off x="7780420" y="1825625"/>
-            <a:ext cx="3573379" cy="4351338"/>
-          </a:xfrm>
-        </p:spPr>
-        <p:txBody>
-          <a:bodyPr/>
-          <a:lstStyle/>
-          <a:p>
-            <a:r>
-              <a:rPr lang="ru-RU" dirty="0" smtClean="0"/>
-              <a:t>Характеристики железа</a:t>
+              <a:rPr lang="ru-RU" dirty="0"/>
+              <a:t>Реализация </a:t>
+            </a:r>
+            <a:r>
+              <a:rPr lang="en-US" dirty="0" err="1"/>
+              <a:t>valueOf</a:t>
+            </a:r>
+            <a:r>
+              <a:rPr lang="en-US" dirty="0"/>
+              <a:t>(Class, name)</a:t>
             </a:r>
             <a:endParaRPr lang="ru-RU" dirty="0"/>
           </a:p>
@@ -5684,11 +5710,13 @@
       </p:sp>
       <p:pic>
         <p:nvPicPr>
-          <p:cNvPr id="4" name="Рисунок 3"/>
+          <p:cNvPr id="4" name="Объект 3"/>
           <p:cNvPicPr>
-            <a:picLocks noChangeAspect="1"/>
+            <a:picLocks noGrp="1" noChangeAspect="1"/>
           </p:cNvPicPr>
-          <p:nvPr/>
+          <p:nvPr>
+            <p:ph idx="1"/>
+          </p:nvPr>
         </p:nvPicPr>
         <p:blipFill>
           <a:blip r:embed="rId2"/>
@@ -5698,8 +5726,8 @@
         </p:blipFill>
         <p:spPr>
           <a:xfrm>
-            <a:off x="838200" y="1405689"/>
-            <a:ext cx="6509084" cy="5176815"/>
+            <a:off x="838200" y="1431298"/>
+            <a:ext cx="7471611" cy="5228868"/>
           </a:xfrm>
           <a:prstGeom prst="rect">
             <a:avLst/>
@@ -5709,7 +5737,7 @@
     </p:spTree>
     <p:extLst>
       <p:ext uri="{BB962C8B-B14F-4D97-AF65-F5344CB8AC3E}">
-        <p14:creationId xmlns:p14="http://schemas.microsoft.com/office/powerpoint/2010/main" val="1846798756"/>
+        <p14:creationId xmlns:p14="http://schemas.microsoft.com/office/powerpoint/2010/main" val="2405000756"/>
       </p:ext>
     </p:extLst>
   </p:cSld>
@@ -5752,10 +5780,125 @@
           <a:lstStyle/>
           <a:p>
             <a:r>
-              <a:rPr lang="ru-RU" dirty="0" smtClean="0"/>
+              <a:rPr lang="ru-RU" dirty="0"/>
+              <a:t>Замер </a:t>
+            </a:r>
+            <a:r>
+              <a:rPr lang="ru-RU" dirty="0" err="1"/>
+              <a:t>перфоманса</a:t>
+            </a:r>
+            <a:r>
+              <a:rPr lang="ru-RU" dirty="0"/>
+              <a:t> с помощью </a:t>
+            </a:r>
+            <a:r>
+              <a:rPr lang="en-US" dirty="0"/>
+              <a:t>JMH</a:t>
+            </a:r>
+            <a:endParaRPr lang="ru-RU" dirty="0"/>
+          </a:p>
+        </p:txBody>
+      </p:sp>
+      <p:sp>
+        <p:nvSpPr>
+          <p:cNvPr id="3" name="Объект 2"/>
+          <p:cNvSpPr>
+            <a:spLocks noGrp="1"/>
+          </p:cNvSpPr>
+          <p:nvPr>
+            <p:ph idx="1"/>
+          </p:nvPr>
+        </p:nvSpPr>
+        <p:spPr>
+          <a:xfrm>
+            <a:off x="7780420" y="1825625"/>
+            <a:ext cx="3573379" cy="4351338"/>
+          </a:xfrm>
+        </p:spPr>
+        <p:txBody>
+          <a:bodyPr/>
+          <a:lstStyle/>
+          <a:p>
+            <a:r>
+              <a:rPr lang="ru-RU" dirty="0"/>
+              <a:t>Характеристики железа</a:t>
+            </a:r>
+          </a:p>
+        </p:txBody>
+      </p:sp>
+      <p:pic>
+        <p:nvPicPr>
+          <p:cNvPr id="4" name="Рисунок 3"/>
+          <p:cNvPicPr>
+            <a:picLocks noChangeAspect="1"/>
+          </p:cNvPicPr>
+          <p:nvPr/>
+        </p:nvPicPr>
+        <p:blipFill>
+          <a:blip r:embed="rId2"/>
+          <a:stretch>
+            <a:fillRect/>
+          </a:stretch>
+        </p:blipFill>
+        <p:spPr>
+          <a:xfrm>
+            <a:off x="838200" y="1405689"/>
+            <a:ext cx="6509084" cy="5176815"/>
+          </a:xfrm>
+          <a:prstGeom prst="rect">
+            <a:avLst/>
+          </a:prstGeom>
+        </p:spPr>
+      </p:pic>
+    </p:spTree>
+    <p:extLst>
+      <p:ext uri="{BB962C8B-B14F-4D97-AF65-F5344CB8AC3E}">
+        <p14:creationId xmlns:p14="http://schemas.microsoft.com/office/powerpoint/2010/main" val="1846798756"/>
+      </p:ext>
+    </p:extLst>
+  </p:cSld>
+  <p:clrMapOvr>
+    <a:masterClrMapping/>
+  </p:clrMapOvr>
+</p:sld>
+</file>
+
+<file path=ppt/slides/slide37.xml><?xml version="1.0" encoding="utf-8"?>
+<p:sld xmlns:a="http://schemas.openxmlformats.org/drawingml/2006/main" xmlns:r="http://schemas.openxmlformats.org/officeDocument/2006/relationships" xmlns:p="http://schemas.openxmlformats.org/presentationml/2006/main">
+  <p:cSld>
+    <p:spTree>
+      <p:nvGrpSpPr>
+        <p:cNvPr id="1" name=""/>
+        <p:cNvGrpSpPr/>
+        <p:nvPr/>
+      </p:nvGrpSpPr>
+      <p:grpSpPr>
+        <a:xfrm>
+          <a:off x="0" y="0"/>
+          <a:ext cx="0" cy="0"/>
+          <a:chOff x="0" y="0"/>
+          <a:chExt cx="0" cy="0"/>
+        </a:xfrm>
+      </p:grpSpPr>
+      <p:sp>
+        <p:nvSpPr>
+          <p:cNvPr id="2" name="Заголовок 1"/>
+          <p:cNvSpPr>
+            <a:spLocks noGrp="1"/>
+          </p:cNvSpPr>
+          <p:nvPr>
+            <p:ph type="title"/>
+          </p:nvPr>
+        </p:nvSpPr>
+        <p:spPr/>
+        <p:txBody>
+          <a:bodyPr/>
+          <a:lstStyle/>
+          <a:p>
+            <a:r>
+              <a:rPr lang="ru-RU" dirty="0"/>
               <a:t>Получение перечисления по параметру</a:t>
             </a:r>
-            <a:endParaRPr lang="ru-RU" dirty="0"/>
           </a:p>
         </p:txBody>
       </p:sp>
@@ -5846,7 +5989,7 @@
 </p:sld>
 </file>
 
-<file path=ppt/slides/slide37.xml><?xml version="1.0" encoding="utf-8"?>
+<file path=ppt/slides/slide38.xml><?xml version="1.0" encoding="utf-8"?>
 <p:sld xmlns:a="http://schemas.openxmlformats.org/drawingml/2006/main" xmlns:r="http://schemas.openxmlformats.org/officeDocument/2006/relationships" xmlns:p="http://schemas.openxmlformats.org/presentationml/2006/main">
   <p:cSld>
     <p:spTree>
@@ -5879,8 +6022,8 @@
         </p:blipFill>
         <p:spPr>
           <a:xfrm>
-            <a:off x="1524000" y="2839452"/>
-            <a:ext cx="7699776" cy="3472448"/>
+            <a:off x="838199" y="1690688"/>
+            <a:ext cx="9878961" cy="4455218"/>
           </a:xfrm>
           <a:prstGeom prst="rect">
             <a:avLst/>
@@ -5903,32 +6046,13 @@
           <a:lstStyle/>
           <a:p>
             <a:r>
-              <a:rPr lang="ru-RU" dirty="0" smtClean="0"/>
+              <a:rPr lang="ru-RU" dirty="0"/>
               <a:t>Через </a:t>
             </a:r>
             <a:r>
-              <a:rPr lang="ru-RU" dirty="0" err="1" smtClean="0"/>
+              <a:rPr lang="ru-RU" dirty="0" err="1"/>
               <a:t>стрим</a:t>
             </a:r>
-            <a:endParaRPr lang="ru-RU" dirty="0"/>
-          </a:p>
-        </p:txBody>
-      </p:sp>
-      <p:sp>
-        <p:nvSpPr>
-          <p:cNvPr id="3" name="Объект 2"/>
-          <p:cNvSpPr>
-            <a:spLocks noGrp="1"/>
-          </p:cNvSpPr>
-          <p:nvPr>
-            <p:ph idx="1"/>
-          </p:nvPr>
-        </p:nvSpPr>
-        <p:spPr/>
-        <p:txBody>
-          <a:bodyPr/>
-          <a:lstStyle/>
-          <a:p>
             <a:endParaRPr lang="ru-RU" dirty="0"/>
           </a:p>
         </p:txBody>
@@ -5937,89 +6061,6 @@
     <p:extLst>
       <p:ext uri="{BB962C8B-B14F-4D97-AF65-F5344CB8AC3E}">
         <p14:creationId xmlns:p14="http://schemas.microsoft.com/office/powerpoint/2010/main" val="988913592"/>
-      </p:ext>
-    </p:extLst>
-  </p:cSld>
-  <p:clrMapOvr>
-    <a:masterClrMapping/>
-  </p:clrMapOvr>
-</p:sld>
-</file>
-
-<file path=ppt/slides/slide38.xml><?xml version="1.0" encoding="utf-8"?>
-<p:sld xmlns:a="http://schemas.openxmlformats.org/drawingml/2006/main" xmlns:r="http://schemas.openxmlformats.org/officeDocument/2006/relationships" xmlns:p="http://schemas.openxmlformats.org/presentationml/2006/main">
-  <p:cSld>
-    <p:spTree>
-      <p:nvGrpSpPr>
-        <p:cNvPr id="1" name=""/>
-        <p:cNvGrpSpPr/>
-        <p:nvPr/>
-      </p:nvGrpSpPr>
-      <p:grpSpPr>
-        <a:xfrm>
-          <a:off x="0" y="0"/>
-          <a:ext cx="0" cy="0"/>
-          <a:chOff x="0" y="0"/>
-          <a:chExt cx="0" cy="0"/>
-        </a:xfrm>
-      </p:grpSpPr>
-      <p:sp>
-        <p:nvSpPr>
-          <p:cNvPr id="2" name="Заголовок 1"/>
-          <p:cNvSpPr>
-            <a:spLocks noGrp="1"/>
-          </p:cNvSpPr>
-          <p:nvPr>
-            <p:ph type="title"/>
-          </p:nvPr>
-        </p:nvSpPr>
-        <p:spPr/>
-        <p:txBody>
-          <a:bodyPr/>
-          <a:lstStyle/>
-          <a:p>
-            <a:r>
-              <a:rPr lang="ru-RU" dirty="0" smtClean="0"/>
-              <a:t>Кэш в виде </a:t>
-            </a:r>
-            <a:r>
-              <a:rPr lang="ru-RU" dirty="0" err="1" smtClean="0"/>
-              <a:t>мапы</a:t>
-            </a:r>
-            <a:endParaRPr lang="ru-RU" dirty="0"/>
-          </a:p>
-        </p:txBody>
-      </p:sp>
-      <p:pic>
-        <p:nvPicPr>
-          <p:cNvPr id="4" name="Объект 3"/>
-          <p:cNvPicPr>
-            <a:picLocks noGrp="1" noChangeAspect="1"/>
-          </p:cNvPicPr>
-          <p:nvPr>
-            <p:ph idx="1"/>
-          </p:nvPr>
-        </p:nvPicPr>
-        <p:blipFill>
-          <a:blip r:embed="rId2"/>
-          <a:stretch>
-            <a:fillRect/>
-          </a:stretch>
-        </p:blipFill>
-        <p:spPr>
-          <a:xfrm>
-            <a:off x="530642" y="2172994"/>
-            <a:ext cx="10846214" cy="2655679"/>
-          </a:xfrm>
-          <a:prstGeom prst="rect">
-            <a:avLst/>
-          </a:prstGeom>
-        </p:spPr>
-      </p:pic>
-    </p:spTree>
-    <p:extLst>
-      <p:ext uri="{BB962C8B-B14F-4D97-AF65-F5344CB8AC3E}">
-        <p14:creationId xmlns:p14="http://schemas.microsoft.com/office/powerpoint/2010/main" val="3881203455"/>
       </p:ext>
     </p:extLst>
   </p:cSld>
@@ -6062,39 +6103,26 @@
           <a:lstStyle/>
           <a:p>
             <a:r>
-              <a:rPr lang="ru-RU" dirty="0" smtClean="0"/>
-              <a:t>Сравнение производительности</a:t>
+              <a:rPr lang="ru-RU" dirty="0"/>
+              <a:t>Кэш в виде </a:t>
+            </a:r>
+            <a:r>
+              <a:rPr lang="ru-RU" dirty="0" err="1"/>
+              <a:t>мапы</a:t>
             </a:r>
             <a:endParaRPr lang="ru-RU" dirty="0"/>
-          </a:p>
-        </p:txBody>
-      </p:sp>
-      <p:sp>
-        <p:nvSpPr>
-          <p:cNvPr id="3" name="Объект 2"/>
-          <p:cNvSpPr>
-            <a:spLocks noGrp="1"/>
-          </p:cNvSpPr>
-          <p:nvPr>
-            <p:ph idx="1"/>
-          </p:nvPr>
-        </p:nvSpPr>
-        <p:spPr/>
-        <p:txBody>
-          <a:bodyPr/>
-          <a:lstStyle/>
-          <a:p>
-            <a:endParaRPr lang="ru-RU"/>
           </a:p>
         </p:txBody>
       </p:sp>
       <p:pic>
         <p:nvPicPr>
-          <p:cNvPr id="4" name="Рисунок 3"/>
+          <p:cNvPr id="4" name="Объект 3"/>
           <p:cNvPicPr>
-            <a:picLocks noChangeAspect="1"/>
+            <a:picLocks noGrp="1" noChangeAspect="1"/>
           </p:cNvPicPr>
-          <p:nvPr/>
+          <p:nvPr>
+            <p:ph idx="1"/>
+          </p:nvPr>
         </p:nvPicPr>
         <p:blipFill>
           <a:blip r:embed="rId2"/>
@@ -6104,8 +6132,8 @@
         </p:blipFill>
         <p:spPr>
           <a:xfrm>
-            <a:off x="630154" y="1368843"/>
-            <a:ext cx="8372280" cy="5368841"/>
+            <a:off x="530642" y="2172994"/>
+            <a:ext cx="10846214" cy="2655679"/>
           </a:xfrm>
           <a:prstGeom prst="rect">
             <a:avLst/>
@@ -6115,7 +6143,7 @@
     </p:spTree>
     <p:extLst>
       <p:ext uri="{BB962C8B-B14F-4D97-AF65-F5344CB8AC3E}">
-        <p14:creationId xmlns:p14="http://schemas.microsoft.com/office/powerpoint/2010/main" val="3573721750"/>
+        <p14:creationId xmlns:p14="http://schemas.microsoft.com/office/powerpoint/2010/main" val="3881203455"/>
       </p:ext>
     </p:extLst>
   </p:cSld>
@@ -6166,7 +6194,7 @@
           <a:p>
             <a:pPr algn="ctr"/>
             <a:r>
-              <a:rPr lang="ru-RU" sz="8000" dirty="0" smtClean="0"/>
+              <a:rPr lang="ru-RU" sz="8000" dirty="0"/>
               <a:t>Разминка</a:t>
             </a:r>
             <a:endParaRPr lang="ru-RU" dirty="0"/>
@@ -6219,46 +6247,59 @@
           <a:lstStyle/>
           <a:p>
             <a:r>
-              <a:rPr lang="ru-RU" dirty="0" smtClean="0"/>
-              <a:t>Алгоритм выбора решения</a:t>
-            </a:r>
+              <a:rPr lang="ru-RU" dirty="0"/>
+              <a:t>Сравнение производительности</a:t>
+            </a:r>
+          </a:p>
+        </p:txBody>
+      </p:sp>
+      <p:sp>
+        <p:nvSpPr>
+          <p:cNvPr id="3" name="Объект 2"/>
+          <p:cNvSpPr>
+            <a:spLocks noGrp="1"/>
+          </p:cNvSpPr>
+          <p:nvPr>
+            <p:ph idx="1"/>
+          </p:nvPr>
+        </p:nvSpPr>
+        <p:spPr/>
+        <p:txBody>
+          <a:bodyPr/>
+          <a:lstStyle/>
+          <a:p>
             <a:endParaRPr lang="ru-RU" dirty="0"/>
           </a:p>
         </p:txBody>
       </p:sp>
       <p:pic>
         <p:nvPicPr>
-          <p:cNvPr id="4" name="Объект 3"/>
+          <p:cNvPr id="4" name="Рисунок 3"/>
           <p:cNvPicPr>
-            <a:picLocks noGrp="1" noChangeAspect="1"/>
+            <a:picLocks noChangeAspect="1"/>
           </p:cNvPicPr>
-          <p:nvPr>
-            <p:ph idx="1"/>
-          </p:nvPr>
+          <p:nvPr/>
         </p:nvPicPr>
         <p:blipFill>
-          <a:blip r:embed="rId2" cstate="print">
-            <a:extLst>
-              <a:ext uri="{28A0092B-C50C-407E-A947-70E740481C1C}">
-                <a14:useLocalDpi xmlns:a14="http://schemas.microsoft.com/office/drawing/2010/main" val="0"/>
-              </a:ext>
-            </a:extLst>
-          </a:blip>
+          <a:blip r:embed="rId2"/>
           <a:stretch>
             <a:fillRect/>
           </a:stretch>
         </p:blipFill>
         <p:spPr>
           <a:xfrm>
-            <a:off x="662506" y="1484803"/>
-            <a:ext cx="4117312" cy="4754832"/>
-          </a:xfrm>
+            <a:off x="630154" y="1368843"/>
+            <a:ext cx="8372280" cy="5368841"/>
+          </a:xfrm>
+          <a:prstGeom prst="rect">
+            <a:avLst/>
+          </a:prstGeom>
         </p:spPr>
       </p:pic>
     </p:spTree>
     <p:extLst>
       <p:ext uri="{BB962C8B-B14F-4D97-AF65-F5344CB8AC3E}">
-        <p14:creationId xmlns:p14="http://schemas.microsoft.com/office/powerpoint/2010/main" val="1775452413"/>
+        <p14:creationId xmlns:p14="http://schemas.microsoft.com/office/powerpoint/2010/main" val="3573721750"/>
       </p:ext>
     </p:extLst>
   </p:cSld>
@@ -6295,35 +6336,51 @@
             <p:ph type="title"/>
           </p:nvPr>
         </p:nvSpPr>
-        <p:spPr>
-          <a:xfrm>
-            <a:off x="815225" y="2443941"/>
-            <a:ext cx="10515600" cy="1978429"/>
-          </a:xfrm>
-        </p:spPr>
-        <p:txBody>
-          <a:bodyPr anchor="ctr">
-            <a:normAutofit fontScale="90000"/>
-          </a:bodyPr>
-          <a:lstStyle/>
-          <a:p>
-            <a:pPr algn="ctr"/>
-            <a:r>
-              <a:rPr lang="ru-RU" sz="8000" dirty="0" smtClean="0"/>
-              <a:t>Перечисление как </a:t>
-            </a:r>
-            <a:r>
-              <a:rPr lang="en-US" sz="8000" dirty="0" smtClean="0"/>
-              <a:t>Singleton</a:t>
-            </a:r>
-            <a:endParaRPr lang="ru-RU" dirty="0"/>
-          </a:p>
-        </p:txBody>
-      </p:sp>
+        <p:spPr/>
+        <p:txBody>
+          <a:bodyPr/>
+          <a:lstStyle/>
+          <a:p>
+            <a:r>
+              <a:rPr lang="ru-RU" dirty="0"/>
+              <a:t>Алгоритм выбора решения</a:t>
+            </a:r>
+          </a:p>
+        </p:txBody>
+      </p:sp>
+      <p:pic>
+        <p:nvPicPr>
+          <p:cNvPr id="4" name="Объект 3"/>
+          <p:cNvPicPr>
+            <a:picLocks noGrp="1" noChangeAspect="1"/>
+          </p:cNvPicPr>
+          <p:nvPr>
+            <p:ph idx="1"/>
+          </p:nvPr>
+        </p:nvPicPr>
+        <p:blipFill>
+          <a:blip r:embed="rId2" cstate="print">
+            <a:extLst>
+              <a:ext uri="{28A0092B-C50C-407E-A947-70E740481C1C}">
+                <a14:useLocalDpi xmlns:a14="http://schemas.microsoft.com/office/drawing/2010/main" val="0"/>
+              </a:ext>
+            </a:extLst>
+          </a:blip>
+          <a:stretch>
+            <a:fillRect/>
+          </a:stretch>
+        </p:blipFill>
+        <p:spPr>
+          <a:xfrm>
+            <a:off x="662506" y="1484803"/>
+            <a:ext cx="4117312" cy="4754832"/>
+          </a:xfrm>
+        </p:spPr>
+      </p:pic>
     </p:spTree>
     <p:extLst>
       <p:ext uri="{BB962C8B-B14F-4D97-AF65-F5344CB8AC3E}">
-        <p14:creationId xmlns:p14="http://schemas.microsoft.com/office/powerpoint/2010/main" val="2171493270"/>
+        <p14:creationId xmlns:p14="http://schemas.microsoft.com/office/powerpoint/2010/main" val="1775452413"/>
       </p:ext>
     </p:extLst>
   </p:cSld>
@@ -6350,49 +6407,45 @@
           <a:chExt cx="0" cy="0"/>
         </a:xfrm>
       </p:grpSpPr>
-      <p:pic>
-        <p:nvPicPr>
-          <p:cNvPr id="1028" name="Picture 4" descr="https://www.meme-arsenal.com/memes/9177c459c3bf5e13a67d197d32a4f227.jpg"/>
-          <p:cNvPicPr>
-            <a:picLocks noChangeAspect="1" noChangeArrowheads="1"/>
-          </p:cNvPicPr>
-          <p:nvPr/>
-        </p:nvPicPr>
-        <p:blipFill rotWithShape="1">
-          <a:blip r:embed="rId2">
-            <a:extLst>
-              <a:ext uri="{28A0092B-C50C-407E-A947-70E740481C1C}">
-                <a14:useLocalDpi xmlns:a14="http://schemas.microsoft.com/office/drawing/2010/main" val="0"/>
-              </a:ext>
-            </a:extLst>
-          </a:blip>
-          <a:srcRect b="4029"/>
-          <a:stretch/>
-        </p:blipFill>
-        <p:spPr bwMode="auto">
-          <a:xfrm>
-            <a:off x="2635134" y="136992"/>
-            <a:ext cx="6489231" cy="6488251"/>
-          </a:xfrm>
-          <a:prstGeom prst="rect">
-            <a:avLst/>
-          </a:prstGeom>
-          <a:noFill/>
-          <a:extLst>
-            <a:ext uri="{909E8E84-426E-40DD-AFC4-6F175D3DCCD1}">
-              <a14:hiddenFill xmlns:a14="http://schemas.microsoft.com/office/drawing/2010/main">
-                <a:solidFill>
-                  <a:srgbClr val="FFFFFF"/>
-                </a:solidFill>
-              </a14:hiddenFill>
-            </a:ext>
-          </a:extLst>
-        </p:spPr>
-      </p:pic>
+      <p:sp>
+        <p:nvSpPr>
+          <p:cNvPr id="2" name="Заголовок 1"/>
+          <p:cNvSpPr>
+            <a:spLocks noGrp="1"/>
+          </p:cNvSpPr>
+          <p:nvPr>
+            <p:ph type="title"/>
+          </p:nvPr>
+        </p:nvSpPr>
+        <p:spPr>
+          <a:xfrm>
+            <a:off x="815225" y="2443941"/>
+            <a:ext cx="10515600" cy="1978429"/>
+          </a:xfrm>
+        </p:spPr>
+        <p:txBody>
+          <a:bodyPr anchor="ctr">
+            <a:normAutofit fontScale="90000"/>
+          </a:bodyPr>
+          <a:lstStyle/>
+          <a:p>
+            <a:pPr algn="ctr"/>
+            <a:r>
+              <a:rPr lang="ru-RU" sz="8000" dirty="0"/>
+              <a:t>Перечисление как </a:t>
+            </a:r>
+            <a:r>
+              <a:rPr lang="en-US" sz="8000" dirty="0"/>
+              <a:t>Singleton</a:t>
+            </a:r>
+            <a:endParaRPr lang="ru-RU" dirty="0"/>
+          </a:p>
+        </p:txBody>
+      </p:sp>
     </p:spTree>
     <p:extLst>
       <p:ext uri="{BB962C8B-B14F-4D97-AF65-F5344CB8AC3E}">
-        <p14:creationId xmlns:p14="http://schemas.microsoft.com/office/powerpoint/2010/main" val="2438484710"/>
+        <p14:creationId xmlns:p14="http://schemas.microsoft.com/office/powerpoint/2010/main" val="2171493270"/>
       </p:ext>
     </p:extLst>
   </p:cSld>
@@ -6421,7 +6474,13 @@
       </p:grpSpPr>
       <p:sp>
         <p:nvSpPr>
-          <p:cNvPr id="2" name="Заголовок 1"/>
+          <p:cNvPr id="2" name="Заголовок 1">
+            <a:extLst>
+              <a:ext uri="{FF2B5EF4-FFF2-40B4-BE49-F238E27FC236}">
+                <a16:creationId xmlns:a16="http://schemas.microsoft.com/office/drawing/2014/main" id="{503DC911-2577-4FBE-AEC0-F4DD13806D23}"/>
+              </a:ext>
+            </a:extLst>
+          </p:cNvPr>
           <p:cNvSpPr>
             <a:spLocks noGrp="1"/>
           </p:cNvSpPr>
@@ -6431,37 +6490,12 @@
         </p:nvSpPr>
         <p:spPr/>
         <p:txBody>
-          <a:bodyPr>
-            <a:normAutofit fontScale="90000"/>
-          </a:bodyPr>
-          <a:lstStyle/>
-          <a:p>
-            <a:r>
-              <a:rPr lang="ru-RU" dirty="0" smtClean="0"/>
-              <a:t>Вот так, с помощью нехитрых приспособлений, можно </a:t>
-            </a:r>
-            <a:r>
-              <a:rPr lang="en-US" dirty="0" err="1" smtClean="0"/>
-              <a:t>enum</a:t>
-            </a:r>
-            <a:r>
-              <a:rPr lang="en-US" dirty="0" smtClean="0"/>
-              <a:t> </a:t>
-            </a:r>
-            <a:r>
-              <a:rPr lang="ru-RU" dirty="0" smtClean="0"/>
-              <a:t>превратить в </a:t>
-            </a:r>
-            <a:r>
-              <a:rPr lang="en-US" dirty="0" smtClean="0"/>
-              <a:t>Singleton.</a:t>
-            </a:r>
-            <a:br>
-              <a:rPr lang="en-US" dirty="0" smtClean="0"/>
-            </a:br>
-            <a:r>
-              <a:rPr lang="ru-RU" dirty="0" smtClean="0"/>
-              <a:t>Но зачем?</a:t>
+          <a:bodyPr/>
+          <a:lstStyle/>
+          <a:p>
+            <a:r>
+              <a:rPr lang="ru-RU" dirty="0" err="1"/>
+              <a:t>Мутабельность</a:t>
             </a:r>
             <a:endParaRPr lang="ru-RU" dirty="0"/>
           </a:p>
@@ -6469,51 +6503,38 @@
       </p:sp>
       <p:pic>
         <p:nvPicPr>
-          <p:cNvPr id="2050" name="Picture 2" descr="О неожиданном способе сделать консалтинг интересным - Dots and Brackets"/>
+          <p:cNvPr id="4" name="Рисунок 3">
+            <a:extLst>
+              <a:ext uri="{FF2B5EF4-FFF2-40B4-BE49-F238E27FC236}">
+                <a16:creationId xmlns:a16="http://schemas.microsoft.com/office/drawing/2014/main" id="{13FD3544-96CD-498E-AF9F-15C0DA294498}"/>
+              </a:ext>
+            </a:extLst>
+          </p:cNvPr>
           <p:cNvPicPr>
-            <a:picLocks noGrp="1" noChangeAspect="1" noChangeArrowheads="1"/>
+            <a:picLocks noChangeAspect="1"/>
           </p:cNvPicPr>
-          <p:nvPr>
-            <p:ph idx="1"/>
-          </p:nvPr>
+          <p:nvPr/>
         </p:nvPicPr>
         <p:blipFill>
-          <a:blip r:embed="rId2">
-            <a:extLst>
-              <a:ext uri="{28A0092B-C50C-407E-A947-70E740481C1C}">
-                <a14:useLocalDpi xmlns:a14="http://schemas.microsoft.com/office/drawing/2010/main" val="0"/>
-              </a:ext>
-            </a:extLst>
-          </a:blip>
-          <a:srcRect/>
+          <a:blip r:embed="rId2"/>
           <a:stretch>
             <a:fillRect/>
           </a:stretch>
         </p:blipFill>
-        <p:spPr bwMode="auto">
-          <a:xfrm>
-            <a:off x="2973964" y="1825625"/>
-            <a:ext cx="6244072" cy="4351338"/>
+        <p:spPr>
+          <a:xfrm>
+            <a:off x="749710" y="1613359"/>
+            <a:ext cx="6430272" cy="2962688"/>
           </a:xfrm>
           <a:prstGeom prst="rect">
             <a:avLst/>
           </a:prstGeom>
-          <a:noFill/>
-          <a:extLst>
-            <a:ext uri="{909E8E84-426E-40DD-AFC4-6F175D3DCCD1}">
-              <a14:hiddenFill xmlns:a14="http://schemas.microsoft.com/office/drawing/2010/main">
-                <a:solidFill>
-                  <a:srgbClr val="FFFFFF"/>
-                </a:solidFill>
-              </a14:hiddenFill>
-            </a:ext>
-          </a:extLst>
         </p:spPr>
       </p:pic>
     </p:spTree>
     <p:extLst>
       <p:ext uri="{BB962C8B-B14F-4D97-AF65-F5344CB8AC3E}">
-        <p14:creationId xmlns:p14="http://schemas.microsoft.com/office/powerpoint/2010/main" val="2012755053"/>
+        <p14:creationId xmlns:p14="http://schemas.microsoft.com/office/powerpoint/2010/main" val="4075040373"/>
       </p:ext>
     </p:extLst>
   </p:cSld>
@@ -6542,7 +6563,13 @@
       </p:grpSpPr>
       <p:sp>
         <p:nvSpPr>
-          <p:cNvPr id="2" name="Заголовок 1"/>
+          <p:cNvPr id="2" name="Заголовок 1">
+            <a:extLst>
+              <a:ext uri="{FF2B5EF4-FFF2-40B4-BE49-F238E27FC236}">
+                <a16:creationId xmlns:a16="http://schemas.microsoft.com/office/drawing/2014/main" id="{19C76912-F41A-4678-A996-BCF1E2082A4C}"/>
+              </a:ext>
+            </a:extLst>
+          </p:cNvPr>
           <p:cNvSpPr>
             <a:spLocks noGrp="1"/>
           </p:cNvSpPr>
@@ -6550,23 +6577,56 @@
             <p:ph type="title"/>
           </p:nvPr>
         </p:nvSpPr>
-        <p:spPr>
-          <a:xfrm>
-            <a:off x="815225" y="2443941"/>
-            <a:ext cx="10515600" cy="1978429"/>
-          </a:xfrm>
-        </p:spPr>
-        <p:txBody>
-          <a:bodyPr anchor="ctr">
-            <a:normAutofit fontScale="90000"/>
-          </a:bodyPr>
-          <a:lstStyle/>
-          <a:p>
-            <a:pPr algn="ctr"/>
-            <a:r>
-              <a:rPr lang="ru-RU" sz="8000" dirty="0" smtClean="0"/>
-              <a:t>Внутреннее перечисление как способ организации бизнес-логики</a:t>
-            </a:r>
+        <p:spPr/>
+        <p:txBody>
+          <a:bodyPr/>
+          <a:lstStyle/>
+          <a:p>
+            <a:r>
+              <a:rPr lang="en-US" dirty="0"/>
+              <a:t>Singleton </a:t>
+            </a:r>
+            <a:r>
+              <a:rPr lang="en-US" dirty="0" err="1"/>
+              <a:t>enum</a:t>
+            </a:r>
+            <a:r>
+              <a:rPr lang="en-US" dirty="0"/>
+              <a:t> </a:t>
+            </a:r>
+            <a:r>
+              <a:rPr lang="ru-RU" dirty="0"/>
+              <a:t>как </a:t>
+            </a:r>
+            <a:r>
+              <a:rPr lang="en-US" dirty="0"/>
+              <a:t>Spring Bean</a:t>
+            </a:r>
+            <a:endParaRPr lang="ru-RU" dirty="0"/>
+          </a:p>
+        </p:txBody>
+      </p:sp>
+      <p:sp>
+        <p:nvSpPr>
+          <p:cNvPr id="3" name="Объект 2">
+            <a:extLst>
+              <a:ext uri="{FF2B5EF4-FFF2-40B4-BE49-F238E27FC236}">
+                <a16:creationId xmlns:a16="http://schemas.microsoft.com/office/drawing/2014/main" id="{1B17F861-4CA4-452D-AC86-3E058A4C99A7}"/>
+              </a:ext>
+            </a:extLst>
+          </p:cNvPr>
+          <p:cNvSpPr>
+            <a:spLocks noGrp="1"/>
+          </p:cNvSpPr>
+          <p:nvPr>
+            <p:ph idx="1"/>
+          </p:nvPr>
+        </p:nvSpPr>
+        <p:spPr/>
+        <p:txBody>
+          <a:bodyPr/>
+          <a:lstStyle/>
+          <a:p>
             <a:endParaRPr lang="ru-RU" dirty="0"/>
           </a:p>
         </p:txBody>
@@ -6574,7 +6634,7 @@
     </p:spTree>
     <p:extLst>
       <p:ext uri="{BB962C8B-B14F-4D97-AF65-F5344CB8AC3E}">
-        <p14:creationId xmlns:p14="http://schemas.microsoft.com/office/powerpoint/2010/main" val="1180563140"/>
+        <p14:creationId xmlns:p14="http://schemas.microsoft.com/office/powerpoint/2010/main" val="4004175838"/>
       </p:ext>
     </p:extLst>
   </p:cSld>
@@ -6603,7 +6663,13 @@
       </p:grpSpPr>
       <p:sp>
         <p:nvSpPr>
-          <p:cNvPr id="2" name="Заголовок 1"/>
+          <p:cNvPr id="2" name="Заголовок 1">
+            <a:extLst>
+              <a:ext uri="{FF2B5EF4-FFF2-40B4-BE49-F238E27FC236}">
+                <a16:creationId xmlns:a16="http://schemas.microsoft.com/office/drawing/2014/main" id="{B0C8EDE7-49F5-4280-940C-AA56673959A3}"/>
+              </a:ext>
+            </a:extLst>
+          </p:cNvPr>
           <p:cNvSpPr>
             <a:spLocks noGrp="1"/>
           </p:cNvSpPr>
@@ -6617,43 +6683,65 @@
           <a:lstStyle/>
           <a:p>
             <a:r>
-              <a:rPr lang="ru-RU" dirty="0" smtClean="0"/>
-              <a:t>ИНН</a:t>
+              <a:rPr lang="ru-RU" dirty="0"/>
+              <a:t>Что там у </a:t>
+            </a:r>
+            <a:r>
+              <a:rPr lang="ru-RU" dirty="0" err="1"/>
+              <a:t>котлинистов</a:t>
+            </a:r>
+            <a:r>
+              <a:rPr lang="ru-RU" dirty="0"/>
+              <a:t>?</a:t>
+            </a:r>
+          </a:p>
+        </p:txBody>
+      </p:sp>
+      <p:sp>
+        <p:nvSpPr>
+          <p:cNvPr id="3" name="Объект 2">
+            <a:extLst>
+              <a:ext uri="{FF2B5EF4-FFF2-40B4-BE49-F238E27FC236}">
+                <a16:creationId xmlns:a16="http://schemas.microsoft.com/office/drawing/2014/main" id="{29281761-14FB-401E-B137-AEC4663AA83F}"/>
+              </a:ext>
+            </a:extLst>
+          </p:cNvPr>
+          <p:cNvSpPr>
+            <a:spLocks noGrp="1"/>
+          </p:cNvSpPr>
+          <p:nvPr>
+            <p:ph idx="1"/>
+          </p:nvPr>
+        </p:nvSpPr>
+        <p:spPr/>
+        <p:txBody>
+          <a:bodyPr/>
+          <a:lstStyle/>
+          <a:p>
+            <a:r>
+              <a:rPr lang="ru-RU" dirty="0"/>
+              <a:t>Скрин перегнанного в </a:t>
+            </a:r>
+            <a:r>
+              <a:rPr lang="en-US" dirty="0"/>
+              <a:t>Java</a:t>
+            </a:r>
+            <a:r>
+              <a:rPr lang="ru-RU" dirty="0"/>
+              <a:t> </a:t>
+            </a:r>
+            <a:r>
+              <a:rPr lang="en-US" dirty="0"/>
+              <a:t>companion object</a:t>
             </a:r>
             <a:endParaRPr lang="ru-RU" dirty="0"/>
           </a:p>
         </p:txBody>
       </p:sp>
-      <p:pic>
-        <p:nvPicPr>
-          <p:cNvPr id="4" name="Объект 3"/>
-          <p:cNvPicPr>
-            <a:picLocks noGrp="1" noChangeAspect="1"/>
-          </p:cNvPicPr>
-          <p:nvPr>
-            <p:ph idx="1"/>
-          </p:nvPr>
-        </p:nvPicPr>
-        <p:blipFill>
-          <a:blip r:embed="rId2"/>
-          <a:stretch>
-            <a:fillRect/>
-          </a:stretch>
-        </p:blipFill>
-        <p:spPr>
-          <a:xfrm>
-            <a:off x="696884" y="1690688"/>
-            <a:ext cx="9933362" cy="3319535"/>
-          </a:xfrm>
-          <a:prstGeom prst="rect">
-            <a:avLst/>
-          </a:prstGeom>
-        </p:spPr>
-      </p:pic>
     </p:spTree>
     <p:extLst>
       <p:ext uri="{BB962C8B-B14F-4D97-AF65-F5344CB8AC3E}">
-        <p14:creationId xmlns:p14="http://schemas.microsoft.com/office/powerpoint/2010/main" val="1329562396"/>
+        <p14:creationId xmlns:p14="http://schemas.microsoft.com/office/powerpoint/2010/main" val="4064055098"/>
       </p:ext>
     </p:extLst>
   </p:cSld>
@@ -6680,51 +6768,36 @@
           <a:chExt cx="0" cy="0"/>
         </a:xfrm>
       </p:grpSpPr>
-      <p:sp>
-        <p:nvSpPr>
-          <p:cNvPr id="2" name="Заголовок 1"/>
-          <p:cNvSpPr>
-            <a:spLocks noGrp="1"/>
-          </p:cNvSpPr>
-          <p:nvPr>
-            <p:ph type="title"/>
-          </p:nvPr>
-        </p:nvSpPr>
-        <p:spPr/>
-        <p:txBody>
-          <a:bodyPr/>
-          <a:lstStyle/>
-          <a:p>
-            <a:r>
-              <a:rPr lang="ru-RU" dirty="0" err="1" smtClean="0"/>
-              <a:t>Валидация</a:t>
-            </a:r>
-            <a:r>
-              <a:rPr lang="ru-RU" dirty="0" smtClean="0"/>
-              <a:t> ИНН</a:t>
-            </a:r>
-            <a:endParaRPr lang="ru-RU" dirty="0"/>
-          </a:p>
-        </p:txBody>
-      </p:sp>
       <p:pic>
         <p:nvPicPr>
-          <p:cNvPr id="4" name="Рисунок 3"/>
+          <p:cNvPr id="5" name="Рисунок 4">
+            <a:extLst>
+              <a:ext uri="{FF2B5EF4-FFF2-40B4-BE49-F238E27FC236}">
+                <a16:creationId xmlns:a16="http://schemas.microsoft.com/office/drawing/2014/main" id="{BE2EE93B-EB0E-49B1-B1E4-41951C62A405}"/>
+              </a:ext>
+            </a:extLst>
+          </p:cNvPr>
           <p:cNvPicPr>
             <a:picLocks noChangeAspect="1"/>
           </p:cNvPicPr>
           <p:nvPr/>
         </p:nvPicPr>
         <p:blipFill>
-          <a:blip r:embed="rId2"/>
+          <a:blip r:embed="rId2">
+            <a:extLst>
+              <a:ext uri="{28A0092B-C50C-407E-A947-70E740481C1C}">
+                <a14:useLocalDpi xmlns:a14="http://schemas.microsoft.com/office/drawing/2010/main" val="0"/>
+              </a:ext>
+            </a:extLst>
+          </a:blip>
           <a:stretch>
             <a:fillRect/>
           </a:stretch>
         </p:blipFill>
         <p:spPr>
           <a:xfrm>
-            <a:off x="196015" y="1438220"/>
-            <a:ext cx="6771049" cy="4031554"/>
+            <a:off x="502349" y="340446"/>
+            <a:ext cx="5916230" cy="5987225"/>
           </a:xfrm>
           <a:prstGeom prst="rect">
             <a:avLst/>
@@ -6733,32 +6806,108 @@
       </p:pic>
       <p:pic>
         <p:nvPicPr>
-          <p:cNvPr id="5" name="Рисунок 4"/>
+          <p:cNvPr id="1026" name="Picture 2" descr="Блох, Джошуа — Википедия">
+            <a:extLst>
+              <a:ext uri="{FF2B5EF4-FFF2-40B4-BE49-F238E27FC236}">
+                <a16:creationId xmlns:a16="http://schemas.microsoft.com/office/drawing/2014/main" id="{F4750A4C-1F21-4C71-BEED-C5E6D3A125BD}"/>
+              </a:ext>
+            </a:extLst>
+          </p:cNvPr>
           <p:cNvPicPr>
-            <a:picLocks noChangeAspect="1"/>
+            <a:picLocks noChangeAspect="1" noChangeArrowheads="1"/>
           </p:cNvPicPr>
           <p:nvPr/>
         </p:nvPicPr>
-        <p:blipFill>
-          <a:blip r:embed="rId3"/>
-          <a:stretch>
-            <a:fillRect/>
-          </a:stretch>
+        <p:blipFill rotWithShape="1">
+          <a:blip r:embed="rId3" cstate="print">
+            <a:extLst>
+              <a:ext uri="{28A0092B-C50C-407E-A947-70E740481C1C}">
+                <a14:useLocalDpi xmlns:a14="http://schemas.microsoft.com/office/drawing/2010/main" val="0"/>
+              </a:ext>
+            </a:extLst>
+          </a:blip>
+          <a:srcRect l="31475" r="9460"/>
+          <a:stretch/>
         </p:blipFill>
-        <p:spPr>
-          <a:xfrm>
-            <a:off x="5570766" y="3354244"/>
-            <a:ext cx="6532565" cy="3423030"/>
+        <p:spPr bwMode="auto">
+          <a:xfrm>
+            <a:off x="6653451" y="241289"/>
+            <a:ext cx="4932506" cy="5565620"/>
           </a:xfrm>
           <a:prstGeom prst="rect">
             <a:avLst/>
           </a:prstGeom>
+          <a:noFill/>
+          <a:extLst>
+            <a:ext uri="{909E8E84-426E-40DD-AFC4-6F175D3DCCD1}">
+              <a14:hiddenFill xmlns:a14="http://schemas.microsoft.com/office/drawing/2010/main">
+                <a:solidFill>
+                  <a:srgbClr val="FFFFFF"/>
+                </a:solidFill>
+              </a14:hiddenFill>
+            </a:ext>
+          </a:extLst>
         </p:spPr>
       </p:pic>
+      <p:sp>
+        <p:nvSpPr>
+          <p:cNvPr id="2" name="TextBox 1">
+            <a:extLst>
+              <a:ext uri="{FF2B5EF4-FFF2-40B4-BE49-F238E27FC236}">
+                <a16:creationId xmlns:a16="http://schemas.microsoft.com/office/drawing/2014/main" id="{1F385A9D-09D7-4E34-A3E0-AB906A124691}"/>
+              </a:ext>
+            </a:extLst>
+          </p:cNvPr>
+          <p:cNvSpPr txBox="1"/>
+          <p:nvPr/>
+        </p:nvSpPr>
+        <p:spPr>
+          <a:xfrm>
+            <a:off x="6975835" y="5970380"/>
+            <a:ext cx="4069127" cy="646331"/>
+          </a:xfrm>
+          <a:prstGeom prst="rect">
+            <a:avLst/>
+          </a:prstGeom>
+          <a:noFill/>
+        </p:spPr>
+        <p:txBody>
+          <a:bodyPr wrap="none" rtlCol="0">
+            <a:spAutoFit/>
+          </a:bodyPr>
+          <a:lstStyle/>
+          <a:p>
+            <a:pPr marL="285750" indent="-285750">
+              <a:buFont typeface="Wingdings" panose="05000000000000000000" pitchFamily="2" charset="2"/>
+              <a:buChar char="Ø"/>
+            </a:pPr>
+            <a:r>
+              <a:rPr lang="en-US" dirty="0"/>
+              <a:t>… single-element </a:t>
+            </a:r>
+            <a:r>
+              <a:rPr lang="en-US" dirty="0" err="1"/>
+              <a:t>enum</a:t>
+            </a:r>
+            <a:r>
+              <a:rPr lang="en-US" dirty="0"/>
+              <a:t> type is often </a:t>
+            </a:r>
+            <a:br>
+              <a:rPr lang="en-US" dirty="0"/>
+            </a:br>
+            <a:r>
+              <a:rPr lang="en-US" dirty="0"/>
+              <a:t>the best way to implement a singleton</a:t>
+            </a:r>
+            <a:endParaRPr lang="ru-RU" dirty="0"/>
+          </a:p>
+        </p:txBody>
+      </p:sp>
     </p:spTree>
     <p:extLst>
       <p:ext uri="{BB962C8B-B14F-4D97-AF65-F5344CB8AC3E}">
-        <p14:creationId xmlns:p14="http://schemas.microsoft.com/office/powerpoint/2010/main" val="117415108"/>
+        <p14:creationId xmlns:p14="http://schemas.microsoft.com/office/powerpoint/2010/main" val="2438484710"/>
       </p:ext>
     </p:extLst>
   </p:cSld>
@@ -6795,78 +6944,79 @@
             <p:ph type="title"/>
           </p:nvPr>
         </p:nvSpPr>
-        <p:spPr/>
-        <p:txBody>
-          <a:bodyPr/>
-          <a:lstStyle/>
-          <a:p>
-            <a:r>
-              <a:rPr lang="ru-RU" dirty="0" smtClean="0"/>
-              <a:t>Минутка саморекламы</a:t>
-            </a:r>
-            <a:endParaRPr lang="ru-RU" dirty="0"/>
+        <p:spPr>
+          <a:xfrm>
+            <a:off x="696798" y="679171"/>
+            <a:ext cx="10515600" cy="1325563"/>
+          </a:xfrm>
+        </p:spPr>
+        <p:txBody>
+          <a:bodyPr>
+            <a:normAutofit fontScale="90000"/>
+          </a:bodyPr>
+          <a:lstStyle/>
+          <a:p>
+            <a:r>
+              <a:rPr lang="ru-RU" dirty="0"/>
+              <a:t>Вот так, с помощью нехитрых приспособлений, можно </a:t>
+            </a:r>
+            <a:r>
+              <a:rPr lang="en-US" dirty="0" err="1"/>
+              <a:t>enum</a:t>
+            </a:r>
+            <a:r>
+              <a:rPr lang="en-US" dirty="0"/>
+              <a:t> </a:t>
+            </a:r>
+            <a:r>
+              <a:rPr lang="ru-RU" dirty="0"/>
+              <a:t>превратить в </a:t>
+            </a:r>
+            <a:r>
+              <a:rPr lang="en-US" dirty="0"/>
+              <a:t>Singleton </a:t>
+            </a:r>
+            <a:r>
+              <a:rPr lang="ru-RU" dirty="0"/>
+              <a:t>и даже в </a:t>
+            </a:r>
+            <a:br>
+              <a:rPr lang="ru-RU" dirty="0"/>
+            </a:br>
+            <a:r>
+              <a:rPr lang="ru-RU" dirty="0" err="1"/>
+              <a:t>спринговый</a:t>
+            </a:r>
+            <a:r>
+              <a:rPr lang="ru-RU" dirty="0"/>
+              <a:t> компонент</a:t>
+            </a:r>
+            <a:r>
+              <a:rPr lang="en-US" dirty="0"/>
+              <a:t>.</a:t>
+            </a:r>
+            <a:br>
+              <a:rPr lang="en-US" dirty="0"/>
+            </a:br>
+            <a:r>
+              <a:rPr lang="ru-RU" dirty="0"/>
+              <a:t>Но зачем?</a:t>
+            </a:r>
           </a:p>
         </p:txBody>
       </p:sp>
       <p:pic>
         <p:nvPicPr>
-          <p:cNvPr id="4" name="Объект 3"/>
+          <p:cNvPr id="2050" name="Picture 2" descr="О неожиданном способе сделать консалтинг интересным - Dots and Brackets"/>
           <p:cNvPicPr>
-            <a:picLocks noGrp="1" noChangeAspect="1"/>
+            <a:picLocks noGrp="1" noChangeAspect="1" noChangeArrowheads="1"/>
           </p:cNvPicPr>
           <p:nvPr>
             <p:ph idx="1"/>
           </p:nvPr>
         </p:nvPicPr>
         <p:blipFill>
-          <a:blip r:embed="rId2"/>
-          <a:stretch>
-            <a:fillRect/>
-          </a:stretch>
-        </p:blipFill>
-        <p:spPr>
-          <a:xfrm>
-            <a:off x="838200" y="1878243"/>
-            <a:ext cx="8105775" cy="3028950"/>
-          </a:xfrm>
-          <a:prstGeom prst="rect">
-            <a:avLst/>
-          </a:prstGeom>
-        </p:spPr>
-      </p:pic>
-      <p:pic>
-        <p:nvPicPr>
-          <p:cNvPr id="5" name="Рисунок 4"/>
-          <p:cNvPicPr>
-            <a:picLocks noChangeAspect="1"/>
-          </p:cNvPicPr>
-          <p:nvPr/>
-        </p:nvPicPr>
-        <p:blipFill rotWithShape="1">
-          <a:blip r:embed="rId3"/>
-          <a:srcRect t="9899"/>
-          <a:stretch/>
-        </p:blipFill>
-        <p:spPr>
-          <a:xfrm>
-            <a:off x="838200" y="5403272"/>
-            <a:ext cx="3133725" cy="703739"/>
-          </a:xfrm>
-          <a:prstGeom prst="rect">
-            <a:avLst/>
-          </a:prstGeom>
-        </p:spPr>
-      </p:pic>
-      <p:pic>
-        <p:nvPicPr>
-          <p:cNvPr id="3074" name="Picture 2" descr="Spring Boot — Национальная библиотека им. Н. Э. Баумана"/>
-          <p:cNvPicPr>
-            <a:picLocks noChangeAspect="1" noChangeArrowheads="1"/>
-          </p:cNvPicPr>
-          <p:nvPr/>
-        </p:nvPicPr>
-        <p:blipFill>
-          <a:blip r:embed="rId4">
+          <a:blip r:embed="rId2">
             <a:extLst>
               <a:ext uri="{28A0092B-C50C-407E-A947-70E740481C1C}">
                 <a14:useLocalDpi xmlns:a14="http://schemas.microsoft.com/office/drawing/2010/main" val="0"/>
@@ -6880,8 +7030,8 @@
         </p:blipFill>
         <p:spPr bwMode="auto">
           <a:xfrm>
-            <a:off x="6249786" y="5146541"/>
-            <a:ext cx="3360131" cy="1764069"/>
+            <a:off x="3190780" y="2004734"/>
+            <a:ext cx="6244072" cy="4351338"/>
           </a:xfrm>
           <a:prstGeom prst="rect">
             <a:avLst/>
@@ -6898,123 +7048,10 @@
           </a:extLst>
         </p:spPr>
       </p:pic>
-      <p:sp>
-        <p:nvSpPr>
-          <p:cNvPr id="6" name="TextBox 5"/>
-          <p:cNvSpPr txBox="1"/>
-          <p:nvPr/>
-        </p:nvSpPr>
-        <p:spPr>
-          <a:xfrm>
-            <a:off x="9609917" y="5455882"/>
-            <a:ext cx="1743883" cy="1107996"/>
-          </a:xfrm>
-          <a:prstGeom prst="rect">
-            <a:avLst/>
-          </a:prstGeom>
-          <a:noFill/>
-        </p:spPr>
-        <p:txBody>
-          <a:bodyPr wrap="square" rtlCol="0">
-            <a:spAutoFit/>
-          </a:bodyPr>
-          <a:lstStyle/>
-          <a:p>
-            <a:r>
-              <a:rPr lang="en-US" sz="6600" dirty="0" smtClean="0"/>
-              <a:t>2.5</a:t>
-            </a:r>
-            <a:endParaRPr lang="ru-RU" sz="6600" dirty="0"/>
-          </a:p>
-        </p:txBody>
-      </p:sp>
-      <p:sp>
-        <p:nvSpPr>
-          <p:cNvPr id="8" name="TextBox 7"/>
-          <p:cNvSpPr txBox="1"/>
-          <p:nvPr/>
-        </p:nvSpPr>
-        <p:spPr>
-          <a:xfrm>
-            <a:off x="3876934" y="5403272"/>
-            <a:ext cx="1743883" cy="1107996"/>
-          </a:xfrm>
-          <a:prstGeom prst="rect">
-            <a:avLst/>
-          </a:prstGeom>
-          <a:noFill/>
-        </p:spPr>
-        <p:txBody>
-          <a:bodyPr wrap="square" rtlCol="0">
-            <a:spAutoFit/>
-          </a:bodyPr>
-          <a:lstStyle/>
-          <a:p>
-            <a:r>
-              <a:rPr lang="en-US" sz="6600" dirty="0" smtClean="0"/>
-              <a:t>6.2</a:t>
-            </a:r>
-            <a:endParaRPr lang="ru-RU" sz="6600" dirty="0"/>
-          </a:p>
-        </p:txBody>
-      </p:sp>
-      <p:sp>
-        <p:nvSpPr>
-          <p:cNvPr id="9" name="TextBox 8"/>
-          <p:cNvSpPr txBox="1"/>
-          <p:nvPr/>
-        </p:nvSpPr>
-        <p:spPr>
-          <a:xfrm>
-            <a:off x="1430091" y="5755141"/>
-            <a:ext cx="2615825" cy="707886"/>
-          </a:xfrm>
-          <a:prstGeom prst="rect">
-            <a:avLst/>
-          </a:prstGeom>
-          <a:noFill/>
-        </p:spPr>
-        <p:txBody>
-          <a:bodyPr wrap="square" rtlCol="0">
-            <a:spAutoFit/>
-          </a:bodyPr>
-          <a:lstStyle/>
-          <a:p>
-            <a:r>
-              <a:rPr lang="en-US" sz="4000" dirty="0" smtClean="0">
-                <a:solidFill>
-                  <a:schemeClr val="tx1">
-                    <a:lumMod val="65000"/>
-                    <a:lumOff val="35000"/>
-                  </a:schemeClr>
-                </a:solidFill>
-              </a:rPr>
-              <a:t>VALID</a:t>
-            </a:r>
-            <a:r>
-              <a:rPr lang="en-US" sz="4000" dirty="0" smtClean="0">
-                <a:solidFill>
-                  <a:schemeClr val="accent4">
-                    <a:lumMod val="50000"/>
-                  </a:schemeClr>
-                </a:solidFill>
-              </a:rPr>
-              <a:t>ATOR</a:t>
-            </a:r>
-            <a:endParaRPr lang="ru-RU" sz="4000" dirty="0">
-              <a:solidFill>
-                <a:schemeClr val="accent4">
-                  <a:lumMod val="50000"/>
-                </a:schemeClr>
-              </a:solidFill>
-            </a:endParaRPr>
-          </a:p>
-        </p:txBody>
-      </p:sp>
     </p:spTree>
     <p:extLst>
       <p:ext uri="{BB962C8B-B14F-4D97-AF65-F5344CB8AC3E}">
-        <p14:creationId xmlns:p14="http://schemas.microsoft.com/office/powerpoint/2010/main" val="2469548431"/>
+        <p14:creationId xmlns:p14="http://schemas.microsoft.com/office/powerpoint/2010/main" val="2012755053"/>
       </p:ext>
     </p:extLst>
   </p:cSld>
@@ -7065,8 +7102,8 @@
           <a:p>
             <a:pPr algn="ctr"/>
             <a:r>
-              <a:rPr lang="ru-RU" sz="8000" dirty="0" smtClean="0"/>
-              <a:t>Использование перечислений в юнит-тестах</a:t>
+              <a:rPr lang="ru-RU" sz="8000" dirty="0"/>
+              <a:t>Внутреннее перечисление как способ организации бизнес-логики</a:t>
             </a:r>
             <a:endParaRPr lang="ru-RU" dirty="0"/>
           </a:p>
@@ -7075,7 +7112,7 @@
     </p:spTree>
     <p:extLst>
       <p:ext uri="{BB962C8B-B14F-4D97-AF65-F5344CB8AC3E}">
-        <p14:creationId xmlns:p14="http://schemas.microsoft.com/office/powerpoint/2010/main" val="2026560232"/>
+        <p14:creationId xmlns:p14="http://schemas.microsoft.com/office/powerpoint/2010/main" val="1180563140"/>
       </p:ext>
     </p:extLst>
   </p:cSld>
@@ -7118,16 +7155,15 @@
           <a:lstStyle/>
           <a:p>
             <a:r>
-              <a:rPr lang="ru-RU" dirty="0" smtClean="0"/>
-              <a:t>Проход по различным значениям перечисления</a:t>
-            </a:r>
-            <a:endParaRPr lang="ru-RU" dirty="0"/>
+              <a:rPr lang="ru-RU" dirty="0"/>
+              <a:t>ИНН</a:t>
+            </a:r>
           </a:p>
         </p:txBody>
       </p:sp>
       <p:pic>
         <p:nvPicPr>
-          <p:cNvPr id="5" name="Объект 4"/>
+          <p:cNvPr id="4" name="Объект 3"/>
           <p:cNvPicPr>
             <a:picLocks noGrp="1" noChangeAspect="1"/>
           </p:cNvPicPr>
@@ -7143,96 +7179,18 @@
         </p:blipFill>
         <p:spPr>
           <a:xfrm>
-            <a:off x="838200" y="3870702"/>
-            <a:ext cx="5479895" cy="1200358"/>
+            <a:off x="696884" y="1690688"/>
+            <a:ext cx="9933362" cy="3319535"/>
           </a:xfrm>
           <a:prstGeom prst="rect">
             <a:avLst/>
           </a:prstGeom>
         </p:spPr>
       </p:pic>
-      <p:pic>
-        <p:nvPicPr>
-          <p:cNvPr id="4" name="Рисунок 3"/>
-          <p:cNvPicPr>
-            <a:picLocks noChangeAspect="1"/>
-          </p:cNvPicPr>
-          <p:nvPr/>
-        </p:nvPicPr>
-        <p:blipFill>
-          <a:blip r:embed="rId3"/>
-          <a:stretch>
-            <a:fillRect/>
-          </a:stretch>
-        </p:blipFill>
-        <p:spPr>
-          <a:xfrm>
-            <a:off x="724377" y="1862806"/>
-            <a:ext cx="5707540" cy="1535531"/>
-          </a:xfrm>
-          <a:prstGeom prst="rect">
-            <a:avLst/>
-          </a:prstGeom>
-        </p:spPr>
-      </p:pic>
-      <p:pic>
-        <p:nvPicPr>
-          <p:cNvPr id="6" name="Рисунок 5"/>
-          <p:cNvPicPr>
-            <a:picLocks noChangeAspect="1"/>
-          </p:cNvPicPr>
-          <p:nvPr/>
-        </p:nvPicPr>
-        <p:blipFill>
-          <a:blip r:embed="rId4"/>
-          <a:stretch>
-            <a:fillRect/>
-          </a:stretch>
-        </p:blipFill>
-        <p:spPr>
-          <a:xfrm>
-            <a:off x="6762750" y="1836570"/>
-            <a:ext cx="5429250" cy="2390775"/>
-          </a:xfrm>
-          <a:prstGeom prst="rect">
-            <a:avLst/>
-          </a:prstGeom>
-        </p:spPr>
-      </p:pic>
-      <p:sp>
-        <p:nvSpPr>
-          <p:cNvPr id="7" name="TextBox 6"/>
-          <p:cNvSpPr txBox="1"/>
-          <p:nvPr/>
-        </p:nvSpPr>
-        <p:spPr>
-          <a:xfrm>
-            <a:off x="1267326" y="6015789"/>
-            <a:ext cx="2710165" cy="369332"/>
-          </a:xfrm>
-          <a:prstGeom prst="rect">
-            <a:avLst/>
-          </a:prstGeom>
-          <a:noFill/>
-        </p:spPr>
-        <p:txBody>
-          <a:bodyPr wrap="none" rtlCol="0">
-            <a:spAutoFit/>
-          </a:bodyPr>
-          <a:lstStyle/>
-          <a:p>
-            <a:r>
-              <a:rPr lang="ru-RU" dirty="0" smtClean="0"/>
-              <a:t>Не использовать рандом!</a:t>
-            </a:r>
-            <a:endParaRPr lang="ru-RU" dirty="0"/>
-          </a:p>
-        </p:txBody>
-      </p:sp>
     </p:spTree>
     <p:extLst>
       <p:ext uri="{BB962C8B-B14F-4D97-AF65-F5344CB8AC3E}">
-        <p14:creationId xmlns:p14="http://schemas.microsoft.com/office/powerpoint/2010/main" val="3684981179"/>
+        <p14:creationId xmlns:p14="http://schemas.microsoft.com/office/powerpoint/2010/main" val="1329562396"/>
       </p:ext>
     </p:extLst>
   </p:cSld>
@@ -7275,10 +7233,9 @@
           <a:lstStyle/>
           <a:p>
             <a:r>
-              <a:rPr lang="ru-RU" dirty="0" smtClean="0"/>
+              <a:rPr lang="ru-RU" dirty="0"/>
               <a:t>Разминка 1</a:t>
             </a:r>
-            <a:endParaRPr lang="ru-RU" dirty="0"/>
           </a:p>
         </p:txBody>
       </p:sp>
@@ -7354,36 +7311,107 @@
           <a:lstStyle/>
           <a:p>
             <a:r>
-              <a:rPr lang="ru-RU" dirty="0" smtClean="0"/>
-              <a:t>Генерация различных видов тестовых моделей</a:t>
-            </a:r>
-            <a:endParaRPr lang="ru-RU" dirty="0"/>
-          </a:p>
-        </p:txBody>
-      </p:sp>
-      <p:sp>
-        <p:nvSpPr>
-          <p:cNvPr id="3" name="Объект 2"/>
-          <p:cNvSpPr>
-            <a:spLocks noGrp="1"/>
-          </p:cNvSpPr>
-          <p:nvPr>
-            <p:ph idx="1"/>
-          </p:nvPr>
-        </p:nvSpPr>
-        <p:spPr/>
-        <p:txBody>
-          <a:bodyPr/>
-          <a:lstStyle/>
-          <a:p>
-            <a:endParaRPr lang="ru-RU"/>
+              <a:rPr lang="ru-RU" dirty="0" err="1"/>
+              <a:t>Валидация</a:t>
+            </a:r>
+            <a:r>
+              <a:rPr lang="ru-RU" dirty="0"/>
+              <a:t> ИНН</a:t>
+            </a:r>
+          </a:p>
+        </p:txBody>
+      </p:sp>
+      <p:pic>
+        <p:nvPicPr>
+          <p:cNvPr id="4" name="Рисунок 3"/>
+          <p:cNvPicPr>
+            <a:picLocks noChangeAspect="1"/>
+          </p:cNvPicPr>
+          <p:nvPr/>
+        </p:nvPicPr>
+        <p:blipFill>
+          <a:blip r:embed="rId2"/>
+          <a:stretch>
+            <a:fillRect/>
+          </a:stretch>
+        </p:blipFill>
+        <p:spPr>
+          <a:xfrm>
+            <a:off x="196015" y="1438220"/>
+            <a:ext cx="6771049" cy="4031554"/>
+          </a:xfrm>
+          <a:prstGeom prst="rect">
+            <a:avLst/>
+          </a:prstGeom>
+        </p:spPr>
+      </p:pic>
+      <p:pic>
+        <p:nvPicPr>
+          <p:cNvPr id="5" name="Рисунок 4"/>
+          <p:cNvPicPr>
+            <a:picLocks noChangeAspect="1"/>
+          </p:cNvPicPr>
+          <p:nvPr/>
+        </p:nvPicPr>
+        <p:blipFill>
+          <a:blip r:embed="rId3"/>
+          <a:stretch>
+            <a:fillRect/>
+          </a:stretch>
+        </p:blipFill>
+        <p:spPr>
+          <a:xfrm>
+            <a:off x="5570766" y="3354244"/>
+            <a:ext cx="6532565" cy="3423030"/>
+          </a:xfrm>
+          <a:prstGeom prst="rect">
+            <a:avLst/>
+          </a:prstGeom>
+        </p:spPr>
+      </p:pic>
+      <p:sp>
+        <p:nvSpPr>
+          <p:cNvPr id="3" name="TextBox 2">
+            <a:extLst>
+              <a:ext uri="{FF2B5EF4-FFF2-40B4-BE49-F238E27FC236}">
+                <a16:creationId xmlns:a16="http://schemas.microsoft.com/office/drawing/2014/main" id="{49264D32-5101-4F1D-AB30-352005919EDA}"/>
+              </a:ext>
+            </a:extLst>
+          </p:cNvPr>
+          <p:cNvSpPr txBox="1"/>
+          <p:nvPr/>
+        </p:nvSpPr>
+        <p:spPr>
+          <a:xfrm>
+            <a:off x="7285703" y="1946787"/>
+            <a:ext cx="3215149" cy="369332"/>
+          </a:xfrm>
+          <a:prstGeom prst="rect">
+            <a:avLst/>
+          </a:prstGeom>
+          <a:noFill/>
+        </p:spPr>
+        <p:txBody>
+          <a:bodyPr wrap="square" rtlCol="0">
+            <a:spAutoFit/>
+          </a:bodyPr>
+          <a:lstStyle/>
+          <a:p>
+            <a:r>
+              <a:rPr lang="en-US"/>
+              <a:t>Sealed interface </a:t>
+            </a:r>
+            <a:r>
+              <a:rPr lang="ru-RU"/>
+              <a:t>для бедных</a:t>
+            </a:r>
           </a:p>
         </p:txBody>
       </p:sp>
     </p:spTree>
     <p:extLst>
       <p:ext uri="{BB962C8B-B14F-4D97-AF65-F5344CB8AC3E}">
-        <p14:creationId xmlns:p14="http://schemas.microsoft.com/office/powerpoint/2010/main" val="869236544"/>
+        <p14:creationId xmlns:p14="http://schemas.microsoft.com/office/powerpoint/2010/main" val="117415108"/>
       </p:ext>
     </p:extLst>
   </p:cSld>
@@ -7420,31 +7448,225 @@
             <p:ph type="title"/>
           </p:nvPr>
         </p:nvSpPr>
-        <p:spPr>
-          <a:xfrm>
-            <a:off x="815225" y="2443941"/>
-            <a:ext cx="10515600" cy="1978429"/>
-          </a:xfrm>
-        </p:spPr>
-        <p:txBody>
-          <a:bodyPr anchor="ctr">
-            <a:normAutofit/>
+        <p:spPr/>
+        <p:txBody>
+          <a:bodyPr/>
+          <a:lstStyle/>
+          <a:p>
+            <a:r>
+              <a:rPr lang="ru-RU" dirty="0"/>
+              <a:t>Минутка саморекламы</a:t>
+            </a:r>
+          </a:p>
+        </p:txBody>
+      </p:sp>
+      <p:pic>
+        <p:nvPicPr>
+          <p:cNvPr id="4" name="Объект 3"/>
+          <p:cNvPicPr>
+            <a:picLocks noGrp="1" noChangeAspect="1"/>
+          </p:cNvPicPr>
+          <p:nvPr>
+            <p:ph idx="1"/>
+          </p:nvPr>
+        </p:nvPicPr>
+        <p:blipFill>
+          <a:blip r:embed="rId2"/>
+          <a:stretch>
+            <a:fillRect/>
+          </a:stretch>
+        </p:blipFill>
+        <p:spPr>
+          <a:xfrm>
+            <a:off x="838200" y="1878243"/>
+            <a:ext cx="8105775" cy="3028950"/>
+          </a:xfrm>
+          <a:prstGeom prst="rect">
+            <a:avLst/>
+          </a:prstGeom>
+        </p:spPr>
+      </p:pic>
+      <p:pic>
+        <p:nvPicPr>
+          <p:cNvPr id="5" name="Рисунок 4"/>
+          <p:cNvPicPr>
+            <a:picLocks noChangeAspect="1"/>
+          </p:cNvPicPr>
+          <p:nvPr/>
+        </p:nvPicPr>
+        <p:blipFill rotWithShape="1">
+          <a:blip r:embed="rId3"/>
+          <a:srcRect t="9899"/>
+          <a:stretch/>
+        </p:blipFill>
+        <p:spPr>
+          <a:xfrm>
+            <a:off x="838200" y="5403272"/>
+            <a:ext cx="3133725" cy="703739"/>
+          </a:xfrm>
+          <a:prstGeom prst="rect">
+            <a:avLst/>
+          </a:prstGeom>
+        </p:spPr>
+      </p:pic>
+      <p:pic>
+        <p:nvPicPr>
+          <p:cNvPr id="3074" name="Picture 2" descr="Spring Boot — Национальная библиотека им. Н. Э. Баумана"/>
+          <p:cNvPicPr>
+            <a:picLocks noChangeAspect="1" noChangeArrowheads="1"/>
+          </p:cNvPicPr>
+          <p:nvPr/>
+        </p:nvPicPr>
+        <p:blipFill>
+          <a:blip r:embed="rId4">
+            <a:extLst>
+              <a:ext uri="{28A0092B-C50C-407E-A947-70E740481C1C}">
+                <a14:useLocalDpi xmlns:a14="http://schemas.microsoft.com/office/drawing/2010/main" val="0"/>
+              </a:ext>
+            </a:extLst>
+          </a:blip>
+          <a:srcRect/>
+          <a:stretch>
+            <a:fillRect/>
+          </a:stretch>
+        </p:blipFill>
+        <p:spPr bwMode="auto">
+          <a:xfrm>
+            <a:off x="6249786" y="5146541"/>
+            <a:ext cx="3360131" cy="1764069"/>
+          </a:xfrm>
+          <a:prstGeom prst="rect">
+            <a:avLst/>
+          </a:prstGeom>
+          <a:noFill/>
+          <a:extLst>
+            <a:ext uri="{909E8E84-426E-40DD-AFC4-6F175D3DCCD1}">
+              <a14:hiddenFill xmlns:a14="http://schemas.microsoft.com/office/drawing/2010/main">
+                <a:solidFill>
+                  <a:srgbClr val="FFFFFF"/>
+                </a:solidFill>
+              </a14:hiddenFill>
+            </a:ext>
+          </a:extLst>
+        </p:spPr>
+      </p:pic>
+      <p:sp>
+        <p:nvSpPr>
+          <p:cNvPr id="6" name="TextBox 5"/>
+          <p:cNvSpPr txBox="1"/>
+          <p:nvPr/>
+        </p:nvSpPr>
+        <p:spPr>
+          <a:xfrm>
+            <a:off x="9609917" y="5455882"/>
+            <a:ext cx="1743883" cy="1107996"/>
+          </a:xfrm>
+          <a:prstGeom prst="rect">
+            <a:avLst/>
+          </a:prstGeom>
+          <a:noFill/>
+        </p:spPr>
+        <p:txBody>
+          <a:bodyPr wrap="square" rtlCol="0">
+            <a:spAutoFit/>
           </a:bodyPr>
           <a:lstStyle/>
           <a:p>
-            <a:pPr algn="ctr"/>
-            <a:r>
-              <a:rPr lang="ru-RU" sz="8000" dirty="0" smtClean="0"/>
-              <a:t>Выводы</a:t>
-            </a:r>
-            <a:endParaRPr lang="ru-RU" dirty="0"/>
+            <a:r>
+              <a:rPr lang="en-US" sz="6600" dirty="0"/>
+              <a:t>2.5</a:t>
+            </a:r>
+            <a:endParaRPr lang="ru-RU" sz="6600" dirty="0"/>
+          </a:p>
+        </p:txBody>
+      </p:sp>
+      <p:sp>
+        <p:nvSpPr>
+          <p:cNvPr id="8" name="TextBox 7"/>
+          <p:cNvSpPr txBox="1"/>
+          <p:nvPr/>
+        </p:nvSpPr>
+        <p:spPr>
+          <a:xfrm>
+            <a:off x="3876934" y="5403272"/>
+            <a:ext cx="1743883" cy="1107996"/>
+          </a:xfrm>
+          <a:prstGeom prst="rect">
+            <a:avLst/>
+          </a:prstGeom>
+          <a:noFill/>
+        </p:spPr>
+        <p:txBody>
+          <a:bodyPr wrap="square" rtlCol="0">
+            <a:spAutoFit/>
+          </a:bodyPr>
+          <a:lstStyle/>
+          <a:p>
+            <a:r>
+              <a:rPr lang="en-US" sz="6600" dirty="0"/>
+              <a:t>6.2</a:t>
+            </a:r>
+            <a:endParaRPr lang="ru-RU" sz="6600" dirty="0"/>
+          </a:p>
+        </p:txBody>
+      </p:sp>
+      <p:sp>
+        <p:nvSpPr>
+          <p:cNvPr id="9" name="TextBox 8"/>
+          <p:cNvSpPr txBox="1"/>
+          <p:nvPr/>
+        </p:nvSpPr>
+        <p:spPr>
+          <a:xfrm>
+            <a:off x="1430091" y="5755141"/>
+            <a:ext cx="2615825" cy="707886"/>
+          </a:xfrm>
+          <a:prstGeom prst="rect">
+            <a:avLst/>
+          </a:prstGeom>
+          <a:noFill/>
+        </p:spPr>
+        <p:txBody>
+          <a:bodyPr wrap="square" rtlCol="0">
+            <a:spAutoFit/>
+          </a:bodyPr>
+          <a:lstStyle/>
+          <a:p>
+            <a:r>
+              <a:rPr lang="en-US" sz="4000" dirty="0">
+                <a:solidFill>
+                  <a:schemeClr val="tx1">
+                    <a:lumMod val="65000"/>
+                    <a:lumOff val="35000"/>
+                  </a:schemeClr>
+                </a:solidFill>
+              </a:rPr>
+              <a:t>VALID</a:t>
+            </a:r>
+            <a:r>
+              <a:rPr lang="en-US" sz="4000" dirty="0">
+                <a:solidFill>
+                  <a:schemeClr val="accent4">
+                    <a:lumMod val="50000"/>
+                  </a:schemeClr>
+                </a:solidFill>
+              </a:rPr>
+              <a:t>ATOR</a:t>
+            </a:r>
+            <a:endParaRPr lang="ru-RU" sz="4000" dirty="0">
+              <a:solidFill>
+                <a:schemeClr val="accent4">
+                  <a:lumMod val="50000"/>
+                </a:schemeClr>
+              </a:solidFill>
+            </a:endParaRPr>
           </a:p>
         </p:txBody>
       </p:sp>
     </p:spTree>
     <p:extLst>
       <p:ext uri="{BB962C8B-B14F-4D97-AF65-F5344CB8AC3E}">
-        <p14:creationId xmlns:p14="http://schemas.microsoft.com/office/powerpoint/2010/main" val="3148245826"/>
+        <p14:creationId xmlns:p14="http://schemas.microsoft.com/office/powerpoint/2010/main" val="2469548431"/>
       </p:ext>
     </p:extLst>
   </p:cSld>
@@ -7481,42 +7703,31 @@
             <p:ph type="title"/>
           </p:nvPr>
         </p:nvSpPr>
-        <p:spPr/>
-        <p:txBody>
-          <a:bodyPr/>
-          <a:lstStyle/>
-          <a:p>
-            <a:r>
-              <a:rPr lang="ru-RU" dirty="0" smtClean="0"/>
-              <a:t>Выводы</a:t>
+        <p:spPr>
+          <a:xfrm>
+            <a:off x="815225" y="2443941"/>
+            <a:ext cx="10515600" cy="1978429"/>
+          </a:xfrm>
+        </p:spPr>
+        <p:txBody>
+          <a:bodyPr anchor="ctr">
+            <a:normAutofit fontScale="90000"/>
+          </a:bodyPr>
+          <a:lstStyle/>
+          <a:p>
+            <a:pPr algn="ctr"/>
+            <a:r>
+              <a:rPr lang="ru-RU" sz="8000" dirty="0"/>
+              <a:t>Использование перечислений в юнит-тестах</a:t>
             </a:r>
             <a:endParaRPr lang="ru-RU" dirty="0"/>
-          </a:p>
-        </p:txBody>
-      </p:sp>
-      <p:sp>
-        <p:nvSpPr>
-          <p:cNvPr id="3" name="Объект 2"/>
-          <p:cNvSpPr>
-            <a:spLocks noGrp="1"/>
-          </p:cNvSpPr>
-          <p:nvPr>
-            <p:ph idx="1"/>
-          </p:nvPr>
-        </p:nvSpPr>
-        <p:spPr/>
-        <p:txBody>
-          <a:bodyPr/>
-          <a:lstStyle/>
-          <a:p>
-            <a:endParaRPr lang="ru-RU"/>
           </a:p>
         </p:txBody>
       </p:sp>
     </p:spTree>
     <p:extLst>
       <p:ext uri="{BB962C8B-B14F-4D97-AF65-F5344CB8AC3E}">
-        <p14:creationId xmlns:p14="http://schemas.microsoft.com/office/powerpoint/2010/main" val="2248947972"/>
+        <p14:creationId xmlns:p14="http://schemas.microsoft.com/office/powerpoint/2010/main" val="2026560232"/>
       </p:ext>
     </p:extLst>
   </p:cSld>
@@ -7553,52 +7764,125 @@
             <p:ph type="title"/>
           </p:nvPr>
         </p:nvSpPr>
-        <p:spPr>
-          <a:xfrm>
-            <a:off x="815225" y="2443941"/>
-            <a:ext cx="10515600" cy="1978429"/>
-          </a:xfrm>
-        </p:spPr>
-        <p:txBody>
-          <a:bodyPr anchor="ctr">
-            <a:normAutofit fontScale="90000"/>
+        <p:spPr/>
+        <p:txBody>
+          <a:bodyPr/>
+          <a:lstStyle/>
+          <a:p>
+            <a:r>
+              <a:rPr lang="ru-RU" dirty="0"/>
+              <a:t>Проход по различным значениям перечисления</a:t>
+            </a:r>
+          </a:p>
+        </p:txBody>
+      </p:sp>
+      <p:pic>
+        <p:nvPicPr>
+          <p:cNvPr id="5" name="Объект 4"/>
+          <p:cNvPicPr>
+            <a:picLocks noGrp="1" noChangeAspect="1"/>
+          </p:cNvPicPr>
+          <p:nvPr>
+            <p:ph idx="1"/>
+          </p:nvPr>
+        </p:nvPicPr>
+        <p:blipFill>
+          <a:blip r:embed="rId2"/>
+          <a:stretch>
+            <a:fillRect/>
+          </a:stretch>
+        </p:blipFill>
+        <p:spPr>
+          <a:xfrm>
+            <a:off x="838200" y="3870702"/>
+            <a:ext cx="5479895" cy="1200358"/>
+          </a:xfrm>
+          <a:prstGeom prst="rect">
+            <a:avLst/>
+          </a:prstGeom>
+        </p:spPr>
+      </p:pic>
+      <p:pic>
+        <p:nvPicPr>
+          <p:cNvPr id="4" name="Рисунок 3"/>
+          <p:cNvPicPr>
+            <a:picLocks noChangeAspect="1"/>
+          </p:cNvPicPr>
+          <p:nvPr/>
+        </p:nvPicPr>
+        <p:blipFill>
+          <a:blip r:embed="rId3"/>
+          <a:stretch>
+            <a:fillRect/>
+          </a:stretch>
+        </p:blipFill>
+        <p:spPr>
+          <a:xfrm>
+            <a:off x="724377" y="1862806"/>
+            <a:ext cx="5707540" cy="1535531"/>
+          </a:xfrm>
+          <a:prstGeom prst="rect">
+            <a:avLst/>
+          </a:prstGeom>
+        </p:spPr>
+      </p:pic>
+      <p:pic>
+        <p:nvPicPr>
+          <p:cNvPr id="6" name="Рисунок 5"/>
+          <p:cNvPicPr>
+            <a:picLocks noChangeAspect="1"/>
+          </p:cNvPicPr>
+          <p:nvPr/>
+        </p:nvPicPr>
+        <p:blipFill>
+          <a:blip r:embed="rId4"/>
+          <a:stretch>
+            <a:fillRect/>
+          </a:stretch>
+        </p:blipFill>
+        <p:spPr>
+          <a:xfrm>
+            <a:off x="6762750" y="1836570"/>
+            <a:ext cx="5429250" cy="2390775"/>
+          </a:xfrm>
+          <a:prstGeom prst="rect">
+            <a:avLst/>
+          </a:prstGeom>
+        </p:spPr>
+      </p:pic>
+      <p:sp>
+        <p:nvSpPr>
+          <p:cNvPr id="7" name="TextBox 6"/>
+          <p:cNvSpPr txBox="1"/>
+          <p:nvPr/>
+        </p:nvSpPr>
+        <p:spPr>
+          <a:xfrm>
+            <a:off x="1267326" y="6015789"/>
+            <a:ext cx="2710165" cy="369332"/>
+          </a:xfrm>
+          <a:prstGeom prst="rect">
+            <a:avLst/>
+          </a:prstGeom>
+          <a:noFill/>
+        </p:spPr>
+        <p:txBody>
+          <a:bodyPr wrap="none" rtlCol="0">
+            <a:spAutoFit/>
           </a:bodyPr>
           <a:lstStyle/>
           <a:p>
-            <a:pPr algn="ctr"/>
-            <a:r>
-              <a:rPr lang="ru-RU" sz="8000" dirty="0" smtClean="0"/>
-              <a:t>Здоровья!</a:t>
-            </a:r>
-            <a:br>
-              <a:rPr lang="ru-RU" sz="8000" dirty="0" smtClean="0"/>
-            </a:br>
-            <a:r>
-              <a:rPr lang="ru-RU" sz="8000" dirty="0" smtClean="0"/>
-              <a:t>Добра!</a:t>
-            </a:r>
-            <a:br>
-              <a:rPr lang="ru-RU" sz="8000" dirty="0" smtClean="0"/>
-            </a:br>
-            <a:r>
-              <a:rPr lang="ru-RU" sz="8000" dirty="0" smtClean="0"/>
-              <a:t>Любви!</a:t>
-            </a:r>
-            <a:br>
-              <a:rPr lang="ru-RU" sz="8000" dirty="0" smtClean="0"/>
-            </a:br>
-            <a:r>
-              <a:rPr lang="ru-RU" sz="8000" dirty="0" smtClean="0"/>
-              <a:t>И процветания!</a:t>
-            </a:r>
-            <a:endParaRPr lang="ru-RU" dirty="0"/>
+            <a:r>
+              <a:rPr lang="ru-RU" dirty="0"/>
+              <a:t>Не использовать рандом!</a:t>
+            </a:r>
           </a:p>
         </p:txBody>
       </p:sp>
     </p:spTree>
     <p:extLst>
       <p:ext uri="{BB962C8B-B14F-4D97-AF65-F5344CB8AC3E}">
-        <p14:creationId xmlns:p14="http://schemas.microsoft.com/office/powerpoint/2010/main" val="2708964074"/>
+        <p14:creationId xmlns:p14="http://schemas.microsoft.com/office/powerpoint/2010/main" val="3684981179"/>
       </p:ext>
     </p:extLst>
   </p:cSld>
@@ -7635,6 +7919,77 @@
             <p:ph type="title"/>
           </p:nvPr>
         </p:nvSpPr>
+        <p:spPr/>
+        <p:txBody>
+          <a:bodyPr/>
+          <a:lstStyle/>
+          <a:p>
+            <a:r>
+              <a:rPr lang="ru-RU" dirty="0"/>
+              <a:t>Генерация различных видов тестовых моделей</a:t>
+            </a:r>
+          </a:p>
+        </p:txBody>
+      </p:sp>
+      <p:sp>
+        <p:nvSpPr>
+          <p:cNvPr id="3" name="Объект 2"/>
+          <p:cNvSpPr>
+            <a:spLocks noGrp="1"/>
+          </p:cNvSpPr>
+          <p:nvPr>
+            <p:ph idx="1"/>
+          </p:nvPr>
+        </p:nvSpPr>
+        <p:spPr/>
+        <p:txBody>
+          <a:bodyPr/>
+          <a:lstStyle/>
+          <a:p>
+            <a:endParaRPr lang="ru-RU" dirty="0"/>
+          </a:p>
+        </p:txBody>
+      </p:sp>
+    </p:spTree>
+    <p:extLst>
+      <p:ext uri="{BB962C8B-B14F-4D97-AF65-F5344CB8AC3E}">
+        <p14:creationId xmlns:p14="http://schemas.microsoft.com/office/powerpoint/2010/main" val="869236544"/>
+      </p:ext>
+    </p:extLst>
+  </p:cSld>
+  <p:clrMapOvr>
+    <a:masterClrMapping/>
+  </p:clrMapOvr>
+</p:sld>
+</file>
+
+<file path=ppt/slides/slide55.xml><?xml version="1.0" encoding="utf-8"?>
+<p:sld xmlns:a="http://schemas.openxmlformats.org/drawingml/2006/main" xmlns:r="http://schemas.openxmlformats.org/officeDocument/2006/relationships" xmlns:p="http://schemas.openxmlformats.org/presentationml/2006/main">
+  <p:cSld>
+    <p:spTree>
+      <p:nvGrpSpPr>
+        <p:cNvPr id="1" name=""/>
+        <p:cNvGrpSpPr/>
+        <p:nvPr/>
+      </p:nvGrpSpPr>
+      <p:grpSpPr>
+        <a:xfrm>
+          <a:off x="0" y="0"/>
+          <a:ext cx="0" cy="0"/>
+          <a:chOff x="0" y="0"/>
+          <a:chExt cx="0" cy="0"/>
+        </a:xfrm>
+      </p:grpSpPr>
+      <p:sp>
+        <p:nvSpPr>
+          <p:cNvPr id="2" name="Заголовок 1"/>
+          <p:cNvSpPr>
+            <a:spLocks noGrp="1"/>
+          </p:cNvSpPr>
+          <p:nvPr>
+            <p:ph type="title"/>
+          </p:nvPr>
+        </p:nvSpPr>
         <p:spPr>
           <a:xfrm>
             <a:off x="815225" y="2443941"/>
@@ -7649,7 +8004,221 @@
           <a:p>
             <a:pPr algn="ctr"/>
             <a:r>
-              <a:rPr lang="ru-RU" sz="8000" dirty="0" smtClean="0"/>
+              <a:rPr lang="ru-RU" sz="8000" dirty="0"/>
+              <a:t>Выводы</a:t>
+            </a:r>
+            <a:endParaRPr lang="ru-RU" dirty="0"/>
+          </a:p>
+        </p:txBody>
+      </p:sp>
+    </p:spTree>
+    <p:extLst>
+      <p:ext uri="{BB962C8B-B14F-4D97-AF65-F5344CB8AC3E}">
+        <p14:creationId xmlns:p14="http://schemas.microsoft.com/office/powerpoint/2010/main" val="3148245826"/>
+      </p:ext>
+    </p:extLst>
+  </p:cSld>
+  <p:clrMapOvr>
+    <a:masterClrMapping/>
+  </p:clrMapOvr>
+</p:sld>
+</file>
+
+<file path=ppt/slides/slide56.xml><?xml version="1.0" encoding="utf-8"?>
+<p:sld xmlns:a="http://schemas.openxmlformats.org/drawingml/2006/main" xmlns:r="http://schemas.openxmlformats.org/officeDocument/2006/relationships" xmlns:p="http://schemas.openxmlformats.org/presentationml/2006/main">
+  <p:cSld>
+    <p:spTree>
+      <p:nvGrpSpPr>
+        <p:cNvPr id="1" name=""/>
+        <p:cNvGrpSpPr/>
+        <p:nvPr/>
+      </p:nvGrpSpPr>
+      <p:grpSpPr>
+        <a:xfrm>
+          <a:off x="0" y="0"/>
+          <a:ext cx="0" cy="0"/>
+          <a:chOff x="0" y="0"/>
+          <a:chExt cx="0" cy="0"/>
+        </a:xfrm>
+      </p:grpSpPr>
+      <p:sp>
+        <p:nvSpPr>
+          <p:cNvPr id="2" name="Заголовок 1"/>
+          <p:cNvSpPr>
+            <a:spLocks noGrp="1"/>
+          </p:cNvSpPr>
+          <p:nvPr>
+            <p:ph type="title"/>
+          </p:nvPr>
+        </p:nvSpPr>
+        <p:spPr/>
+        <p:txBody>
+          <a:bodyPr/>
+          <a:lstStyle/>
+          <a:p>
+            <a:r>
+              <a:rPr lang="ru-RU" dirty="0"/>
+              <a:t>Выводы</a:t>
+            </a:r>
+          </a:p>
+        </p:txBody>
+      </p:sp>
+      <p:sp>
+        <p:nvSpPr>
+          <p:cNvPr id="3" name="Объект 2"/>
+          <p:cNvSpPr>
+            <a:spLocks noGrp="1"/>
+          </p:cNvSpPr>
+          <p:nvPr>
+            <p:ph idx="1"/>
+          </p:nvPr>
+        </p:nvSpPr>
+        <p:spPr/>
+        <p:txBody>
+          <a:bodyPr/>
+          <a:lstStyle/>
+          <a:p>
+            <a:endParaRPr lang="ru-RU"/>
+          </a:p>
+        </p:txBody>
+      </p:sp>
+    </p:spTree>
+    <p:extLst>
+      <p:ext uri="{BB962C8B-B14F-4D97-AF65-F5344CB8AC3E}">
+        <p14:creationId xmlns:p14="http://schemas.microsoft.com/office/powerpoint/2010/main" val="2248947972"/>
+      </p:ext>
+    </p:extLst>
+  </p:cSld>
+  <p:clrMapOvr>
+    <a:masterClrMapping/>
+  </p:clrMapOvr>
+</p:sld>
+</file>
+
+<file path=ppt/slides/slide57.xml><?xml version="1.0" encoding="utf-8"?>
+<p:sld xmlns:a="http://schemas.openxmlformats.org/drawingml/2006/main" xmlns:r="http://schemas.openxmlformats.org/officeDocument/2006/relationships" xmlns:p="http://schemas.openxmlformats.org/presentationml/2006/main">
+  <p:cSld>
+    <p:spTree>
+      <p:nvGrpSpPr>
+        <p:cNvPr id="1" name=""/>
+        <p:cNvGrpSpPr/>
+        <p:nvPr/>
+      </p:nvGrpSpPr>
+      <p:grpSpPr>
+        <a:xfrm>
+          <a:off x="0" y="0"/>
+          <a:ext cx="0" cy="0"/>
+          <a:chOff x="0" y="0"/>
+          <a:chExt cx="0" cy="0"/>
+        </a:xfrm>
+      </p:grpSpPr>
+      <p:sp>
+        <p:nvSpPr>
+          <p:cNvPr id="2" name="Заголовок 1"/>
+          <p:cNvSpPr>
+            <a:spLocks noGrp="1"/>
+          </p:cNvSpPr>
+          <p:nvPr>
+            <p:ph type="title"/>
+          </p:nvPr>
+        </p:nvSpPr>
+        <p:spPr>
+          <a:xfrm>
+            <a:off x="815225" y="2443941"/>
+            <a:ext cx="10515600" cy="1978429"/>
+          </a:xfrm>
+        </p:spPr>
+        <p:txBody>
+          <a:bodyPr anchor="ctr">
+            <a:normAutofit fontScale="90000"/>
+          </a:bodyPr>
+          <a:lstStyle/>
+          <a:p>
+            <a:pPr algn="ctr"/>
+            <a:r>
+              <a:rPr lang="ru-RU" sz="8000" dirty="0"/>
+              <a:t>Здоровья!</a:t>
+            </a:r>
+            <a:br>
+              <a:rPr lang="ru-RU" sz="8000" dirty="0"/>
+            </a:br>
+            <a:r>
+              <a:rPr lang="ru-RU" sz="8000" dirty="0"/>
+              <a:t>Добра!</a:t>
+            </a:r>
+            <a:br>
+              <a:rPr lang="ru-RU" sz="8000" dirty="0"/>
+            </a:br>
+            <a:r>
+              <a:rPr lang="ru-RU" sz="8000" dirty="0"/>
+              <a:t>Любви!</a:t>
+            </a:r>
+            <a:br>
+              <a:rPr lang="ru-RU" sz="8000" dirty="0"/>
+            </a:br>
+            <a:r>
+              <a:rPr lang="ru-RU" sz="8000" dirty="0"/>
+              <a:t>И процветания!</a:t>
+            </a:r>
+            <a:endParaRPr lang="ru-RU" dirty="0"/>
+          </a:p>
+        </p:txBody>
+      </p:sp>
+    </p:spTree>
+    <p:extLst>
+      <p:ext uri="{BB962C8B-B14F-4D97-AF65-F5344CB8AC3E}">
+        <p14:creationId xmlns:p14="http://schemas.microsoft.com/office/powerpoint/2010/main" val="2708964074"/>
+      </p:ext>
+    </p:extLst>
+  </p:cSld>
+  <p:clrMapOvr>
+    <a:masterClrMapping/>
+  </p:clrMapOvr>
+</p:sld>
+</file>
+
+<file path=ppt/slides/slide58.xml><?xml version="1.0" encoding="utf-8"?>
+<p:sld xmlns:a="http://schemas.openxmlformats.org/drawingml/2006/main" xmlns:r="http://schemas.openxmlformats.org/officeDocument/2006/relationships" xmlns:p="http://schemas.openxmlformats.org/presentationml/2006/main">
+  <p:cSld>
+    <p:spTree>
+      <p:nvGrpSpPr>
+        <p:cNvPr id="1" name=""/>
+        <p:cNvGrpSpPr/>
+        <p:nvPr/>
+      </p:nvGrpSpPr>
+      <p:grpSpPr>
+        <a:xfrm>
+          <a:off x="0" y="0"/>
+          <a:ext cx="0" cy="0"/>
+          <a:chOff x="0" y="0"/>
+          <a:chExt cx="0" cy="0"/>
+        </a:xfrm>
+      </p:grpSpPr>
+      <p:sp>
+        <p:nvSpPr>
+          <p:cNvPr id="2" name="Заголовок 1"/>
+          <p:cNvSpPr>
+            <a:spLocks noGrp="1"/>
+          </p:cNvSpPr>
+          <p:nvPr>
+            <p:ph type="title"/>
+          </p:nvPr>
+        </p:nvSpPr>
+        <p:spPr>
+          <a:xfrm>
+            <a:off x="815225" y="2443941"/>
+            <a:ext cx="10515600" cy="1978429"/>
+          </a:xfrm>
+        </p:spPr>
+        <p:txBody>
+          <a:bodyPr anchor="ctr">
+            <a:normAutofit/>
+          </a:bodyPr>
+          <a:lstStyle/>
+          <a:p>
+            <a:pPr algn="ctr"/>
+            <a:r>
+              <a:rPr lang="ru-RU" sz="8000" dirty="0"/>
               <a:t>Ответы на разминку</a:t>
             </a:r>
             <a:endParaRPr lang="ru-RU" dirty="0"/>
@@ -7688,7 +8257,13 @@
       </p:grpSpPr>
       <p:sp>
         <p:nvSpPr>
-          <p:cNvPr id="2" name="Заголовок 1"/>
+          <p:cNvPr id="2" name="Заголовок 1">
+            <a:extLst>
+              <a:ext uri="{FF2B5EF4-FFF2-40B4-BE49-F238E27FC236}">
+                <a16:creationId xmlns:a16="http://schemas.microsoft.com/office/drawing/2014/main" id="{D32E93E5-FF7B-4BC2-8F92-3E4FA2B6BCE0}"/>
+              </a:ext>
+            </a:extLst>
+          </p:cNvPr>
           <p:cNvSpPr>
             <a:spLocks noGrp="1"/>
           </p:cNvSpPr>
@@ -7702,16 +8277,21 @@
           <a:lstStyle/>
           <a:p>
             <a:r>
-              <a:rPr lang="ru-RU" dirty="0" smtClean="0"/>
-              <a:t>Разминка 2</a:t>
-            </a:r>
-            <a:endParaRPr lang="ru-RU" dirty="0"/>
-          </a:p>
-        </p:txBody>
-      </p:sp>
-      <p:sp>
-        <p:nvSpPr>
-          <p:cNvPr id="3" name="Объект 2"/>
+              <a:rPr lang="ru-RU" dirty="0"/>
+              <a:t>Правильный ответ</a:t>
+            </a:r>
+          </a:p>
+        </p:txBody>
+      </p:sp>
+      <p:sp>
+        <p:nvSpPr>
+          <p:cNvPr id="3" name="Объект 2">
+            <a:extLst>
+              <a:ext uri="{FF2B5EF4-FFF2-40B4-BE49-F238E27FC236}">
+                <a16:creationId xmlns:a16="http://schemas.microsoft.com/office/drawing/2014/main" id="{EDEAFE76-2D1E-47B9-B210-BBBFDA06DB27}"/>
+              </a:ext>
+            </a:extLst>
+          </p:cNvPr>
           <p:cNvSpPr>
             <a:spLocks noGrp="1"/>
           </p:cNvSpPr>
@@ -7728,34 +8308,10 @@
           </a:p>
         </p:txBody>
       </p:sp>
-      <p:pic>
-        <p:nvPicPr>
-          <p:cNvPr id="4" name="Рисунок 3"/>
-          <p:cNvPicPr>
-            <a:picLocks noChangeAspect="1"/>
-          </p:cNvPicPr>
-          <p:nvPr/>
-        </p:nvPicPr>
-        <p:blipFill>
-          <a:blip r:embed="rId2"/>
-          <a:stretch>
-            <a:fillRect/>
-          </a:stretch>
-        </p:blipFill>
-        <p:spPr>
-          <a:xfrm>
-            <a:off x="775421" y="1344584"/>
-            <a:ext cx="10884594" cy="4939838"/>
-          </a:xfrm>
-          <a:prstGeom prst="rect">
-            <a:avLst/>
-          </a:prstGeom>
-        </p:spPr>
-      </p:pic>
     </p:spTree>
     <p:extLst>
       <p:ext uri="{BB962C8B-B14F-4D97-AF65-F5344CB8AC3E}">
-        <p14:creationId xmlns:p14="http://schemas.microsoft.com/office/powerpoint/2010/main" val="1559974981"/>
+        <p14:creationId xmlns:p14="http://schemas.microsoft.com/office/powerpoint/2010/main" val="2493756242"/>
       </p:ext>
     </p:extLst>
   </p:cSld>
@@ -7798,10 +8354,9 @@
           <a:lstStyle/>
           <a:p>
             <a:r>
-              <a:rPr lang="ru-RU" dirty="0" smtClean="0"/>
-              <a:t>Разминка 3</a:t>
-            </a:r>
-            <a:endParaRPr lang="ru-RU" dirty="0"/>
+              <a:rPr lang="ru-RU" dirty="0"/>
+              <a:t>Разминка 2</a:t>
+            </a:r>
           </a:p>
         </p:txBody>
       </p:sp>
@@ -7820,13 +8375,13 @@
           <a:bodyPr/>
           <a:lstStyle/>
           <a:p>
-            <a:endParaRPr lang="ru-RU" dirty="0"/>
+            <a:endParaRPr lang="ru-RU"/>
           </a:p>
         </p:txBody>
       </p:sp>
       <p:pic>
         <p:nvPicPr>
-          <p:cNvPr id="5" name="Рисунок 4"/>
+          <p:cNvPr id="4" name="Рисунок 3"/>
           <p:cNvPicPr>
             <a:picLocks noChangeAspect="1"/>
           </p:cNvPicPr>
@@ -7840,8 +8395,8 @@
         </p:blipFill>
         <p:spPr>
           <a:xfrm>
-            <a:off x="1647392" y="1690688"/>
-            <a:ext cx="9150841" cy="4379890"/>
+            <a:off x="775421" y="1344584"/>
+            <a:ext cx="10884594" cy="4939838"/>
           </a:xfrm>
           <a:prstGeom prst="rect">
             <a:avLst/>
@@ -7851,7 +8406,7 @@
     </p:spTree>
     <p:extLst>
       <p:ext uri="{BB962C8B-B14F-4D97-AF65-F5344CB8AC3E}">
-        <p14:creationId xmlns:p14="http://schemas.microsoft.com/office/powerpoint/2010/main" val="1698553441"/>
+        <p14:creationId xmlns:p14="http://schemas.microsoft.com/office/powerpoint/2010/main" val="1559974981"/>
       </p:ext>
     </p:extLst>
   </p:cSld>
@@ -7888,35 +8443,65 @@
             <p:ph type="title"/>
           </p:nvPr>
         </p:nvSpPr>
-        <p:spPr>
-          <a:xfrm>
-            <a:off x="815225" y="2443941"/>
-            <a:ext cx="10515600" cy="1978429"/>
-          </a:xfrm>
-        </p:spPr>
-        <p:txBody>
-          <a:bodyPr anchor="ctr">
-            <a:normAutofit fontScale="90000"/>
-          </a:bodyPr>
-          <a:lstStyle/>
-          <a:p>
-            <a:pPr algn="ctr"/>
-            <a:r>
-              <a:rPr lang="ru-RU" sz="8000" dirty="0" smtClean="0"/>
-              <a:t>Перечисления в публичном </a:t>
-            </a:r>
-            <a:r>
-              <a:rPr lang="en-US" sz="8000" dirty="0" smtClean="0"/>
-              <a:t>API</a:t>
-            </a:r>
+        <p:spPr/>
+        <p:txBody>
+          <a:bodyPr/>
+          <a:lstStyle/>
+          <a:p>
+            <a:r>
+              <a:rPr lang="ru-RU" dirty="0"/>
+              <a:t>Разминка 3</a:t>
+            </a:r>
+          </a:p>
+        </p:txBody>
+      </p:sp>
+      <p:sp>
+        <p:nvSpPr>
+          <p:cNvPr id="3" name="Объект 2"/>
+          <p:cNvSpPr>
+            <a:spLocks noGrp="1"/>
+          </p:cNvSpPr>
+          <p:nvPr>
+            <p:ph idx="1"/>
+          </p:nvPr>
+        </p:nvSpPr>
+        <p:spPr/>
+        <p:txBody>
+          <a:bodyPr/>
+          <a:lstStyle/>
+          <a:p>
             <a:endParaRPr lang="ru-RU" dirty="0"/>
           </a:p>
         </p:txBody>
       </p:sp>
+      <p:pic>
+        <p:nvPicPr>
+          <p:cNvPr id="5" name="Рисунок 4"/>
+          <p:cNvPicPr>
+            <a:picLocks noChangeAspect="1"/>
+          </p:cNvPicPr>
+          <p:nvPr/>
+        </p:nvPicPr>
+        <p:blipFill>
+          <a:blip r:embed="rId2"/>
+          <a:stretch>
+            <a:fillRect/>
+          </a:stretch>
+        </p:blipFill>
+        <p:spPr>
+          <a:xfrm>
+            <a:off x="1647392" y="1690688"/>
+            <a:ext cx="9150841" cy="4379890"/>
+          </a:xfrm>
+          <a:prstGeom prst="rect">
+            <a:avLst/>
+          </a:prstGeom>
+        </p:spPr>
+      </p:pic>
     </p:spTree>
     <p:extLst>
       <p:ext uri="{BB962C8B-B14F-4D97-AF65-F5344CB8AC3E}">
-        <p14:creationId xmlns:p14="http://schemas.microsoft.com/office/powerpoint/2010/main" val="3254466084"/>
+        <p14:creationId xmlns:p14="http://schemas.microsoft.com/office/powerpoint/2010/main" val="1698553441"/>
       </p:ext>
     </p:extLst>
   </p:cSld>
@@ -7953,77 +8538,35 @@
             <p:ph type="title"/>
           </p:nvPr>
         </p:nvSpPr>
-        <p:spPr/>
-        <p:txBody>
-          <a:bodyPr/>
-          <a:lstStyle/>
-          <a:p>
-            <a:r>
-              <a:rPr lang="en-US" dirty="0" err="1" smtClean="0"/>
-              <a:t>JPoint</a:t>
-            </a:r>
-            <a:r>
-              <a:rPr lang="en-US" dirty="0" smtClean="0"/>
-              <a:t> 2021</a:t>
+        <p:spPr>
+          <a:xfrm>
+            <a:off x="815225" y="2443941"/>
+            <a:ext cx="10515600" cy="1978429"/>
+          </a:xfrm>
+        </p:spPr>
+        <p:txBody>
+          <a:bodyPr anchor="ctr">
+            <a:normAutofit fontScale="90000"/>
+          </a:bodyPr>
+          <a:lstStyle/>
+          <a:p>
+            <a:pPr algn="ctr"/>
+            <a:r>
+              <a:rPr lang="ru-RU" sz="8000" dirty="0"/>
+              <a:t>Перечисления в публичном </a:t>
+            </a:r>
+            <a:r>
+              <a:rPr lang="en-US" sz="8000" dirty="0"/>
+              <a:t>API</a:t>
             </a:r>
             <a:endParaRPr lang="ru-RU" dirty="0"/>
           </a:p>
         </p:txBody>
       </p:sp>
-      <p:pic>
-        <p:nvPicPr>
-          <p:cNvPr id="4" name="Объект 3"/>
-          <p:cNvPicPr>
-            <a:picLocks noGrp="1" noChangeAspect="1"/>
-          </p:cNvPicPr>
-          <p:nvPr>
-            <p:ph idx="1"/>
-          </p:nvPr>
-        </p:nvPicPr>
-        <p:blipFill>
-          <a:blip r:embed="rId2"/>
-          <a:stretch>
-            <a:fillRect/>
-          </a:stretch>
-        </p:blipFill>
-        <p:spPr>
-          <a:xfrm>
-            <a:off x="838200" y="1809000"/>
-            <a:ext cx="7751199" cy="4351338"/>
-          </a:xfrm>
-          <a:prstGeom prst="rect">
-            <a:avLst/>
-          </a:prstGeom>
-        </p:spPr>
-      </p:pic>
-      <p:pic>
-        <p:nvPicPr>
-          <p:cNvPr id="6" name="Рисунок 5"/>
-          <p:cNvPicPr>
-            <a:picLocks noChangeAspect="1"/>
-          </p:cNvPicPr>
-          <p:nvPr/>
-        </p:nvPicPr>
-        <p:blipFill>
-          <a:blip r:embed="rId3"/>
-          <a:stretch>
-            <a:fillRect/>
-          </a:stretch>
-        </p:blipFill>
-        <p:spPr>
-          <a:xfrm>
-            <a:off x="8182622" y="1883367"/>
-            <a:ext cx="3614003" cy="4202603"/>
-          </a:xfrm>
-          <a:prstGeom prst="rect">
-            <a:avLst/>
-          </a:prstGeom>
-        </p:spPr>
-      </p:pic>
     </p:spTree>
     <p:extLst>
       <p:ext uri="{BB962C8B-B14F-4D97-AF65-F5344CB8AC3E}">
-        <p14:creationId xmlns:p14="http://schemas.microsoft.com/office/powerpoint/2010/main" val="2550445017"/>
+        <p14:creationId xmlns:p14="http://schemas.microsoft.com/office/powerpoint/2010/main" val="3254466084"/>
       </p:ext>
     </p:extLst>
   </p:cSld>
